--- a/전투.pptx
+++ b/전투.pptx
@@ -6,6 +6,7 @@
   </p:sldMasterIdLst>
   <p:sldIdLst>
     <p:sldId id="266" r:id="rId2"/>
+    <p:sldId id="267" r:id="rId3"/>
   </p:sldIdLst>
   <p:sldSz cx="12192000" cy="6858000"/>
   <p:notesSz cx="6858000" cy="9144000"/>
@@ -104,6 +105,11 @@
       </a:defRPr>
     </a:lvl9pPr>
   </p:defaultTextStyle>
+  <p:extLst>
+    <p:ext uri="{EFAFB233-063F-42B5-8137-9DF3F51BA10A}">
+      <p15:sldGuideLst xmlns:p15="http://schemas.microsoft.com/office/powerpoint/2012/main"/>
+    </p:ext>
+  </p:extLst>
 </p:presentation>
 </file>
 
@@ -254,7 +260,7 @@
           <a:p>
             <a:fld id="{8069FA6A-2A84-40D6-BD33-EFEC6828BE5B}" type="datetimeFigureOut">
               <a:rPr lang="ko-KR" altLang="en-US" smtClean="0"/>
-              <a:t>2024-03-22</a:t>
+              <a:t>2024-03-25</a:t>
             </a:fld>
             <a:endParaRPr lang="ko-KR" altLang="en-US"/>
           </a:p>
@@ -452,7 +458,7 @@
           <a:p>
             <a:fld id="{8069FA6A-2A84-40D6-BD33-EFEC6828BE5B}" type="datetimeFigureOut">
               <a:rPr lang="ko-KR" altLang="en-US" smtClean="0"/>
-              <a:t>2024-03-22</a:t>
+              <a:t>2024-03-25</a:t>
             </a:fld>
             <a:endParaRPr lang="ko-KR" altLang="en-US"/>
           </a:p>
@@ -660,7 +666,7 @@
           <a:p>
             <a:fld id="{8069FA6A-2A84-40D6-BD33-EFEC6828BE5B}" type="datetimeFigureOut">
               <a:rPr lang="ko-KR" altLang="en-US" smtClean="0"/>
-              <a:t>2024-03-22</a:t>
+              <a:t>2024-03-25</a:t>
             </a:fld>
             <a:endParaRPr lang="ko-KR" altLang="en-US"/>
           </a:p>
@@ -858,7 +864,7 @@
           <a:p>
             <a:fld id="{8069FA6A-2A84-40D6-BD33-EFEC6828BE5B}" type="datetimeFigureOut">
               <a:rPr lang="ko-KR" altLang="en-US" smtClean="0"/>
-              <a:t>2024-03-22</a:t>
+              <a:t>2024-03-25</a:t>
             </a:fld>
             <a:endParaRPr lang="ko-KR" altLang="en-US"/>
           </a:p>
@@ -1133,7 +1139,7 @@
           <a:p>
             <a:fld id="{8069FA6A-2A84-40D6-BD33-EFEC6828BE5B}" type="datetimeFigureOut">
               <a:rPr lang="ko-KR" altLang="en-US" smtClean="0"/>
-              <a:t>2024-03-22</a:t>
+              <a:t>2024-03-25</a:t>
             </a:fld>
             <a:endParaRPr lang="ko-KR" altLang="en-US"/>
           </a:p>
@@ -1398,7 +1404,7 @@
           <a:p>
             <a:fld id="{8069FA6A-2A84-40D6-BD33-EFEC6828BE5B}" type="datetimeFigureOut">
               <a:rPr lang="ko-KR" altLang="en-US" smtClean="0"/>
-              <a:t>2024-03-22</a:t>
+              <a:t>2024-03-25</a:t>
             </a:fld>
             <a:endParaRPr lang="ko-KR" altLang="en-US"/>
           </a:p>
@@ -1810,7 +1816,7 @@
           <a:p>
             <a:fld id="{8069FA6A-2A84-40D6-BD33-EFEC6828BE5B}" type="datetimeFigureOut">
               <a:rPr lang="ko-KR" altLang="en-US" smtClean="0"/>
-              <a:t>2024-03-22</a:t>
+              <a:t>2024-03-25</a:t>
             </a:fld>
             <a:endParaRPr lang="ko-KR" altLang="en-US"/>
           </a:p>
@@ -1951,7 +1957,7 @@
           <a:p>
             <a:fld id="{8069FA6A-2A84-40D6-BD33-EFEC6828BE5B}" type="datetimeFigureOut">
               <a:rPr lang="ko-KR" altLang="en-US" smtClean="0"/>
-              <a:t>2024-03-22</a:t>
+              <a:t>2024-03-25</a:t>
             </a:fld>
             <a:endParaRPr lang="ko-KR" altLang="en-US"/>
           </a:p>
@@ -2064,7 +2070,7 @@
           <a:p>
             <a:fld id="{8069FA6A-2A84-40D6-BD33-EFEC6828BE5B}" type="datetimeFigureOut">
               <a:rPr lang="ko-KR" altLang="en-US" smtClean="0"/>
-              <a:t>2024-03-22</a:t>
+              <a:t>2024-03-25</a:t>
             </a:fld>
             <a:endParaRPr lang="ko-KR" altLang="en-US"/>
           </a:p>
@@ -2375,7 +2381,7 @@
           <a:p>
             <a:fld id="{8069FA6A-2A84-40D6-BD33-EFEC6828BE5B}" type="datetimeFigureOut">
               <a:rPr lang="ko-KR" altLang="en-US" smtClean="0"/>
-              <a:t>2024-03-22</a:t>
+              <a:t>2024-03-25</a:t>
             </a:fld>
             <a:endParaRPr lang="ko-KR" altLang="en-US"/>
           </a:p>
@@ -2663,7 +2669,7 @@
           <a:p>
             <a:fld id="{8069FA6A-2A84-40D6-BD33-EFEC6828BE5B}" type="datetimeFigureOut">
               <a:rPr lang="ko-KR" altLang="en-US" smtClean="0"/>
-              <a:t>2024-03-22</a:t>
+              <a:t>2024-03-25</a:t>
             </a:fld>
             <a:endParaRPr lang="ko-KR" altLang="en-US"/>
           </a:p>
@@ -2904,7 +2910,7 @@
           <a:p>
             <a:fld id="{8069FA6A-2A84-40D6-BD33-EFEC6828BE5B}" type="datetimeFigureOut">
               <a:rPr lang="ko-KR" altLang="en-US" smtClean="0"/>
-              <a:t>2024-03-22</a:t>
+              <a:t>2024-03-25</a:t>
             </a:fld>
             <a:endParaRPr lang="ko-KR" altLang="en-US"/>
           </a:p>
@@ -3351,6 +3357,366 @@
           <a:p>
             <a:r>
               <a:rPr lang="ko-KR" altLang="en-US" dirty="0"/>
+              <a:t>전투</a:t>
+            </a:r>
+          </a:p>
+        </p:txBody>
+      </p:sp>
+      <p:sp>
+        <p:nvSpPr>
+          <p:cNvPr id="11" name="TextBox 10">
+            <a:extLst>
+              <a:ext uri="{FF2B5EF4-FFF2-40B4-BE49-F238E27FC236}">
+                <a16:creationId xmlns:a16="http://schemas.microsoft.com/office/drawing/2014/main" id="{BE1D231D-2F7F-F83F-96CF-2CDE57F99C49}"/>
+              </a:ext>
+            </a:extLst>
+          </p:cNvPr>
+          <p:cNvSpPr txBox="1"/>
+          <p:nvPr/>
+        </p:nvSpPr>
+        <p:spPr>
+          <a:xfrm>
+            <a:off x="487913" y="1003973"/>
+            <a:ext cx="11319388" cy="4801314"/>
+          </a:xfrm>
+          <a:prstGeom prst="rect">
+            <a:avLst/>
+          </a:prstGeom>
+          <a:noFill/>
+        </p:spPr>
+        <p:txBody>
+          <a:bodyPr wrap="square" rtlCol="0">
+            <a:spAutoFit/>
+          </a:bodyPr>
+          <a:lstStyle/>
+          <a:p>
+            <a:pPr marL="285750" indent="-285750">
+              <a:buFontTx/>
+              <a:buChar char="-"/>
+            </a:pPr>
+            <a:r>
+              <a:rPr lang="ko-KR" altLang="en-US" dirty="0"/>
+              <a:t>전투 시스템은 기본적으로 확률 기반 계산</a:t>
+            </a:r>
+            <a:r>
+              <a:rPr lang="en-US" altLang="ko-KR" dirty="0"/>
+              <a:t>.</a:t>
+            </a:r>
+          </a:p>
+          <a:p>
+            <a:pPr marL="285750" indent="-285750">
+              <a:buFontTx/>
+              <a:buChar char="-"/>
+            </a:pPr>
+            <a:r>
+              <a:rPr lang="ko-KR" altLang="en-US" dirty="0"/>
+              <a:t>여러 요소들을 종합하여 확률에 영향을 미친 뒤 해당 확률을 가지고 승패를 결정</a:t>
+            </a:r>
+            <a:r>
+              <a:rPr lang="en-US" altLang="ko-KR" dirty="0"/>
+              <a:t>.</a:t>
+            </a:r>
+          </a:p>
+          <a:p>
+            <a:pPr marL="285750" indent="-285750">
+              <a:buFontTx/>
+              <a:buChar char="-"/>
+            </a:pPr>
+            <a:endParaRPr lang="en-US" altLang="ko-KR" dirty="0"/>
+          </a:p>
+          <a:p>
+            <a:pPr marL="285750" indent="-285750">
+              <a:buFontTx/>
+              <a:buChar char="-"/>
+            </a:pPr>
+            <a:r>
+              <a:rPr lang="ko-KR" altLang="en-US" dirty="0"/>
+              <a:t>처음엔 승리 확률 </a:t>
+            </a:r>
+            <a:r>
+              <a:rPr lang="en-US" altLang="ko-KR" dirty="0"/>
+              <a:t>50</a:t>
+            </a:r>
+            <a:r>
+              <a:rPr lang="ko-KR" altLang="en-US" dirty="0"/>
+              <a:t>프로로 시작</a:t>
+            </a:r>
+            <a:r>
+              <a:rPr lang="en-US" altLang="ko-KR" dirty="0"/>
+              <a:t>.</a:t>
+            </a:r>
+          </a:p>
+          <a:p>
+            <a:pPr marL="285750" indent="-285750">
+              <a:buFontTx/>
+              <a:buChar char="-"/>
+            </a:pPr>
+            <a:r>
+              <a:rPr lang="en-US" altLang="ko-KR" dirty="0"/>
+              <a:t>30&gt;, 70&lt;</a:t>
+            </a:r>
+            <a:r>
+              <a:rPr lang="ko-KR" altLang="en-US" dirty="0"/>
+              <a:t>인 경우부터 증가 폭이 절반</a:t>
+            </a:r>
+            <a:r>
+              <a:rPr lang="en-US" altLang="ko-KR" dirty="0"/>
+              <a:t>.</a:t>
+            </a:r>
+          </a:p>
+          <a:p>
+            <a:pPr marL="285750" indent="-285750">
+              <a:buFontTx/>
+              <a:buChar char="-"/>
+            </a:pPr>
+            <a:r>
+              <a:rPr lang="en-US" altLang="ko-KR" dirty="0"/>
+              <a:t>20&gt;, 80&lt;</a:t>
+            </a:r>
+            <a:r>
+              <a:rPr lang="ko-KR" altLang="en-US" dirty="0"/>
+              <a:t>인 경우부터 증가 폭이 </a:t>
+            </a:r>
+            <a:r>
+              <a:rPr lang="en-US" altLang="ko-KR" dirty="0"/>
+              <a:t>1/5</a:t>
+            </a:r>
+            <a:r>
+              <a:rPr lang="ko-KR" altLang="en-US" dirty="0"/>
+              <a:t>배</a:t>
+            </a:r>
+            <a:r>
+              <a:rPr lang="en-US" altLang="ko-KR" dirty="0"/>
+              <a:t>.</a:t>
+            </a:r>
+          </a:p>
+          <a:p>
+            <a:pPr marL="285750" indent="-285750">
+              <a:buFontTx/>
+              <a:buChar char="-"/>
+            </a:pPr>
+            <a:r>
+              <a:rPr lang="en-US" altLang="ko-KR" dirty="0"/>
+              <a:t>10&gt;, 90&lt;</a:t>
+            </a:r>
+            <a:r>
+              <a:rPr lang="ko-KR" altLang="en-US" dirty="0"/>
+              <a:t>인 경우부터 증가 폭이 </a:t>
+            </a:r>
+            <a:r>
+              <a:rPr lang="en-US" altLang="ko-KR" dirty="0"/>
+              <a:t>1/10</a:t>
+            </a:r>
+            <a:r>
+              <a:rPr lang="ko-KR" altLang="en-US" dirty="0"/>
+              <a:t>배</a:t>
+            </a:r>
+            <a:r>
+              <a:rPr lang="en-US" altLang="ko-KR" dirty="0"/>
+              <a:t>.</a:t>
+            </a:r>
+          </a:p>
+          <a:p>
+            <a:pPr marL="285750" indent="-285750">
+              <a:buFontTx/>
+              <a:buChar char="-"/>
+            </a:pPr>
+            <a:r>
+              <a:rPr lang="ko-KR" altLang="en-US" dirty="0"/>
+              <a:t>이후로는 </a:t>
+            </a:r>
+            <a:r>
+              <a:rPr lang="en-US" altLang="ko-KR" dirty="0"/>
+              <a:t>1</a:t>
+            </a:r>
+            <a:r>
+              <a:rPr lang="ko-KR" altLang="en-US" dirty="0"/>
+              <a:t>프로 증가 시 </a:t>
+            </a:r>
+            <a:r>
+              <a:rPr lang="en-US" altLang="ko-KR" dirty="0"/>
+              <a:t>10</a:t>
+            </a:r>
+            <a:r>
+              <a:rPr lang="ko-KR" altLang="en-US" dirty="0"/>
+              <a:t>배 하는 형식으로 증가 폭 감소시킴</a:t>
+            </a:r>
+            <a:r>
+              <a:rPr lang="en-US" altLang="ko-KR" dirty="0"/>
+              <a:t>.</a:t>
+            </a:r>
+          </a:p>
+          <a:p>
+            <a:pPr marL="285750" indent="-285750">
+              <a:buFontTx/>
+              <a:buChar char="-"/>
+            </a:pPr>
+            <a:r>
+              <a:rPr lang="ko-KR" altLang="en-US" dirty="0"/>
+              <a:t>일단 이런 식으로 해놓고</a:t>
+            </a:r>
+            <a:r>
+              <a:rPr lang="en-US" altLang="ko-KR" dirty="0"/>
+              <a:t>, </a:t>
+            </a:r>
+            <a:r>
+              <a:rPr lang="ko-KR" altLang="en-US" dirty="0"/>
+              <a:t>알고리즘이 수정이 필요하면 나중에 고치기</a:t>
+            </a:r>
+            <a:r>
+              <a:rPr lang="en-US" altLang="ko-KR" dirty="0"/>
+              <a:t>.</a:t>
+            </a:r>
+          </a:p>
+          <a:p>
+            <a:pPr marL="285750" indent="-285750">
+              <a:buFontTx/>
+              <a:buChar char="-"/>
+            </a:pPr>
+            <a:endParaRPr lang="en-US" altLang="ko-KR" dirty="0"/>
+          </a:p>
+          <a:p>
+            <a:pPr marL="285750" indent="-285750">
+              <a:buFontTx/>
+              <a:buChar char="-"/>
+            </a:pPr>
+            <a:r>
+              <a:rPr lang="ko-KR" altLang="en-US" dirty="0"/>
+              <a:t>적은 스킬을 사용하는 걸로</a:t>
+            </a:r>
+            <a:r>
+              <a:rPr lang="en-US" altLang="ko-KR" dirty="0"/>
+              <a:t>. </a:t>
+            </a:r>
+            <a:r>
+              <a:rPr lang="ko-KR" altLang="en-US" dirty="0"/>
+              <a:t>수집요소를 줄 순 </a:t>
+            </a:r>
+            <a:r>
+              <a:rPr lang="ko-KR" altLang="en-US" dirty="0" err="1"/>
+              <a:t>없으니깐</a:t>
+            </a:r>
+            <a:r>
+              <a:rPr lang="en-US" altLang="ko-KR" dirty="0"/>
+              <a:t>…</a:t>
+            </a:r>
+          </a:p>
+          <a:p>
+            <a:pPr marL="285750" indent="-285750">
+              <a:buFontTx/>
+              <a:buChar char="-"/>
+            </a:pPr>
+            <a:r>
+              <a:rPr lang="ko-KR" altLang="en-US" dirty="0"/>
+              <a:t>그러면 적의 기본 수치들로 계산해놓고</a:t>
+            </a:r>
+            <a:r>
+              <a:rPr lang="en-US" altLang="ko-KR" dirty="0"/>
+              <a:t>, </a:t>
+            </a:r>
+            <a:r>
+              <a:rPr lang="ko-KR" altLang="en-US" dirty="0"/>
+              <a:t>거기에 수집요소들과 특성</a:t>
+            </a:r>
+            <a:r>
+              <a:rPr lang="en-US" altLang="ko-KR" dirty="0"/>
+              <a:t>, </a:t>
+            </a:r>
+            <a:r>
+              <a:rPr lang="ko-KR" altLang="en-US" dirty="0"/>
+              <a:t>그리고 적의 스킬에 따른 확률 증감을 표기하면 될 듯</a:t>
+            </a:r>
+            <a:r>
+              <a:rPr lang="en-US" altLang="ko-KR" dirty="0"/>
+              <a:t>.</a:t>
+            </a:r>
+          </a:p>
+          <a:p>
+            <a:pPr marL="285750" indent="-285750">
+              <a:buFontTx/>
+              <a:buChar char="-"/>
+            </a:pPr>
+            <a:endParaRPr lang="en-US" altLang="ko-KR" dirty="0"/>
+          </a:p>
+          <a:p>
+            <a:pPr marL="285750" indent="-285750">
+              <a:buFontTx/>
+              <a:buChar char="-"/>
+            </a:pPr>
+            <a:endParaRPr lang="en-US" altLang="ko-KR" dirty="0"/>
+          </a:p>
+          <a:p>
+            <a:pPr marL="285750" indent="-285750">
+              <a:buFontTx/>
+              <a:buChar char="-"/>
+            </a:pPr>
+            <a:endParaRPr lang="en-US" altLang="ko-KR" dirty="0"/>
+          </a:p>
+          <a:p>
+            <a:endParaRPr lang="en-US" altLang="ko-KR" dirty="0"/>
+          </a:p>
+        </p:txBody>
+      </p:sp>
+    </p:spTree>
+    <p:extLst>
+      <p:ext uri="{BB962C8B-B14F-4D97-AF65-F5344CB8AC3E}">
+        <p14:creationId xmlns:p14="http://schemas.microsoft.com/office/powerpoint/2010/main" val="1062390423"/>
+      </p:ext>
+    </p:extLst>
+  </p:cSld>
+  <p:clrMapOvr>
+    <a:masterClrMapping/>
+  </p:clrMapOvr>
+</p:sld>
+</file>
+
+<file path=ppt/slides/slide2.xml><?xml version="1.0" encoding="utf-8"?>
+<p:sld xmlns:a="http://schemas.openxmlformats.org/drawingml/2006/main" xmlns:r="http://schemas.openxmlformats.org/officeDocument/2006/relationships" xmlns:p="http://schemas.openxmlformats.org/presentationml/2006/main">
+  <p:cSld>
+    <p:spTree>
+      <p:nvGrpSpPr>
+        <p:cNvPr id="1" name=""/>
+        <p:cNvGrpSpPr/>
+        <p:nvPr/>
+      </p:nvGrpSpPr>
+      <p:grpSpPr>
+        <a:xfrm>
+          <a:off x="0" y="0"/>
+          <a:ext cx="0" cy="0"/>
+          <a:chOff x="0" y="0"/>
+          <a:chExt cx="0" cy="0"/>
+        </a:xfrm>
+      </p:grpSpPr>
+      <p:sp>
+        <p:nvSpPr>
+          <p:cNvPr id="9" name="TextBox 8">
+            <a:extLst>
+              <a:ext uri="{FF2B5EF4-FFF2-40B4-BE49-F238E27FC236}">
+                <a16:creationId xmlns:a16="http://schemas.microsoft.com/office/drawing/2014/main" id="{7C3AEEB5-635B-CC9E-A34E-9221454EB919}"/>
+              </a:ext>
+            </a:extLst>
+          </p:cNvPr>
+          <p:cNvSpPr txBox="1"/>
+          <p:nvPr/>
+        </p:nvSpPr>
+        <p:spPr>
+          <a:xfrm>
+            <a:off x="574431" y="439615"/>
+            <a:ext cx="646331" cy="369332"/>
+          </a:xfrm>
+          <a:prstGeom prst="rect">
+            <a:avLst/>
+          </a:prstGeom>
+          <a:noFill/>
+        </p:spPr>
+        <p:txBody>
+          <a:bodyPr wrap="none" rtlCol="0">
+            <a:spAutoFit/>
+          </a:bodyPr>
+          <a:lstStyle/>
+          <a:p>
+            <a:r>
+              <a:rPr lang="ko-KR" altLang="en-US" dirty="0"/>
               <a:t>속성</a:t>
             </a:r>
           </a:p>
@@ -3495,7 +3861,7 @@
     </p:spTree>
     <p:extLst>
       <p:ext uri="{BB962C8B-B14F-4D97-AF65-F5344CB8AC3E}">
-        <p14:creationId xmlns:p14="http://schemas.microsoft.com/office/powerpoint/2010/main" val="1062390423"/>
+        <p14:creationId xmlns:p14="http://schemas.microsoft.com/office/powerpoint/2010/main" val="2665547112"/>
       </p:ext>
     </p:extLst>
   </p:cSld>

--- a/전투.pptx
+++ b/전투.pptx
@@ -4,9 +4,15 @@
   <p:sldMasterIdLst>
     <p:sldMasterId id="2147483648" r:id="rId1"/>
   </p:sldMasterIdLst>
+  <p:notesMasterIdLst>
+    <p:notesMasterId r:id="rId7"/>
+  </p:notesMasterIdLst>
   <p:sldIdLst>
     <p:sldId id="266" r:id="rId2"/>
     <p:sldId id="267" r:id="rId3"/>
+    <p:sldId id="269" r:id="rId4"/>
+    <p:sldId id="270" r:id="rId5"/>
+    <p:sldId id="268" r:id="rId6"/>
   </p:sldIdLst>
   <p:sldSz cx="12192000" cy="6858000"/>
   <p:notesSz cx="6858000" cy="9144000"/>
@@ -111,6 +117,439 @@
     </p:ext>
   </p:extLst>
 </p:presentation>
+</file>
+
+<file path=ppt/notesMasters/notesMaster1.xml><?xml version="1.0" encoding="utf-8"?>
+<p:notesMaster xmlns:a="http://schemas.openxmlformats.org/drawingml/2006/main" xmlns:r="http://schemas.openxmlformats.org/officeDocument/2006/relationships" xmlns:p="http://schemas.openxmlformats.org/presentationml/2006/main">
+  <p:cSld>
+    <p:bg>
+      <p:bgRef idx="1001">
+        <a:schemeClr val="bg1"/>
+      </p:bgRef>
+    </p:bg>
+    <p:spTree>
+      <p:nvGrpSpPr>
+        <p:cNvPr id="1" name=""/>
+        <p:cNvGrpSpPr/>
+        <p:nvPr/>
+      </p:nvGrpSpPr>
+      <p:grpSpPr>
+        <a:xfrm>
+          <a:off x="0" y="0"/>
+          <a:ext cx="0" cy="0"/>
+          <a:chOff x="0" y="0"/>
+          <a:chExt cx="0" cy="0"/>
+        </a:xfrm>
+      </p:grpSpPr>
+      <p:sp>
+        <p:nvSpPr>
+          <p:cNvPr id="2" name="머리글 개체 틀 1"/>
+          <p:cNvSpPr>
+            <a:spLocks noGrp="1"/>
+          </p:cNvSpPr>
+          <p:nvPr>
+            <p:ph type="hdr" sz="quarter"/>
+          </p:nvPr>
+        </p:nvSpPr>
+        <p:spPr>
+          <a:xfrm>
+            <a:off x="0" y="0"/>
+            <a:ext cx="2971800" cy="458788"/>
+          </a:xfrm>
+          <a:prstGeom prst="rect">
+            <a:avLst/>
+          </a:prstGeom>
+        </p:spPr>
+        <p:txBody>
+          <a:bodyPr vert="horz" lIns="91440" tIns="45720" rIns="91440" bIns="45720" rtlCol="0"/>
+          <a:lstStyle>
+            <a:lvl1pPr algn="l">
+              <a:defRPr sz="1200"/>
+            </a:lvl1pPr>
+          </a:lstStyle>
+          <a:p>
+            <a:endParaRPr lang="ko-KR" altLang="en-US"/>
+          </a:p>
+        </p:txBody>
+      </p:sp>
+      <p:sp>
+        <p:nvSpPr>
+          <p:cNvPr id="3" name="날짜 개체 틀 2"/>
+          <p:cNvSpPr>
+            <a:spLocks noGrp="1"/>
+          </p:cNvSpPr>
+          <p:nvPr>
+            <p:ph type="dt" idx="1"/>
+          </p:nvPr>
+        </p:nvSpPr>
+        <p:spPr>
+          <a:xfrm>
+            <a:off x="3884613" y="0"/>
+            <a:ext cx="2971800" cy="458788"/>
+          </a:xfrm>
+          <a:prstGeom prst="rect">
+            <a:avLst/>
+          </a:prstGeom>
+        </p:spPr>
+        <p:txBody>
+          <a:bodyPr vert="horz" lIns="91440" tIns="45720" rIns="91440" bIns="45720" rtlCol="0"/>
+          <a:lstStyle>
+            <a:lvl1pPr algn="r">
+              <a:defRPr sz="1200"/>
+            </a:lvl1pPr>
+          </a:lstStyle>
+          <a:p>
+            <a:fld id="{78BB3FCA-29EA-4E4D-BC49-503A661C573A}" type="datetimeFigureOut">
+              <a:rPr lang="ko-KR" altLang="en-US" smtClean="0"/>
+              <a:t>2024-03-25</a:t>
+            </a:fld>
+            <a:endParaRPr lang="ko-KR" altLang="en-US"/>
+          </a:p>
+        </p:txBody>
+      </p:sp>
+      <p:sp>
+        <p:nvSpPr>
+          <p:cNvPr id="4" name="슬라이드 이미지 개체 틀 3"/>
+          <p:cNvSpPr>
+            <a:spLocks noGrp="1" noRot="1" noChangeAspect="1"/>
+          </p:cNvSpPr>
+          <p:nvPr>
+            <p:ph type="sldImg" idx="2"/>
+          </p:nvPr>
+        </p:nvSpPr>
+        <p:spPr>
+          <a:xfrm>
+            <a:off x="685800" y="1143000"/>
+            <a:ext cx="5486400" cy="3086100"/>
+          </a:xfrm>
+          <a:prstGeom prst="rect">
+            <a:avLst/>
+          </a:prstGeom>
+          <a:noFill/>
+          <a:ln w="12700">
+            <a:solidFill>
+              <a:prstClr val="black"/>
+            </a:solidFill>
+          </a:ln>
+        </p:spPr>
+        <p:txBody>
+          <a:bodyPr vert="horz" lIns="91440" tIns="45720" rIns="91440" bIns="45720" rtlCol="0" anchor="ctr"/>
+          <a:lstStyle/>
+          <a:p>
+            <a:endParaRPr lang="ko-KR" altLang="en-US"/>
+          </a:p>
+        </p:txBody>
+      </p:sp>
+      <p:sp>
+        <p:nvSpPr>
+          <p:cNvPr id="5" name="슬라이드 노트 개체 틀 4"/>
+          <p:cNvSpPr>
+            <a:spLocks noGrp="1"/>
+          </p:cNvSpPr>
+          <p:nvPr>
+            <p:ph type="body" sz="quarter" idx="3"/>
+          </p:nvPr>
+        </p:nvSpPr>
+        <p:spPr>
+          <a:xfrm>
+            <a:off x="685800" y="4400550"/>
+            <a:ext cx="5486400" cy="3600450"/>
+          </a:xfrm>
+          <a:prstGeom prst="rect">
+            <a:avLst/>
+          </a:prstGeom>
+        </p:spPr>
+        <p:txBody>
+          <a:bodyPr vert="horz" lIns="91440" tIns="45720" rIns="91440" bIns="45720" rtlCol="0"/>
+          <a:lstStyle/>
+          <a:p>
+            <a:pPr lvl="0"/>
+            <a:r>
+              <a:rPr lang="ko-KR" altLang="en-US"/>
+              <a:t>마스터 텍스트 스타일을 편집하려면 클릭</a:t>
+            </a:r>
+          </a:p>
+          <a:p>
+            <a:pPr lvl="1"/>
+            <a:r>
+              <a:rPr lang="ko-KR" altLang="en-US"/>
+              <a:t>두 번째 수준</a:t>
+            </a:r>
+          </a:p>
+          <a:p>
+            <a:pPr lvl="2"/>
+            <a:r>
+              <a:rPr lang="ko-KR" altLang="en-US"/>
+              <a:t>세 번째 수준</a:t>
+            </a:r>
+          </a:p>
+          <a:p>
+            <a:pPr lvl="3"/>
+            <a:r>
+              <a:rPr lang="ko-KR" altLang="en-US"/>
+              <a:t>네 번째 수준</a:t>
+            </a:r>
+          </a:p>
+          <a:p>
+            <a:pPr lvl="4"/>
+            <a:r>
+              <a:rPr lang="ko-KR" altLang="en-US"/>
+              <a:t>다섯 번째 수준</a:t>
+            </a:r>
+          </a:p>
+        </p:txBody>
+      </p:sp>
+      <p:sp>
+        <p:nvSpPr>
+          <p:cNvPr id="6" name="바닥글 개체 틀 5"/>
+          <p:cNvSpPr>
+            <a:spLocks noGrp="1"/>
+          </p:cNvSpPr>
+          <p:nvPr>
+            <p:ph type="ftr" sz="quarter" idx="4"/>
+          </p:nvPr>
+        </p:nvSpPr>
+        <p:spPr>
+          <a:xfrm>
+            <a:off x="0" y="8685213"/>
+            <a:ext cx="2971800" cy="458787"/>
+          </a:xfrm>
+          <a:prstGeom prst="rect">
+            <a:avLst/>
+          </a:prstGeom>
+        </p:spPr>
+        <p:txBody>
+          <a:bodyPr vert="horz" lIns="91440" tIns="45720" rIns="91440" bIns="45720" rtlCol="0" anchor="b"/>
+          <a:lstStyle>
+            <a:lvl1pPr algn="l">
+              <a:defRPr sz="1200"/>
+            </a:lvl1pPr>
+          </a:lstStyle>
+          <a:p>
+            <a:endParaRPr lang="ko-KR" altLang="en-US"/>
+          </a:p>
+        </p:txBody>
+      </p:sp>
+      <p:sp>
+        <p:nvSpPr>
+          <p:cNvPr id="7" name="슬라이드 번호 개체 틀 6"/>
+          <p:cNvSpPr>
+            <a:spLocks noGrp="1"/>
+          </p:cNvSpPr>
+          <p:nvPr>
+            <p:ph type="sldNum" sz="quarter" idx="5"/>
+          </p:nvPr>
+        </p:nvSpPr>
+        <p:spPr>
+          <a:xfrm>
+            <a:off x="3884613" y="8685213"/>
+            <a:ext cx="2971800" cy="458787"/>
+          </a:xfrm>
+          <a:prstGeom prst="rect">
+            <a:avLst/>
+          </a:prstGeom>
+        </p:spPr>
+        <p:txBody>
+          <a:bodyPr vert="horz" lIns="91440" tIns="45720" rIns="91440" bIns="45720" rtlCol="0" anchor="b"/>
+          <a:lstStyle>
+            <a:lvl1pPr algn="r">
+              <a:defRPr sz="1200"/>
+            </a:lvl1pPr>
+          </a:lstStyle>
+          <a:p>
+            <a:fld id="{72032EB5-ABEB-49F2-BBDC-81C17B42AB0D}" type="slidenum">
+              <a:rPr lang="ko-KR" altLang="en-US" smtClean="0"/>
+              <a:t>‹#›</a:t>
+            </a:fld>
+            <a:endParaRPr lang="ko-KR" altLang="en-US"/>
+          </a:p>
+        </p:txBody>
+      </p:sp>
+    </p:spTree>
+    <p:extLst>
+      <p:ext uri="{BB962C8B-B14F-4D97-AF65-F5344CB8AC3E}">
+        <p14:creationId xmlns:p14="http://schemas.microsoft.com/office/powerpoint/2010/main" val="3795665927"/>
+      </p:ext>
+    </p:extLst>
+  </p:cSld>
+  <p:clrMap bg1="lt1" tx1="dk1" bg2="lt2" tx2="dk2" accent1="accent1" accent2="accent2" accent3="accent3" accent4="accent4" accent5="accent5" accent6="accent6" hlink="hlink" folHlink="folHlink"/>
+  <p:notesStyle>
+    <a:lvl1pPr marL="0" algn="l" defTabSz="914400" rtl="0" eaLnBrk="1" latinLnBrk="1" hangingPunct="1">
+      <a:defRPr sz="1200" kern="1200">
+        <a:solidFill>
+          <a:schemeClr val="tx1"/>
+        </a:solidFill>
+        <a:latin typeface="+mn-lt"/>
+        <a:ea typeface="+mn-ea"/>
+        <a:cs typeface="+mn-cs"/>
+      </a:defRPr>
+    </a:lvl1pPr>
+    <a:lvl2pPr marL="457200" algn="l" defTabSz="914400" rtl="0" eaLnBrk="1" latinLnBrk="1" hangingPunct="1">
+      <a:defRPr sz="1200" kern="1200">
+        <a:solidFill>
+          <a:schemeClr val="tx1"/>
+        </a:solidFill>
+        <a:latin typeface="+mn-lt"/>
+        <a:ea typeface="+mn-ea"/>
+        <a:cs typeface="+mn-cs"/>
+      </a:defRPr>
+    </a:lvl2pPr>
+    <a:lvl3pPr marL="914400" algn="l" defTabSz="914400" rtl="0" eaLnBrk="1" latinLnBrk="1" hangingPunct="1">
+      <a:defRPr sz="1200" kern="1200">
+        <a:solidFill>
+          <a:schemeClr val="tx1"/>
+        </a:solidFill>
+        <a:latin typeface="+mn-lt"/>
+        <a:ea typeface="+mn-ea"/>
+        <a:cs typeface="+mn-cs"/>
+      </a:defRPr>
+    </a:lvl3pPr>
+    <a:lvl4pPr marL="1371600" algn="l" defTabSz="914400" rtl="0" eaLnBrk="1" latinLnBrk="1" hangingPunct="1">
+      <a:defRPr sz="1200" kern="1200">
+        <a:solidFill>
+          <a:schemeClr val="tx1"/>
+        </a:solidFill>
+        <a:latin typeface="+mn-lt"/>
+        <a:ea typeface="+mn-ea"/>
+        <a:cs typeface="+mn-cs"/>
+      </a:defRPr>
+    </a:lvl4pPr>
+    <a:lvl5pPr marL="1828800" algn="l" defTabSz="914400" rtl="0" eaLnBrk="1" latinLnBrk="1" hangingPunct="1">
+      <a:defRPr sz="1200" kern="1200">
+        <a:solidFill>
+          <a:schemeClr val="tx1"/>
+        </a:solidFill>
+        <a:latin typeface="+mn-lt"/>
+        <a:ea typeface="+mn-ea"/>
+        <a:cs typeface="+mn-cs"/>
+      </a:defRPr>
+    </a:lvl5pPr>
+    <a:lvl6pPr marL="2286000" algn="l" defTabSz="914400" rtl="0" eaLnBrk="1" latinLnBrk="1" hangingPunct="1">
+      <a:defRPr sz="1200" kern="1200">
+        <a:solidFill>
+          <a:schemeClr val="tx1"/>
+        </a:solidFill>
+        <a:latin typeface="+mn-lt"/>
+        <a:ea typeface="+mn-ea"/>
+        <a:cs typeface="+mn-cs"/>
+      </a:defRPr>
+    </a:lvl6pPr>
+    <a:lvl7pPr marL="2743200" algn="l" defTabSz="914400" rtl="0" eaLnBrk="1" latinLnBrk="1" hangingPunct="1">
+      <a:defRPr sz="1200" kern="1200">
+        <a:solidFill>
+          <a:schemeClr val="tx1"/>
+        </a:solidFill>
+        <a:latin typeface="+mn-lt"/>
+        <a:ea typeface="+mn-ea"/>
+        <a:cs typeface="+mn-cs"/>
+      </a:defRPr>
+    </a:lvl7pPr>
+    <a:lvl8pPr marL="3200400" algn="l" defTabSz="914400" rtl="0" eaLnBrk="1" latinLnBrk="1" hangingPunct="1">
+      <a:defRPr sz="1200" kern="1200">
+        <a:solidFill>
+          <a:schemeClr val="tx1"/>
+        </a:solidFill>
+        <a:latin typeface="+mn-lt"/>
+        <a:ea typeface="+mn-ea"/>
+        <a:cs typeface="+mn-cs"/>
+      </a:defRPr>
+    </a:lvl8pPr>
+    <a:lvl9pPr marL="3657600" algn="l" defTabSz="914400" rtl="0" eaLnBrk="1" latinLnBrk="1" hangingPunct="1">
+      <a:defRPr sz="1200" kern="1200">
+        <a:solidFill>
+          <a:schemeClr val="tx1"/>
+        </a:solidFill>
+        <a:latin typeface="+mn-lt"/>
+        <a:ea typeface="+mn-ea"/>
+        <a:cs typeface="+mn-cs"/>
+      </a:defRPr>
+    </a:lvl9pPr>
+  </p:notesStyle>
+</p:notesMaster>
+</file>
+
+<file path=ppt/notesSlides/notesSlide1.xml><?xml version="1.0" encoding="utf-8"?>
+<p:notes xmlns:a="http://schemas.openxmlformats.org/drawingml/2006/main" xmlns:r="http://schemas.openxmlformats.org/officeDocument/2006/relationships" xmlns:p="http://schemas.openxmlformats.org/presentationml/2006/main">
+  <p:cSld>
+    <p:spTree>
+      <p:nvGrpSpPr>
+        <p:cNvPr id="1" name=""/>
+        <p:cNvGrpSpPr/>
+        <p:nvPr/>
+      </p:nvGrpSpPr>
+      <p:grpSpPr>
+        <a:xfrm>
+          <a:off x="0" y="0"/>
+          <a:ext cx="0" cy="0"/>
+          <a:chOff x="0" y="0"/>
+          <a:chExt cx="0" cy="0"/>
+        </a:xfrm>
+      </p:grpSpPr>
+      <p:sp>
+        <p:nvSpPr>
+          <p:cNvPr id="2" name="슬라이드 이미지 개체 틀 1"/>
+          <p:cNvSpPr>
+            <a:spLocks noGrp="1" noRot="1" noChangeAspect="1"/>
+          </p:cNvSpPr>
+          <p:nvPr>
+            <p:ph type="sldImg"/>
+          </p:nvPr>
+        </p:nvSpPr>
+        <p:spPr/>
+      </p:sp>
+      <p:sp>
+        <p:nvSpPr>
+          <p:cNvPr id="3" name="슬라이드 노트 개체 틀 2"/>
+          <p:cNvSpPr>
+            <a:spLocks noGrp="1"/>
+          </p:cNvSpPr>
+          <p:nvPr>
+            <p:ph type="body" idx="1"/>
+          </p:nvPr>
+        </p:nvSpPr>
+        <p:spPr/>
+        <p:txBody>
+          <a:bodyPr/>
+          <a:lstStyle/>
+          <a:p>
+            <a:endParaRPr lang="ko-KR" altLang="en-US" dirty="0"/>
+          </a:p>
+        </p:txBody>
+      </p:sp>
+      <p:sp>
+        <p:nvSpPr>
+          <p:cNvPr id="4" name="슬라이드 번호 개체 틀 3"/>
+          <p:cNvSpPr>
+            <a:spLocks noGrp="1"/>
+          </p:cNvSpPr>
+          <p:nvPr>
+            <p:ph type="sldNum" sz="quarter" idx="5"/>
+          </p:nvPr>
+        </p:nvSpPr>
+        <p:spPr/>
+        <p:txBody>
+          <a:bodyPr/>
+          <a:lstStyle/>
+          <a:p>
+            <a:fld id="{72032EB5-ABEB-49F2-BBDC-81C17B42AB0D}" type="slidenum">
+              <a:rPr lang="ko-KR" altLang="en-US" smtClean="0"/>
+              <a:t>1</a:t>
+            </a:fld>
+            <a:endParaRPr lang="ko-KR" altLang="en-US"/>
+          </a:p>
+        </p:txBody>
+      </p:sp>
+    </p:spTree>
+    <p:extLst>
+      <p:ext uri="{BB962C8B-B14F-4D97-AF65-F5344CB8AC3E}">
+        <p14:creationId xmlns:p14="http://schemas.microsoft.com/office/powerpoint/2010/main" val="3378289156"/>
+      </p:ext>
+    </p:extLst>
+  </p:cSld>
+  <p:clrMapOvr>
+    <a:masterClrMapping/>
+  </p:clrMapOvr>
+</p:notes>
 </file>
 
 <file path=ppt/slideLayouts/slideLayout1.xml><?xml version="1.0" encoding="utf-8"?>
@@ -3582,23 +4021,35 @@
             </a:pPr>
             <a:r>
               <a:rPr lang="ko-KR" altLang="en-US" dirty="0"/>
-              <a:t>적은 스킬을 사용하는 걸로</a:t>
+              <a:t>멘탈 수치는 승리할 확률 </a:t>
             </a:r>
             <a:r>
               <a:rPr lang="en-US" altLang="ko-KR" dirty="0"/>
-              <a:t>. </a:t>
-            </a:r>
-            <a:r>
-              <a:rPr lang="ko-KR" altLang="en-US" dirty="0"/>
-              <a:t>수집요소를 줄 순 </a:t>
-            </a:r>
-            <a:r>
-              <a:rPr lang="ko-KR" altLang="en-US" dirty="0" err="1"/>
-              <a:t>없으니깐</a:t>
+              <a:t>50</a:t>
+            </a:r>
+            <a:r>
+              <a:rPr lang="ko-KR" altLang="en-US" dirty="0"/>
+              <a:t>프로 이하인 전투</a:t>
             </a:r>
             <a:r>
               <a:rPr lang="en-US" altLang="ko-KR" dirty="0"/>
-              <a:t>…</a:t>
+              <a:t>(</a:t>
+            </a:r>
+            <a:r>
+              <a:rPr lang="ko-KR" altLang="en-US" dirty="0"/>
+              <a:t>불리할 때</a:t>
+            </a:r>
+            <a:r>
+              <a:rPr lang="en-US" altLang="ko-KR" dirty="0"/>
+              <a:t>)</a:t>
+            </a:r>
+            <a:r>
+              <a:rPr lang="ko-KR" altLang="en-US" dirty="0"/>
+              <a:t>에서 깎임</a:t>
+            </a:r>
+            <a:r>
+              <a:rPr lang="en-US" altLang="ko-KR" dirty="0"/>
+              <a:t>.</a:t>
             </a:r>
           </a:p>
           <a:p>
@@ -3606,9 +4057,16 @@
               <a:buFontTx/>
               <a:buChar char="-"/>
             </a:pPr>
-            <a:r>
-              <a:rPr lang="ko-KR" altLang="en-US" dirty="0"/>
-              <a:t>그러면 적의 기본 수치들로 계산해놓고</a:t>
+            <a:endParaRPr lang="en-US" altLang="ko-KR" dirty="0"/>
+          </a:p>
+          <a:p>
+            <a:pPr marL="285750" indent="-285750">
+              <a:buFontTx/>
+              <a:buChar char="-"/>
+            </a:pPr>
+            <a:r>
+              <a:rPr lang="ko-KR" altLang="en-US" dirty="0"/>
+              <a:t>전투의 진행은 수치의 차이로 계산한다 했는데</a:t>
             </a:r>
             <a:r>
               <a:rPr lang="en-US" altLang="ko-KR" dirty="0"/>
@@ -3616,15 +4074,7 @@
             </a:r>
             <a:r>
               <a:rPr lang="ko-KR" altLang="en-US" dirty="0"/>
-              <a:t>거기에 수집요소들과 특성</a:t>
-            </a:r>
-            <a:r>
-              <a:rPr lang="en-US" altLang="ko-KR" dirty="0"/>
-              <a:t>, </a:t>
-            </a:r>
-            <a:r>
-              <a:rPr lang="ko-KR" altLang="en-US" dirty="0"/>
-              <a:t>그리고 적의 스킬에 따른 확률 증감을 표기하면 될 듯</a:t>
+              <a:t>이 과정을 치고 받는 방법으로 바꾸자</a:t>
             </a:r>
             <a:r>
               <a:rPr lang="en-US" altLang="ko-KR" dirty="0"/>
@@ -3736,8 +4186,8 @@
         </p:nvSpPr>
         <p:spPr>
           <a:xfrm>
-            <a:off x="5610328" y="1137138"/>
-            <a:ext cx="6447953" cy="2031325"/>
+            <a:off x="574431" y="1003973"/>
+            <a:ext cx="11108583" cy="2031325"/>
           </a:xfrm>
           <a:prstGeom prst="rect">
             <a:avLst/>
@@ -3862,6 +4312,668 @@
     <p:extLst>
       <p:ext uri="{BB962C8B-B14F-4D97-AF65-F5344CB8AC3E}">
         <p14:creationId xmlns:p14="http://schemas.microsoft.com/office/powerpoint/2010/main" val="2665547112"/>
+      </p:ext>
+    </p:extLst>
+  </p:cSld>
+  <p:clrMapOvr>
+    <a:masterClrMapping/>
+  </p:clrMapOvr>
+</p:sld>
+</file>
+
+<file path=ppt/slides/slide3.xml><?xml version="1.0" encoding="utf-8"?>
+<p:sld xmlns:a="http://schemas.openxmlformats.org/drawingml/2006/main" xmlns:r="http://schemas.openxmlformats.org/officeDocument/2006/relationships" xmlns:p="http://schemas.openxmlformats.org/presentationml/2006/main">
+  <p:cSld>
+    <p:spTree>
+      <p:nvGrpSpPr>
+        <p:cNvPr id="1" name=""/>
+        <p:cNvGrpSpPr/>
+        <p:nvPr/>
+      </p:nvGrpSpPr>
+      <p:grpSpPr>
+        <a:xfrm>
+          <a:off x="0" y="0"/>
+          <a:ext cx="0" cy="0"/>
+          <a:chOff x="0" y="0"/>
+          <a:chExt cx="0" cy="0"/>
+        </a:xfrm>
+      </p:grpSpPr>
+      <p:sp>
+        <p:nvSpPr>
+          <p:cNvPr id="9" name="TextBox 8">
+            <a:extLst>
+              <a:ext uri="{FF2B5EF4-FFF2-40B4-BE49-F238E27FC236}">
+                <a16:creationId xmlns:a16="http://schemas.microsoft.com/office/drawing/2014/main" id="{7C3AEEB5-635B-CC9E-A34E-9221454EB919}"/>
+              </a:ext>
+            </a:extLst>
+          </p:cNvPr>
+          <p:cNvSpPr txBox="1"/>
+          <p:nvPr/>
+        </p:nvSpPr>
+        <p:spPr>
+          <a:xfrm>
+            <a:off x="574431" y="439615"/>
+            <a:ext cx="415498" cy="369332"/>
+          </a:xfrm>
+          <a:prstGeom prst="rect">
+            <a:avLst/>
+          </a:prstGeom>
+          <a:noFill/>
+        </p:spPr>
+        <p:txBody>
+          <a:bodyPr wrap="none" rtlCol="0">
+            <a:spAutoFit/>
+          </a:bodyPr>
+          <a:lstStyle/>
+          <a:p>
+            <a:r>
+              <a:rPr lang="ko-KR" altLang="en-US" dirty="0"/>
+              <a:t>적</a:t>
+            </a:r>
+          </a:p>
+        </p:txBody>
+      </p:sp>
+      <p:sp>
+        <p:nvSpPr>
+          <p:cNvPr id="11" name="TextBox 10">
+            <a:extLst>
+              <a:ext uri="{FF2B5EF4-FFF2-40B4-BE49-F238E27FC236}">
+                <a16:creationId xmlns:a16="http://schemas.microsoft.com/office/drawing/2014/main" id="{BE1D231D-2F7F-F83F-96CF-2CDE57F99C49}"/>
+              </a:ext>
+            </a:extLst>
+          </p:cNvPr>
+          <p:cNvSpPr txBox="1"/>
+          <p:nvPr/>
+        </p:nvSpPr>
+        <p:spPr>
+          <a:xfrm>
+            <a:off x="574431" y="1003973"/>
+            <a:ext cx="11108583" cy="3970318"/>
+          </a:xfrm>
+          <a:prstGeom prst="rect">
+            <a:avLst/>
+          </a:prstGeom>
+          <a:noFill/>
+        </p:spPr>
+        <p:txBody>
+          <a:bodyPr wrap="square" rtlCol="0">
+            <a:spAutoFit/>
+          </a:bodyPr>
+          <a:lstStyle/>
+          <a:p>
+            <a:r>
+              <a:rPr lang="en-US" altLang="ko-KR" dirty="0"/>
+              <a:t>-   </a:t>
+            </a:r>
+            <a:r>
+              <a:rPr lang="ko-KR" altLang="en-US" dirty="0"/>
+              <a:t>적은 스킬을 사용하는 걸로</a:t>
+            </a:r>
+            <a:r>
+              <a:rPr lang="en-US" altLang="ko-KR" dirty="0"/>
+              <a:t>. </a:t>
+            </a:r>
+            <a:r>
+              <a:rPr lang="ko-KR" altLang="en-US" dirty="0"/>
+              <a:t>수집요소를 줄 순 없으니</a:t>
+            </a:r>
+            <a:r>
+              <a:rPr lang="en-US" altLang="ko-KR" dirty="0"/>
+              <a:t>.</a:t>
+            </a:r>
+          </a:p>
+          <a:p>
+            <a:pPr marL="285750" indent="-285750">
+              <a:buFontTx/>
+              <a:buChar char="-"/>
+            </a:pPr>
+            <a:r>
+              <a:rPr lang="ko-KR" altLang="en-US" dirty="0"/>
+              <a:t>그러면 적의 기본 수치들로 계산해놓고</a:t>
+            </a:r>
+            <a:r>
+              <a:rPr lang="en-US" altLang="ko-KR" dirty="0"/>
+              <a:t>, </a:t>
+            </a:r>
+            <a:r>
+              <a:rPr lang="ko-KR" altLang="en-US" dirty="0"/>
+              <a:t>거기에 수집요소들과 특성</a:t>
+            </a:r>
+            <a:r>
+              <a:rPr lang="en-US" altLang="ko-KR" dirty="0"/>
+              <a:t>, </a:t>
+            </a:r>
+            <a:r>
+              <a:rPr lang="ko-KR" altLang="en-US" dirty="0"/>
+              <a:t>그리고 적의 스킬에 따른 확률 증감을 표기하면 될 듯</a:t>
+            </a:r>
+            <a:r>
+              <a:rPr lang="en-US" altLang="ko-KR" dirty="0"/>
+              <a:t>.</a:t>
+            </a:r>
+          </a:p>
+          <a:p>
+            <a:pPr marL="285750" indent="-285750">
+              <a:buFontTx/>
+              <a:buChar char="-"/>
+            </a:pPr>
+            <a:r>
+              <a:rPr lang="ko-KR" altLang="en-US" dirty="0"/>
+              <a:t>적은 소설</a:t>
+            </a:r>
+            <a:r>
+              <a:rPr lang="en-US" altLang="ko-KR" dirty="0"/>
+              <a:t>, </a:t>
+            </a:r>
+            <a:r>
+              <a:rPr lang="ko-KR" altLang="en-US" dirty="0"/>
+              <a:t>영화</a:t>
+            </a:r>
+            <a:r>
+              <a:rPr lang="en-US" altLang="ko-KR" dirty="0"/>
+              <a:t>, </a:t>
+            </a:r>
+            <a:r>
+              <a:rPr lang="ko-KR" altLang="en-US" dirty="0"/>
+              <a:t>기타 매체에서 따오자</a:t>
+            </a:r>
+            <a:r>
+              <a:rPr lang="en-US" altLang="ko-KR" dirty="0"/>
+              <a:t>. </a:t>
+            </a:r>
+            <a:r>
+              <a:rPr lang="ko-KR" altLang="en-US" dirty="0"/>
+              <a:t>정확한 이름을 사용하진 않고</a:t>
+            </a:r>
+            <a:r>
+              <a:rPr lang="en-US" altLang="ko-KR" dirty="0"/>
+              <a:t>, </a:t>
+            </a:r>
+            <a:r>
+              <a:rPr lang="ko-KR" altLang="en-US" dirty="0"/>
+              <a:t>스킬 명칭 정도만 사용하는 걸로</a:t>
+            </a:r>
+            <a:endParaRPr lang="en-US" altLang="ko-KR" dirty="0"/>
+          </a:p>
+          <a:p>
+            <a:pPr marL="285750" indent="-285750">
+              <a:buFontTx/>
+              <a:buChar char="-"/>
+            </a:pPr>
+            <a:endParaRPr lang="en-US" altLang="ko-KR" dirty="0"/>
+          </a:p>
+          <a:p>
+            <a:pPr marL="285750" indent="-285750">
+              <a:buFontTx/>
+              <a:buChar char="-"/>
+            </a:pPr>
+            <a:endParaRPr lang="en-US" altLang="ko-KR" dirty="0"/>
+          </a:p>
+          <a:p>
+            <a:pPr marL="285750" indent="-285750">
+              <a:buFontTx/>
+              <a:buChar char="-"/>
+            </a:pPr>
+            <a:endParaRPr lang="en-US" altLang="ko-KR" dirty="0"/>
+          </a:p>
+          <a:p>
+            <a:pPr marL="285750" indent="-285750">
+              <a:buFontTx/>
+              <a:buChar char="-"/>
+            </a:pPr>
+            <a:r>
+              <a:rPr lang="ko-KR" altLang="en-US" dirty="0" err="1"/>
+              <a:t>스탯은</a:t>
+            </a:r>
+            <a:r>
+              <a:rPr lang="ko-KR" altLang="en-US" dirty="0"/>
+              <a:t> 낮지만 덜 아프게 맞는 스킬</a:t>
+            </a:r>
+            <a:endParaRPr lang="en-US" altLang="ko-KR" dirty="0"/>
+          </a:p>
+          <a:p>
+            <a:pPr marL="285750" indent="-285750">
+              <a:buFontTx/>
+              <a:buChar char="-"/>
+            </a:pPr>
+            <a:r>
+              <a:rPr lang="ko-KR" altLang="en-US" dirty="0"/>
+              <a:t>몇 개 이상의 문구가 </a:t>
+            </a:r>
+            <a:r>
+              <a:rPr lang="ko-KR" altLang="en-US" dirty="0" err="1"/>
+              <a:t>나올시</a:t>
+            </a:r>
+            <a:r>
+              <a:rPr lang="ko-KR" altLang="en-US" dirty="0"/>
+              <a:t> </a:t>
+            </a:r>
+            <a:r>
+              <a:rPr lang="ko-KR" altLang="en-US" dirty="0" err="1"/>
+              <a:t>극강의</a:t>
+            </a:r>
+            <a:r>
+              <a:rPr lang="ko-KR" altLang="en-US" dirty="0"/>
+              <a:t> 확률로 공격하는 스킬</a:t>
+            </a:r>
+            <a:endParaRPr lang="en-US" altLang="ko-KR" dirty="0"/>
+          </a:p>
+          <a:p>
+            <a:pPr marL="285750" indent="-285750">
+              <a:buFontTx/>
+              <a:buChar char="-"/>
+            </a:pPr>
+            <a:r>
+              <a:rPr lang="ko-KR" altLang="en-US" dirty="0"/>
+              <a:t>확률을 뒤집는 스킬</a:t>
+            </a:r>
+            <a:endParaRPr lang="en-US" altLang="ko-KR" dirty="0"/>
+          </a:p>
+          <a:p>
+            <a:pPr marL="285750" indent="-285750">
+              <a:buFontTx/>
+              <a:buChar char="-"/>
+            </a:pPr>
+            <a:r>
+              <a:rPr lang="ko-KR" altLang="en-US" dirty="0"/>
+              <a:t>확률 </a:t>
+            </a:r>
+            <a:r>
+              <a:rPr lang="en-US" altLang="ko-KR" dirty="0"/>
+              <a:t>+</a:t>
+            </a:r>
+            <a:r>
+              <a:rPr lang="ko-KR" altLang="en-US" dirty="0"/>
+              <a:t>의 수치를 줄이는 스킬</a:t>
+            </a:r>
+            <a:endParaRPr lang="en-US" altLang="ko-KR" dirty="0"/>
+          </a:p>
+          <a:p>
+            <a:pPr marL="285750" indent="-285750">
+              <a:buFontTx/>
+              <a:buChar char="-"/>
+            </a:pPr>
+            <a:r>
+              <a:rPr lang="ko-KR" altLang="en-US" dirty="0"/>
+              <a:t>확률 </a:t>
+            </a:r>
+            <a:r>
+              <a:rPr lang="en-US" altLang="ko-KR" dirty="0"/>
+              <a:t>–</a:t>
+            </a:r>
+            <a:r>
+              <a:rPr lang="ko-KR" altLang="en-US" dirty="0"/>
+              <a:t>의 수치를 늘리는 스킬</a:t>
+            </a:r>
+            <a:endParaRPr lang="en-US" altLang="ko-KR" dirty="0"/>
+          </a:p>
+          <a:p>
+            <a:pPr marL="285750" indent="-285750">
+              <a:buFontTx/>
+              <a:buChar char="-"/>
+            </a:pPr>
+            <a:r>
+              <a:rPr lang="ko-KR" altLang="en-US" dirty="0"/>
+              <a:t>몇 개의 수치 </a:t>
+            </a:r>
+            <a:r>
+              <a:rPr lang="en-US" altLang="ko-KR" dirty="0"/>
+              <a:t>+ </a:t>
+            </a:r>
+            <a:r>
+              <a:rPr lang="ko-KR" altLang="en-US" dirty="0"/>
+              <a:t>문구를 없애는 스킬</a:t>
+            </a:r>
+            <a:endParaRPr lang="en-US" altLang="ko-KR" dirty="0"/>
+          </a:p>
+          <a:p>
+            <a:endParaRPr lang="en-US" altLang="ko-KR" dirty="0"/>
+          </a:p>
+        </p:txBody>
+      </p:sp>
+    </p:spTree>
+    <p:extLst>
+      <p:ext uri="{BB962C8B-B14F-4D97-AF65-F5344CB8AC3E}">
+        <p14:creationId xmlns:p14="http://schemas.microsoft.com/office/powerpoint/2010/main" val="262448818"/>
+      </p:ext>
+    </p:extLst>
+  </p:cSld>
+  <p:clrMapOvr>
+    <a:masterClrMapping/>
+  </p:clrMapOvr>
+</p:sld>
+</file>
+
+<file path=ppt/slides/slide4.xml><?xml version="1.0" encoding="utf-8"?>
+<p:sld xmlns:a="http://schemas.openxmlformats.org/drawingml/2006/main" xmlns:r="http://schemas.openxmlformats.org/officeDocument/2006/relationships" xmlns:p="http://schemas.openxmlformats.org/presentationml/2006/main">
+  <p:cSld>
+    <p:spTree>
+      <p:nvGrpSpPr>
+        <p:cNvPr id="1" name=""/>
+        <p:cNvGrpSpPr/>
+        <p:nvPr/>
+      </p:nvGrpSpPr>
+      <p:grpSpPr>
+        <a:xfrm>
+          <a:off x="0" y="0"/>
+          <a:ext cx="0" cy="0"/>
+          <a:chOff x="0" y="0"/>
+          <a:chExt cx="0" cy="0"/>
+        </a:xfrm>
+      </p:grpSpPr>
+      <p:sp>
+        <p:nvSpPr>
+          <p:cNvPr id="9" name="TextBox 8">
+            <a:extLst>
+              <a:ext uri="{FF2B5EF4-FFF2-40B4-BE49-F238E27FC236}">
+                <a16:creationId xmlns:a16="http://schemas.microsoft.com/office/drawing/2014/main" id="{7C3AEEB5-635B-CC9E-A34E-9221454EB919}"/>
+              </a:ext>
+            </a:extLst>
+          </p:cNvPr>
+          <p:cNvSpPr txBox="1"/>
+          <p:nvPr/>
+        </p:nvSpPr>
+        <p:spPr>
+          <a:xfrm>
+            <a:off x="574431" y="439615"/>
+            <a:ext cx="1420582" cy="369332"/>
+          </a:xfrm>
+          <a:prstGeom prst="rect">
+            <a:avLst/>
+          </a:prstGeom>
+          <a:noFill/>
+        </p:spPr>
+        <p:txBody>
+          <a:bodyPr wrap="none" rtlCol="0">
+            <a:spAutoFit/>
+          </a:bodyPr>
+          <a:lstStyle/>
+          <a:p>
+            <a:r>
+              <a:rPr lang="ko-KR" altLang="en-US" dirty="0"/>
+              <a:t>적 아이디어</a:t>
+            </a:r>
+          </a:p>
+        </p:txBody>
+      </p:sp>
+      <p:sp>
+        <p:nvSpPr>
+          <p:cNvPr id="11" name="TextBox 10">
+            <a:extLst>
+              <a:ext uri="{FF2B5EF4-FFF2-40B4-BE49-F238E27FC236}">
+                <a16:creationId xmlns:a16="http://schemas.microsoft.com/office/drawing/2014/main" id="{BE1D231D-2F7F-F83F-96CF-2CDE57F99C49}"/>
+              </a:ext>
+            </a:extLst>
+          </p:cNvPr>
+          <p:cNvSpPr txBox="1"/>
+          <p:nvPr/>
+        </p:nvSpPr>
+        <p:spPr>
+          <a:xfrm>
+            <a:off x="574431" y="1003973"/>
+            <a:ext cx="11108583" cy="369332"/>
+          </a:xfrm>
+          <a:prstGeom prst="rect">
+            <a:avLst/>
+          </a:prstGeom>
+          <a:noFill/>
+        </p:spPr>
+        <p:txBody>
+          <a:bodyPr wrap="square" rtlCol="0">
+            <a:spAutoFit/>
+          </a:bodyPr>
+          <a:lstStyle/>
+          <a:p>
+            <a:r>
+              <a:rPr lang="en-US" altLang="ko-KR" dirty="0"/>
+              <a:t>- </a:t>
+            </a:r>
+            <a:r>
+              <a:rPr lang="ko-KR" altLang="en-US" dirty="0"/>
+              <a:t>그리고 아무도 없었다</a:t>
+            </a:r>
+            <a:r>
+              <a:rPr lang="en-US" altLang="ko-KR" dirty="0"/>
+              <a:t>: 10</a:t>
+            </a:r>
+            <a:r>
+              <a:rPr lang="ko-KR" altLang="en-US" dirty="0"/>
+              <a:t>개 이상의 </a:t>
+            </a:r>
+            <a:endParaRPr lang="en-US" altLang="ko-KR" dirty="0"/>
+          </a:p>
+        </p:txBody>
+      </p:sp>
+    </p:spTree>
+    <p:extLst>
+      <p:ext uri="{BB962C8B-B14F-4D97-AF65-F5344CB8AC3E}">
+        <p14:creationId xmlns:p14="http://schemas.microsoft.com/office/powerpoint/2010/main" val="2395197371"/>
+      </p:ext>
+    </p:extLst>
+  </p:cSld>
+  <p:clrMapOvr>
+    <a:masterClrMapping/>
+  </p:clrMapOvr>
+</p:sld>
+</file>
+
+<file path=ppt/slides/slide5.xml><?xml version="1.0" encoding="utf-8"?>
+<p:sld xmlns:a="http://schemas.openxmlformats.org/drawingml/2006/main" xmlns:r="http://schemas.openxmlformats.org/officeDocument/2006/relationships" xmlns:p="http://schemas.openxmlformats.org/presentationml/2006/main">
+  <p:cSld>
+    <p:spTree>
+      <p:nvGrpSpPr>
+        <p:cNvPr id="1" name=""/>
+        <p:cNvGrpSpPr/>
+        <p:nvPr/>
+      </p:nvGrpSpPr>
+      <p:grpSpPr>
+        <a:xfrm>
+          <a:off x="0" y="0"/>
+          <a:ext cx="0" cy="0"/>
+          <a:chOff x="0" y="0"/>
+          <a:chExt cx="0" cy="0"/>
+        </a:xfrm>
+      </p:grpSpPr>
+      <p:sp>
+        <p:nvSpPr>
+          <p:cNvPr id="9" name="TextBox 8">
+            <a:extLst>
+              <a:ext uri="{FF2B5EF4-FFF2-40B4-BE49-F238E27FC236}">
+                <a16:creationId xmlns:a16="http://schemas.microsoft.com/office/drawing/2014/main" id="{7C3AEEB5-635B-CC9E-A34E-9221454EB919}"/>
+              </a:ext>
+            </a:extLst>
+          </p:cNvPr>
+          <p:cNvSpPr txBox="1"/>
+          <p:nvPr/>
+        </p:nvSpPr>
+        <p:spPr>
+          <a:xfrm>
+            <a:off x="574431" y="439615"/>
+            <a:ext cx="415498" cy="369332"/>
+          </a:xfrm>
+          <a:prstGeom prst="rect">
+            <a:avLst/>
+          </a:prstGeom>
+          <a:noFill/>
+        </p:spPr>
+        <p:txBody>
+          <a:bodyPr wrap="none" rtlCol="0">
+            <a:spAutoFit/>
+          </a:bodyPr>
+          <a:lstStyle/>
+          <a:p>
+            <a:r>
+              <a:rPr lang="ko-KR" altLang="en-US" dirty="0"/>
+              <a:t>적</a:t>
+            </a:r>
+          </a:p>
+        </p:txBody>
+      </p:sp>
+      <p:sp>
+        <p:nvSpPr>
+          <p:cNvPr id="11" name="TextBox 10">
+            <a:extLst>
+              <a:ext uri="{FF2B5EF4-FFF2-40B4-BE49-F238E27FC236}">
+                <a16:creationId xmlns:a16="http://schemas.microsoft.com/office/drawing/2014/main" id="{BE1D231D-2F7F-F83F-96CF-2CDE57F99C49}"/>
+              </a:ext>
+            </a:extLst>
+          </p:cNvPr>
+          <p:cNvSpPr txBox="1"/>
+          <p:nvPr/>
+        </p:nvSpPr>
+        <p:spPr>
+          <a:xfrm>
+            <a:off x="574430" y="1187769"/>
+            <a:ext cx="11154149" cy="2031325"/>
+          </a:xfrm>
+          <a:prstGeom prst="rect">
+            <a:avLst/>
+          </a:prstGeom>
+          <a:noFill/>
+        </p:spPr>
+        <p:txBody>
+          <a:bodyPr wrap="square" rtlCol="0">
+            <a:spAutoFit/>
+          </a:bodyPr>
+          <a:lstStyle/>
+          <a:p>
+            <a:pPr marL="285750" indent="-285750">
+              <a:buFontTx/>
+              <a:buChar char="-"/>
+            </a:pPr>
+            <a:r>
+              <a:rPr lang="en-US" altLang="ko-KR" dirty="0"/>
+              <a:t>Stan</a:t>
+            </a:r>
+          </a:p>
+          <a:p>
+            <a:pPr marL="285750" indent="-285750">
+              <a:buFontTx/>
+              <a:buChar char="-"/>
+            </a:pPr>
+            <a:r>
+              <a:rPr lang="en-US" altLang="ko-KR" dirty="0"/>
+              <a:t>1 </a:t>
+            </a:r>
+            <a:r>
+              <a:rPr lang="ko-KR" altLang="en-US" dirty="0"/>
+              <a:t>챕터 아니면 </a:t>
+            </a:r>
+            <a:r>
+              <a:rPr lang="en-US" altLang="ko-KR" dirty="0"/>
+              <a:t>5</a:t>
+            </a:r>
+            <a:r>
+              <a:rPr lang="ko-KR" altLang="en-US" dirty="0"/>
+              <a:t>챕터에 등장</a:t>
+            </a:r>
+            <a:endParaRPr lang="en-US" altLang="ko-KR" dirty="0"/>
+          </a:p>
+          <a:p>
+            <a:pPr marL="285750" indent="-285750">
+              <a:buFontTx/>
+              <a:buChar char="-"/>
+            </a:pPr>
+            <a:r>
+              <a:rPr lang="ko-KR" altLang="en-US" dirty="0"/>
+              <a:t>근력</a:t>
+            </a:r>
+            <a:r>
+              <a:rPr lang="en-US" altLang="ko-KR" dirty="0"/>
+              <a:t>:</a:t>
+            </a:r>
+          </a:p>
+          <a:p>
+            <a:pPr marL="285750" indent="-285750">
+              <a:buFontTx/>
+              <a:buChar char="-"/>
+            </a:pPr>
+            <a:r>
+              <a:rPr lang="ko-KR" altLang="en-US" dirty="0"/>
+              <a:t>특수 능력</a:t>
+            </a:r>
+            <a:r>
+              <a:rPr lang="en-US" altLang="ko-KR" dirty="0"/>
+              <a:t>:</a:t>
+            </a:r>
+          </a:p>
+          <a:p>
+            <a:pPr marL="285750" indent="-285750">
+              <a:buFontTx/>
+              <a:buChar char="-"/>
+            </a:pPr>
+            <a:r>
+              <a:rPr lang="ko-KR" altLang="en-US" dirty="0"/>
+              <a:t>스킬</a:t>
+            </a:r>
+            <a:r>
+              <a:rPr lang="en-US" altLang="ko-KR" dirty="0"/>
+              <a:t>:</a:t>
+            </a:r>
+          </a:p>
+          <a:p>
+            <a:pPr marL="285750" indent="-285750">
+              <a:buFontTx/>
+              <a:buChar char="-"/>
+            </a:pPr>
+            <a:endParaRPr lang="en-US" altLang="ko-KR" dirty="0"/>
+          </a:p>
+          <a:p>
+            <a:endParaRPr lang="en-US" altLang="ko-KR" dirty="0"/>
+          </a:p>
+        </p:txBody>
+      </p:sp>
+      <p:pic>
+        <p:nvPicPr>
+          <p:cNvPr id="1026" name="Picture 2" descr="The actor who played 'Stan' in Eminem's 'Stan' is still stanning over Eminem">
+            <a:extLst>
+              <a:ext uri="{FF2B5EF4-FFF2-40B4-BE49-F238E27FC236}">
+                <a16:creationId xmlns:a16="http://schemas.microsoft.com/office/drawing/2014/main" id="{6094A044-B6CD-859E-381A-2148AC9A57B3}"/>
+              </a:ext>
+            </a:extLst>
+          </p:cNvPr>
+          <p:cNvPicPr>
+            <a:picLocks noChangeAspect="1" noChangeArrowheads="1"/>
+          </p:cNvPicPr>
+          <p:nvPr/>
+        </p:nvPicPr>
+        <p:blipFill>
+          <a:blip r:embed="rId2">
+            <a:extLst>
+              <a:ext uri="{28A0092B-C50C-407E-A947-70E740481C1C}">
+                <a14:useLocalDpi xmlns:a14="http://schemas.microsoft.com/office/drawing/2010/main" val="0"/>
+              </a:ext>
+            </a:extLst>
+          </a:blip>
+          <a:srcRect/>
+          <a:stretch>
+            <a:fillRect/>
+          </a:stretch>
+        </p:blipFill>
+        <p:spPr bwMode="auto">
+          <a:xfrm>
+            <a:off x="7518993" y="777831"/>
+            <a:ext cx="3844424" cy="2441263"/>
+          </a:xfrm>
+          <a:prstGeom prst="rect">
+            <a:avLst/>
+          </a:prstGeom>
+          <a:noFill/>
+          <a:extLst>
+            <a:ext uri="{909E8E84-426E-40DD-AFC4-6F175D3DCCD1}">
+              <a14:hiddenFill xmlns:a14="http://schemas.microsoft.com/office/drawing/2010/main">
+                <a:solidFill>
+                  <a:srgbClr val="FFFFFF"/>
+                </a:solidFill>
+              </a14:hiddenFill>
+            </a:ext>
+          </a:extLst>
+        </p:spPr>
+      </p:pic>
+    </p:spTree>
+    <p:extLst>
+      <p:ext uri="{BB962C8B-B14F-4D97-AF65-F5344CB8AC3E}">
+        <p14:creationId xmlns:p14="http://schemas.microsoft.com/office/powerpoint/2010/main" val="2708933499"/>
       </p:ext>
     </p:extLst>
   </p:cSld>
@@ -4184,4 +5296,319 @@
     </a:ext>
   </a:extLst>
 </a:theme>
+</file>
+
+<file path=ppt/theme/theme2.xml><?xml version="1.0" encoding="utf-8"?>
+<a:theme xmlns:a="http://schemas.openxmlformats.org/drawingml/2006/main" name="Office 테마">
+  <a:themeElements>
+    <a:clrScheme name="Office">
+      <a:dk1>
+        <a:sysClr val="windowText" lastClr="000000"/>
+      </a:dk1>
+      <a:lt1>
+        <a:sysClr val="window" lastClr="FFFFFF"/>
+      </a:lt1>
+      <a:dk2>
+        <a:srgbClr val="0E2841"/>
+      </a:dk2>
+      <a:lt2>
+        <a:srgbClr val="E8E8E8"/>
+      </a:lt2>
+      <a:accent1>
+        <a:srgbClr val="156082"/>
+      </a:accent1>
+      <a:accent2>
+        <a:srgbClr val="E97132"/>
+      </a:accent2>
+      <a:accent3>
+        <a:srgbClr val="196B24"/>
+      </a:accent3>
+      <a:accent4>
+        <a:srgbClr val="0F9ED5"/>
+      </a:accent4>
+      <a:accent5>
+        <a:srgbClr val="A02B93"/>
+      </a:accent5>
+      <a:accent6>
+        <a:srgbClr val="4EA72E"/>
+      </a:accent6>
+      <a:hlink>
+        <a:srgbClr val="467886"/>
+      </a:hlink>
+      <a:folHlink>
+        <a:srgbClr val="96607D"/>
+      </a:folHlink>
+    </a:clrScheme>
+    <a:fontScheme name="Office">
+      <a:majorFont>
+        <a:latin typeface="맑은 고딕" panose="02110004020202020204"/>
+        <a:ea typeface=""/>
+        <a:cs typeface=""/>
+        <a:font script="Jpan" typeface="游ゴシック Light"/>
+        <a:font script="Hang" typeface="맑은 고딕"/>
+        <a:font script="Hans" typeface="等线 Light"/>
+        <a:font script="Hant" typeface="新細明體"/>
+        <a:font script="Arab" typeface="Times New Roman"/>
+        <a:font script="Hebr" typeface="Times New Roman"/>
+        <a:font script="Thai" typeface="Angsana New"/>
+        <a:font script="Ethi" typeface="Nyala"/>
+        <a:font script="Beng" typeface="Vrinda"/>
+        <a:font script="Gujr" typeface="Shruti"/>
+        <a:font script="Khmr" typeface="MoolBoran"/>
+        <a:font script="Knda" typeface="Tunga"/>
+        <a:font script="Guru" typeface="Raavi"/>
+        <a:font script="Cans" typeface="Euphemia"/>
+        <a:font script="Cher" typeface="Plantagenet Cherokee"/>
+        <a:font script="Yiii" typeface="Microsoft Yi Baiti"/>
+        <a:font script="Tibt" typeface="Microsoft Himalaya"/>
+        <a:font script="Thaa" typeface="MV Boli"/>
+        <a:font script="Deva" typeface="Mangal"/>
+        <a:font script="Telu" typeface="Gautami"/>
+        <a:font script="Taml" typeface="Latha"/>
+        <a:font script="Syrc" typeface="Estrangelo Edessa"/>
+        <a:font script="Orya" typeface="Kalinga"/>
+        <a:font script="Mlym" typeface="Kartika"/>
+        <a:font script="Laoo" typeface="DokChampa"/>
+        <a:font script="Sinh" typeface="Iskoola Pota"/>
+        <a:font script="Mong" typeface="Mongolian Baiti"/>
+        <a:font script="Viet" typeface="Times New Roman"/>
+        <a:font script="Uigh" typeface="Microsoft Uighur"/>
+        <a:font script="Geor" typeface="Sylfaen"/>
+        <a:font script="Armn" typeface="Arial"/>
+        <a:font script="Bugi" typeface="Leelawadee UI"/>
+        <a:font script="Bopo" typeface="Microsoft JhengHei"/>
+        <a:font script="Java" typeface="Javanese Text"/>
+        <a:font script="Lisu" typeface="Segoe UI"/>
+        <a:font script="Mymr" typeface="Myanmar Text"/>
+        <a:font script="Nkoo" typeface="Ebrima"/>
+        <a:font script="Olck" typeface="Nirmala UI"/>
+        <a:font script="Osma" typeface="Ebrima"/>
+        <a:font script="Phag" typeface="Phagspa"/>
+        <a:font script="Syrn" typeface="Estrangelo Edessa"/>
+        <a:font script="Syrj" typeface="Estrangelo Edessa"/>
+        <a:font script="Syre" typeface="Estrangelo Edessa"/>
+        <a:font script="Sora" typeface="Nirmala UI"/>
+        <a:font script="Tale" typeface="Microsoft Tai Le"/>
+        <a:font script="Talu" typeface="Microsoft New Tai Lue"/>
+        <a:font script="Tfng" typeface="Ebrima"/>
+      </a:majorFont>
+      <a:minorFont>
+        <a:latin typeface="맑은 고딕" panose="02110004020202020204"/>
+        <a:ea typeface=""/>
+        <a:cs typeface=""/>
+        <a:font script="Jpan" typeface="游ゴシック"/>
+        <a:font script="Hang" typeface="맑은 고딕"/>
+        <a:font script="Hans" typeface="等线"/>
+        <a:font script="Hant" typeface="新細明體"/>
+        <a:font script="Arab" typeface="Arial"/>
+        <a:font script="Hebr" typeface="Arial"/>
+        <a:font script="Thai" typeface="Cordia New"/>
+        <a:font script="Ethi" typeface="Nyala"/>
+        <a:font script="Beng" typeface="Vrinda"/>
+        <a:font script="Gujr" typeface="Shruti"/>
+        <a:font script="Khmr" typeface="DaunPenh"/>
+        <a:font script="Knda" typeface="Tunga"/>
+        <a:font script="Guru" typeface="Raavi"/>
+        <a:font script="Cans" typeface="Euphemia"/>
+        <a:font script="Cher" typeface="Plantagenet Cherokee"/>
+        <a:font script="Yiii" typeface="Microsoft Yi Baiti"/>
+        <a:font script="Tibt" typeface="Microsoft Himalaya"/>
+        <a:font script="Thaa" typeface="MV Boli"/>
+        <a:font script="Deva" typeface="Mangal"/>
+        <a:font script="Telu" typeface="Gautami"/>
+        <a:font script="Taml" typeface="Latha"/>
+        <a:font script="Syrc" typeface="Estrangelo Edessa"/>
+        <a:font script="Orya" typeface="Kalinga"/>
+        <a:font script="Mlym" typeface="Kartika"/>
+        <a:font script="Laoo" typeface="DokChampa"/>
+        <a:font script="Sinh" typeface="Iskoola Pota"/>
+        <a:font script="Mong" typeface="Mongolian Baiti"/>
+        <a:font script="Viet" typeface="Arial"/>
+        <a:font script="Uigh" typeface="Microsoft Uighur"/>
+        <a:font script="Geor" typeface="Sylfaen"/>
+        <a:font script="Armn" typeface="Arial"/>
+        <a:font script="Bugi" typeface="Leelawadee UI"/>
+        <a:font script="Bopo" typeface="Microsoft JhengHei"/>
+        <a:font script="Java" typeface="Javanese Text"/>
+        <a:font script="Lisu" typeface="Segoe UI"/>
+        <a:font script="Mymr" typeface="Myanmar Text"/>
+        <a:font script="Nkoo" typeface="Ebrima"/>
+        <a:font script="Olck" typeface="Nirmala UI"/>
+        <a:font script="Osma" typeface="Ebrima"/>
+        <a:font script="Phag" typeface="Phagspa"/>
+        <a:font script="Syrn" typeface="Estrangelo Edessa"/>
+        <a:font script="Syrj" typeface="Estrangelo Edessa"/>
+        <a:font script="Syre" typeface="Estrangelo Edessa"/>
+        <a:font script="Sora" typeface="Nirmala UI"/>
+        <a:font script="Tale" typeface="Microsoft Tai Le"/>
+        <a:font script="Talu" typeface="Microsoft New Tai Lue"/>
+        <a:font script="Tfng" typeface="Ebrima"/>
+      </a:minorFont>
+    </a:fontScheme>
+    <a:fmtScheme name="Office">
+      <a:fillStyleLst>
+        <a:solidFill>
+          <a:schemeClr val="phClr"/>
+        </a:solidFill>
+        <a:gradFill rotWithShape="1">
+          <a:gsLst>
+            <a:gs pos="0">
+              <a:schemeClr val="phClr">
+                <a:lumMod val="110000"/>
+                <a:satMod val="105000"/>
+                <a:tint val="67000"/>
+              </a:schemeClr>
+            </a:gs>
+            <a:gs pos="50000">
+              <a:schemeClr val="phClr">
+                <a:lumMod val="105000"/>
+                <a:satMod val="103000"/>
+                <a:tint val="73000"/>
+              </a:schemeClr>
+            </a:gs>
+            <a:gs pos="100000">
+              <a:schemeClr val="phClr">
+                <a:lumMod val="105000"/>
+                <a:satMod val="109000"/>
+                <a:tint val="81000"/>
+              </a:schemeClr>
+            </a:gs>
+          </a:gsLst>
+          <a:lin ang="5400000" scaled="0"/>
+        </a:gradFill>
+        <a:gradFill rotWithShape="1">
+          <a:gsLst>
+            <a:gs pos="0">
+              <a:schemeClr val="phClr">
+                <a:satMod val="103000"/>
+                <a:lumMod val="102000"/>
+                <a:tint val="94000"/>
+              </a:schemeClr>
+            </a:gs>
+            <a:gs pos="50000">
+              <a:schemeClr val="phClr">
+                <a:satMod val="110000"/>
+                <a:lumMod val="100000"/>
+                <a:shade val="100000"/>
+              </a:schemeClr>
+            </a:gs>
+            <a:gs pos="100000">
+              <a:schemeClr val="phClr">
+                <a:lumMod val="99000"/>
+                <a:satMod val="120000"/>
+                <a:shade val="78000"/>
+              </a:schemeClr>
+            </a:gs>
+          </a:gsLst>
+          <a:lin ang="5400000" scaled="0"/>
+        </a:gradFill>
+      </a:fillStyleLst>
+      <a:lnStyleLst>
+        <a:ln w="12700" cap="flat" cmpd="sng" algn="ctr">
+          <a:solidFill>
+            <a:schemeClr val="phClr"/>
+          </a:solidFill>
+          <a:prstDash val="solid"/>
+          <a:miter lim="800000"/>
+        </a:ln>
+        <a:ln w="19050" cap="flat" cmpd="sng" algn="ctr">
+          <a:solidFill>
+            <a:schemeClr val="phClr"/>
+          </a:solidFill>
+          <a:prstDash val="solid"/>
+          <a:miter lim="800000"/>
+        </a:ln>
+        <a:ln w="25400" cap="flat" cmpd="sng" algn="ctr">
+          <a:solidFill>
+            <a:schemeClr val="phClr"/>
+          </a:solidFill>
+          <a:prstDash val="solid"/>
+          <a:miter lim="800000"/>
+        </a:ln>
+      </a:lnStyleLst>
+      <a:effectStyleLst>
+        <a:effectStyle>
+          <a:effectLst/>
+        </a:effectStyle>
+        <a:effectStyle>
+          <a:effectLst/>
+        </a:effectStyle>
+        <a:effectStyle>
+          <a:effectLst>
+            <a:outerShdw blurRad="57150" dist="19050" dir="5400000" algn="ctr" rotWithShape="0">
+              <a:srgbClr val="000000">
+                <a:alpha val="63000"/>
+              </a:srgbClr>
+            </a:outerShdw>
+          </a:effectLst>
+        </a:effectStyle>
+      </a:effectStyleLst>
+      <a:bgFillStyleLst>
+        <a:solidFill>
+          <a:schemeClr val="phClr"/>
+        </a:solidFill>
+        <a:solidFill>
+          <a:schemeClr val="phClr">
+            <a:tint val="95000"/>
+            <a:satMod val="170000"/>
+          </a:schemeClr>
+        </a:solidFill>
+        <a:gradFill rotWithShape="1">
+          <a:gsLst>
+            <a:gs pos="0">
+              <a:schemeClr val="phClr">
+                <a:tint val="93000"/>
+                <a:satMod val="150000"/>
+                <a:shade val="98000"/>
+                <a:lumMod val="102000"/>
+              </a:schemeClr>
+            </a:gs>
+            <a:gs pos="50000">
+              <a:schemeClr val="phClr">
+                <a:tint val="98000"/>
+                <a:satMod val="130000"/>
+                <a:shade val="90000"/>
+                <a:lumMod val="103000"/>
+              </a:schemeClr>
+            </a:gs>
+            <a:gs pos="100000">
+              <a:schemeClr val="phClr">
+                <a:shade val="63000"/>
+                <a:satMod val="120000"/>
+              </a:schemeClr>
+            </a:gs>
+          </a:gsLst>
+          <a:lin ang="5400000" scaled="0"/>
+        </a:gradFill>
+      </a:bgFillStyleLst>
+    </a:fmtScheme>
+  </a:themeElements>
+  <a:objectDefaults>
+    <a:lnDef>
+      <a:spPr/>
+      <a:bodyPr/>
+      <a:lstStyle/>
+      <a:style>
+        <a:lnRef idx="2">
+          <a:schemeClr val="accent1"/>
+        </a:lnRef>
+        <a:fillRef idx="0">
+          <a:schemeClr val="accent1"/>
+        </a:fillRef>
+        <a:effectRef idx="1">
+          <a:schemeClr val="accent1"/>
+        </a:effectRef>
+        <a:fontRef idx="minor">
+          <a:schemeClr val="tx1"/>
+        </a:fontRef>
+      </a:style>
+    </a:lnDef>
+  </a:objectDefaults>
+  <a:extraClrSchemeLst/>
+  <a:extLst>
+    <a:ext uri="{05A4C25C-085E-4340-85A3-A5531E510DB2}">
+      <thm15:themeFamily xmlns:thm15="http://schemas.microsoft.com/office/thememl/2012/main" name="Office Theme" id="{2E142A2C-CD16-42D6-873A-C26D2A0506FA}" vid="{1BDDFF52-6CD6-40A5-AB3C-68EB2F1E4D0A}"/>
+    </a:ext>
+  </a:extLst>
+</a:theme>
 </file>
--- a/전투.pptx
+++ b/전투.pptx
@@ -5,14 +5,15 @@
     <p:sldMasterId id="2147483648" r:id="rId1"/>
   </p:sldMasterIdLst>
   <p:notesMasterIdLst>
-    <p:notesMasterId r:id="rId7"/>
+    <p:notesMasterId r:id="rId8"/>
   </p:notesMasterIdLst>
   <p:sldIdLst>
     <p:sldId id="266" r:id="rId2"/>
-    <p:sldId id="267" r:id="rId3"/>
+    <p:sldId id="271" r:id="rId3"/>
     <p:sldId id="269" r:id="rId4"/>
-    <p:sldId id="270" r:id="rId5"/>
-    <p:sldId id="268" r:id="rId6"/>
+    <p:sldId id="272" r:id="rId5"/>
+    <p:sldId id="270" r:id="rId6"/>
+    <p:sldId id="268" r:id="rId7"/>
   </p:sldIdLst>
   <p:sldSz cx="12192000" cy="6858000"/>
   <p:notesSz cx="6858000" cy="9144000"/>
@@ -201,7 +202,7 @@
           <a:p>
             <a:fld id="{78BB3FCA-29EA-4E4D-BC49-503A661C573A}" type="datetimeFigureOut">
               <a:rPr lang="ko-KR" altLang="en-US" smtClean="0"/>
-              <a:t>2024-03-25</a:t>
+              <a:t>2024-03-26</a:t>
             </a:fld>
             <a:endParaRPr lang="ko-KR" altLang="en-US"/>
           </a:p>
@@ -552,6 +553,174 @@
 </p:notes>
 </file>
 
+<file path=ppt/notesSlides/notesSlide2.xml><?xml version="1.0" encoding="utf-8"?>
+<p:notes xmlns:a="http://schemas.openxmlformats.org/drawingml/2006/main" xmlns:r="http://schemas.openxmlformats.org/officeDocument/2006/relationships" xmlns:p="http://schemas.openxmlformats.org/presentationml/2006/main">
+  <p:cSld>
+    <p:spTree>
+      <p:nvGrpSpPr>
+        <p:cNvPr id="1" name=""/>
+        <p:cNvGrpSpPr/>
+        <p:nvPr/>
+      </p:nvGrpSpPr>
+      <p:grpSpPr>
+        <a:xfrm>
+          <a:off x="0" y="0"/>
+          <a:ext cx="0" cy="0"/>
+          <a:chOff x="0" y="0"/>
+          <a:chExt cx="0" cy="0"/>
+        </a:xfrm>
+      </p:grpSpPr>
+      <p:sp>
+        <p:nvSpPr>
+          <p:cNvPr id="2" name="슬라이드 이미지 개체 틀 1"/>
+          <p:cNvSpPr>
+            <a:spLocks noGrp="1" noRot="1" noChangeAspect="1"/>
+          </p:cNvSpPr>
+          <p:nvPr>
+            <p:ph type="sldImg"/>
+          </p:nvPr>
+        </p:nvSpPr>
+        <p:spPr/>
+      </p:sp>
+      <p:sp>
+        <p:nvSpPr>
+          <p:cNvPr id="3" name="슬라이드 노트 개체 틀 2"/>
+          <p:cNvSpPr>
+            <a:spLocks noGrp="1"/>
+          </p:cNvSpPr>
+          <p:nvPr>
+            <p:ph type="body" idx="1"/>
+          </p:nvPr>
+        </p:nvSpPr>
+        <p:spPr/>
+        <p:txBody>
+          <a:bodyPr/>
+          <a:lstStyle/>
+          <a:p>
+            <a:endParaRPr lang="ko-KR" altLang="en-US" dirty="0"/>
+          </a:p>
+        </p:txBody>
+      </p:sp>
+      <p:sp>
+        <p:nvSpPr>
+          <p:cNvPr id="4" name="슬라이드 번호 개체 틀 3"/>
+          <p:cNvSpPr>
+            <a:spLocks noGrp="1"/>
+          </p:cNvSpPr>
+          <p:nvPr>
+            <p:ph type="sldNum" sz="quarter" idx="5"/>
+          </p:nvPr>
+        </p:nvSpPr>
+        <p:spPr/>
+        <p:txBody>
+          <a:bodyPr/>
+          <a:lstStyle/>
+          <a:p>
+            <a:fld id="{72032EB5-ABEB-49F2-BBDC-81C17B42AB0D}" type="slidenum">
+              <a:rPr lang="ko-KR" altLang="en-US" smtClean="0"/>
+              <a:t>2</a:t>
+            </a:fld>
+            <a:endParaRPr lang="ko-KR" altLang="en-US"/>
+          </a:p>
+        </p:txBody>
+      </p:sp>
+    </p:spTree>
+    <p:extLst>
+      <p:ext uri="{BB962C8B-B14F-4D97-AF65-F5344CB8AC3E}">
+        <p14:creationId xmlns:p14="http://schemas.microsoft.com/office/powerpoint/2010/main" val="1086683202"/>
+      </p:ext>
+    </p:extLst>
+  </p:cSld>
+  <p:clrMapOvr>
+    <a:masterClrMapping/>
+  </p:clrMapOvr>
+</p:notes>
+</file>
+
+<file path=ppt/notesSlides/notesSlide3.xml><?xml version="1.0" encoding="utf-8"?>
+<p:notes xmlns:a="http://schemas.openxmlformats.org/drawingml/2006/main" xmlns:r="http://schemas.openxmlformats.org/officeDocument/2006/relationships" xmlns:p="http://schemas.openxmlformats.org/presentationml/2006/main">
+  <p:cSld>
+    <p:spTree>
+      <p:nvGrpSpPr>
+        <p:cNvPr id="1" name=""/>
+        <p:cNvGrpSpPr/>
+        <p:nvPr/>
+      </p:nvGrpSpPr>
+      <p:grpSpPr>
+        <a:xfrm>
+          <a:off x="0" y="0"/>
+          <a:ext cx="0" cy="0"/>
+          <a:chOff x="0" y="0"/>
+          <a:chExt cx="0" cy="0"/>
+        </a:xfrm>
+      </p:grpSpPr>
+      <p:sp>
+        <p:nvSpPr>
+          <p:cNvPr id="2" name="슬라이드 이미지 개체 틀 1"/>
+          <p:cNvSpPr>
+            <a:spLocks noGrp="1" noRot="1" noChangeAspect="1"/>
+          </p:cNvSpPr>
+          <p:nvPr>
+            <p:ph type="sldImg"/>
+          </p:nvPr>
+        </p:nvSpPr>
+        <p:spPr/>
+      </p:sp>
+      <p:sp>
+        <p:nvSpPr>
+          <p:cNvPr id="3" name="슬라이드 노트 개체 틀 2"/>
+          <p:cNvSpPr>
+            <a:spLocks noGrp="1"/>
+          </p:cNvSpPr>
+          <p:nvPr>
+            <p:ph type="body" idx="1"/>
+          </p:nvPr>
+        </p:nvSpPr>
+        <p:spPr/>
+        <p:txBody>
+          <a:bodyPr/>
+          <a:lstStyle/>
+          <a:p>
+            <a:endParaRPr lang="ko-KR" altLang="en-US" dirty="0"/>
+          </a:p>
+        </p:txBody>
+      </p:sp>
+      <p:sp>
+        <p:nvSpPr>
+          <p:cNvPr id="4" name="슬라이드 번호 개체 틀 3"/>
+          <p:cNvSpPr>
+            <a:spLocks noGrp="1"/>
+          </p:cNvSpPr>
+          <p:nvPr>
+            <p:ph type="sldNum" sz="quarter" idx="5"/>
+          </p:nvPr>
+        </p:nvSpPr>
+        <p:spPr/>
+        <p:txBody>
+          <a:bodyPr/>
+          <a:lstStyle/>
+          <a:p>
+            <a:fld id="{72032EB5-ABEB-49F2-BBDC-81C17B42AB0D}" type="slidenum">
+              <a:rPr lang="ko-KR" altLang="en-US" smtClean="0"/>
+              <a:t>4</a:t>
+            </a:fld>
+            <a:endParaRPr lang="ko-KR" altLang="en-US"/>
+          </a:p>
+        </p:txBody>
+      </p:sp>
+    </p:spTree>
+    <p:extLst>
+      <p:ext uri="{BB962C8B-B14F-4D97-AF65-F5344CB8AC3E}">
+        <p14:creationId xmlns:p14="http://schemas.microsoft.com/office/powerpoint/2010/main" val="3366866734"/>
+      </p:ext>
+    </p:extLst>
+  </p:cSld>
+  <p:clrMapOvr>
+    <a:masterClrMapping/>
+  </p:clrMapOvr>
+</p:notes>
+</file>
+
 <file path=ppt/slideLayouts/slideLayout1.xml><?xml version="1.0" encoding="utf-8"?>
 <p:sldLayout xmlns:a="http://schemas.openxmlformats.org/drawingml/2006/main" xmlns:r="http://schemas.openxmlformats.org/officeDocument/2006/relationships" xmlns:p="http://schemas.openxmlformats.org/presentationml/2006/main" type="title" preserve="1">
   <p:cSld name="제목 슬라이드">
@@ -699,7 +868,7 @@
           <a:p>
             <a:fld id="{8069FA6A-2A84-40D6-BD33-EFEC6828BE5B}" type="datetimeFigureOut">
               <a:rPr lang="ko-KR" altLang="en-US" smtClean="0"/>
-              <a:t>2024-03-25</a:t>
+              <a:t>2024-03-26</a:t>
             </a:fld>
             <a:endParaRPr lang="ko-KR" altLang="en-US"/>
           </a:p>
@@ -897,7 +1066,7 @@
           <a:p>
             <a:fld id="{8069FA6A-2A84-40D6-BD33-EFEC6828BE5B}" type="datetimeFigureOut">
               <a:rPr lang="ko-KR" altLang="en-US" smtClean="0"/>
-              <a:t>2024-03-25</a:t>
+              <a:t>2024-03-26</a:t>
             </a:fld>
             <a:endParaRPr lang="ko-KR" altLang="en-US"/>
           </a:p>
@@ -1105,7 +1274,7 @@
           <a:p>
             <a:fld id="{8069FA6A-2A84-40D6-BD33-EFEC6828BE5B}" type="datetimeFigureOut">
               <a:rPr lang="ko-KR" altLang="en-US" smtClean="0"/>
-              <a:t>2024-03-25</a:t>
+              <a:t>2024-03-26</a:t>
             </a:fld>
             <a:endParaRPr lang="ko-KR" altLang="en-US"/>
           </a:p>
@@ -1303,7 +1472,7 @@
           <a:p>
             <a:fld id="{8069FA6A-2A84-40D6-BD33-EFEC6828BE5B}" type="datetimeFigureOut">
               <a:rPr lang="ko-KR" altLang="en-US" smtClean="0"/>
-              <a:t>2024-03-25</a:t>
+              <a:t>2024-03-26</a:t>
             </a:fld>
             <a:endParaRPr lang="ko-KR" altLang="en-US"/>
           </a:p>
@@ -1578,7 +1747,7 @@
           <a:p>
             <a:fld id="{8069FA6A-2A84-40D6-BD33-EFEC6828BE5B}" type="datetimeFigureOut">
               <a:rPr lang="ko-KR" altLang="en-US" smtClean="0"/>
-              <a:t>2024-03-25</a:t>
+              <a:t>2024-03-26</a:t>
             </a:fld>
             <a:endParaRPr lang="ko-KR" altLang="en-US"/>
           </a:p>
@@ -1843,7 +2012,7 @@
           <a:p>
             <a:fld id="{8069FA6A-2A84-40D6-BD33-EFEC6828BE5B}" type="datetimeFigureOut">
               <a:rPr lang="ko-KR" altLang="en-US" smtClean="0"/>
-              <a:t>2024-03-25</a:t>
+              <a:t>2024-03-26</a:t>
             </a:fld>
             <a:endParaRPr lang="ko-KR" altLang="en-US"/>
           </a:p>
@@ -2255,7 +2424,7 @@
           <a:p>
             <a:fld id="{8069FA6A-2A84-40D6-BD33-EFEC6828BE5B}" type="datetimeFigureOut">
               <a:rPr lang="ko-KR" altLang="en-US" smtClean="0"/>
-              <a:t>2024-03-25</a:t>
+              <a:t>2024-03-26</a:t>
             </a:fld>
             <a:endParaRPr lang="ko-KR" altLang="en-US"/>
           </a:p>
@@ -2396,7 +2565,7 @@
           <a:p>
             <a:fld id="{8069FA6A-2A84-40D6-BD33-EFEC6828BE5B}" type="datetimeFigureOut">
               <a:rPr lang="ko-KR" altLang="en-US" smtClean="0"/>
-              <a:t>2024-03-25</a:t>
+              <a:t>2024-03-26</a:t>
             </a:fld>
             <a:endParaRPr lang="ko-KR" altLang="en-US"/>
           </a:p>
@@ -2509,7 +2678,7 @@
           <a:p>
             <a:fld id="{8069FA6A-2A84-40D6-BD33-EFEC6828BE5B}" type="datetimeFigureOut">
               <a:rPr lang="ko-KR" altLang="en-US" smtClean="0"/>
-              <a:t>2024-03-25</a:t>
+              <a:t>2024-03-26</a:t>
             </a:fld>
             <a:endParaRPr lang="ko-KR" altLang="en-US"/>
           </a:p>
@@ -2820,7 +2989,7 @@
           <a:p>
             <a:fld id="{8069FA6A-2A84-40D6-BD33-EFEC6828BE5B}" type="datetimeFigureOut">
               <a:rPr lang="ko-KR" altLang="en-US" smtClean="0"/>
-              <a:t>2024-03-25</a:t>
+              <a:t>2024-03-26</a:t>
             </a:fld>
             <a:endParaRPr lang="ko-KR" altLang="en-US"/>
           </a:p>
@@ -3108,7 +3277,7 @@
           <a:p>
             <a:fld id="{8069FA6A-2A84-40D6-BD33-EFEC6828BE5B}" type="datetimeFigureOut">
               <a:rPr lang="ko-KR" altLang="en-US" smtClean="0"/>
-              <a:t>2024-03-25</a:t>
+              <a:t>2024-03-26</a:t>
             </a:fld>
             <a:endParaRPr lang="ko-KR" altLang="en-US"/>
           </a:p>
@@ -3349,7 +3518,7 @@
           <a:p>
             <a:fld id="{8069FA6A-2A84-40D6-BD33-EFEC6828BE5B}" type="datetimeFigureOut">
               <a:rPr lang="ko-KR" altLang="en-US" smtClean="0"/>
-              <a:t>2024-03-25</a:t>
+              <a:t>2024-03-26</a:t>
             </a:fld>
             <a:endParaRPr lang="ko-KR" altLang="en-US"/>
           </a:p>
@@ -3816,7 +3985,7 @@
         <p:spPr>
           <a:xfrm>
             <a:off x="487913" y="1003973"/>
-            <a:ext cx="11319388" cy="4801314"/>
+            <a:ext cx="11319388" cy="5632311"/>
           </a:xfrm>
           <a:prstGeom prst="rect">
             <a:avLst/>
@@ -4075,6 +4244,43 @@
             <a:r>
               <a:rPr lang="ko-KR" altLang="en-US" dirty="0"/>
               <a:t>이 과정을 치고 받는 방법으로 바꾸자</a:t>
+            </a:r>
+            <a:r>
+              <a:rPr lang="en-US" altLang="ko-KR" dirty="0"/>
+              <a:t>.</a:t>
+            </a:r>
+          </a:p>
+          <a:p>
+            <a:pPr marL="285750" indent="-285750">
+              <a:buFontTx/>
+              <a:buChar char="-"/>
+            </a:pPr>
+            <a:endParaRPr lang="en-US" altLang="ko-KR" dirty="0"/>
+          </a:p>
+          <a:p>
+            <a:pPr marL="285750" indent="-285750">
+              <a:buFontTx/>
+              <a:buChar char="-"/>
+            </a:pPr>
+            <a:r>
+              <a:rPr lang="ko-KR" altLang="en-US" dirty="0"/>
+              <a:t>전투 과정에서 수치 증가</a:t>
+            </a:r>
+            <a:r>
+              <a:rPr lang="en-US" altLang="ko-KR" dirty="0"/>
+              <a:t>, </a:t>
+            </a:r>
+            <a:r>
+              <a:rPr lang="ko-KR" altLang="en-US" dirty="0"/>
+              <a:t>추가 효과는 문장으로 표시된다</a:t>
+            </a:r>
+            <a:r>
+              <a:rPr lang="en-US" altLang="ko-KR" dirty="0"/>
+              <a:t>. </a:t>
+            </a:r>
+            <a:r>
+              <a:rPr lang="ko-KR" altLang="en-US" dirty="0"/>
+              <a:t>문장이 표시되는 순서대로 확률에 변화를 주기 때문에 문장 표시 순서가 중요함</a:t>
             </a:r>
             <a:r>
               <a:rPr lang="en-US" altLang="ko-KR" dirty="0"/>
@@ -4167,7 +4373,7 @@
           <a:p>
             <a:r>
               <a:rPr lang="ko-KR" altLang="en-US" dirty="0"/>
-              <a:t>속성</a:t>
+              <a:t>승리</a:t>
             </a:r>
           </a:p>
         </p:txBody>
@@ -4186,8 +4392,8 @@
         </p:nvSpPr>
         <p:spPr>
           <a:xfrm>
-            <a:off x="574431" y="1003973"/>
-            <a:ext cx="11108583" cy="2031325"/>
+            <a:off x="487913" y="1003973"/>
+            <a:ext cx="11319388" cy="2031325"/>
           </a:xfrm>
           <a:prstGeom prst="rect">
             <a:avLst/>
@@ -4206,12 +4412,9 @@
             </a:pPr>
             <a:r>
               <a:rPr lang="ko-KR" altLang="en-US" dirty="0"/>
-              <a:t>숫자로 나타낼까</a:t>
-            </a:r>
-            <a:r>
-              <a:rPr lang="en-US" altLang="ko-KR" dirty="0"/>
-              <a:t>?</a:t>
-            </a:r>
+              <a:t>승리 이벤트 발생</a:t>
+            </a:r>
+            <a:endParaRPr lang="en-US" altLang="ko-KR" dirty="0"/>
           </a:p>
           <a:p>
             <a:pPr marL="285750" indent="-285750">
@@ -4220,7 +4423,7 @@
             </a:pPr>
             <a:r>
               <a:rPr lang="ko-KR" altLang="en-US" dirty="0"/>
-              <a:t>한 다섯개의 속성이 존재</a:t>
+              <a:t>골드 획득</a:t>
             </a:r>
             <a:endParaRPr lang="en-US" altLang="ko-KR" dirty="0"/>
           </a:p>
@@ -4231,11 +4434,11 @@
             </a:pPr>
             <a:r>
               <a:rPr lang="ko-KR" altLang="en-US" dirty="0"/>
-              <a:t>본인의 속성에 따라 공격표와 방어표가 나뉨</a:t>
-            </a:r>
-            <a:r>
-              <a:rPr lang="en-US" altLang="ko-KR" dirty="0"/>
-              <a:t>.</a:t>
+              <a:t>최종 점수 </a:t>
+            </a:r>
+            <a:r>
+              <a:rPr lang="en-US" altLang="ko-KR" dirty="0"/>
+              <a:t>+</a:t>
             </a:r>
           </a:p>
           <a:p>
@@ -4245,56 +4448,36 @@
             </a:pPr>
             <a:r>
               <a:rPr lang="ko-KR" altLang="en-US" dirty="0"/>
-              <a:t>공격표의 </a:t>
-            </a:r>
-            <a:r>
-              <a:rPr lang="en-US" altLang="ko-KR" dirty="0"/>
-              <a:t>1~5 </a:t>
-            </a:r>
-            <a:r>
-              <a:rPr lang="ko-KR" altLang="en-US" dirty="0"/>
-              <a:t>면 </a:t>
-            </a:r>
-            <a:r>
-              <a:rPr lang="en-US" altLang="ko-KR" dirty="0"/>
-              <a:t>5</a:t>
-            </a:r>
-            <a:r>
-              <a:rPr lang="ko-KR" altLang="en-US" dirty="0"/>
-              <a:t>에 가장 공격이 잘 </a:t>
-            </a:r>
-            <a:r>
-              <a:rPr lang="ko-KR" altLang="en-US" dirty="0" err="1"/>
-              <a:t>들어감</a:t>
-            </a:r>
-            <a:endParaRPr lang="en-US" altLang="ko-KR" dirty="0"/>
-          </a:p>
-          <a:p>
-            <a:pPr marL="285750" indent="-285750">
-              <a:buFontTx/>
-              <a:buChar char="-"/>
-            </a:pPr>
-            <a:r>
-              <a:rPr lang="ko-KR" altLang="en-US" dirty="0"/>
-              <a:t>방어표의 </a:t>
-            </a:r>
-            <a:r>
-              <a:rPr lang="en-US" altLang="ko-KR" dirty="0"/>
-              <a:t>1~5</a:t>
-            </a:r>
-            <a:r>
-              <a:rPr lang="ko-KR" altLang="en-US" dirty="0"/>
-              <a:t> 면 </a:t>
-            </a:r>
-            <a:r>
-              <a:rPr lang="en-US" altLang="ko-KR" dirty="0"/>
-              <a:t>5</a:t>
-            </a:r>
-            <a:r>
-              <a:rPr lang="ko-KR" altLang="en-US" dirty="0"/>
-              <a:t>한테 가장 아프게 맞음</a:t>
-            </a:r>
-            <a:endParaRPr lang="en-US" altLang="ko-KR" dirty="0"/>
+              <a:t>특정 능력치 상승</a:t>
+            </a:r>
+            <a:r>
+              <a:rPr lang="en-US" altLang="ko-KR" dirty="0"/>
+              <a:t>(</a:t>
+            </a:r>
+            <a:r>
+              <a:rPr lang="ko-KR" altLang="en-US" dirty="0"/>
+              <a:t>적 별로 다르게 설정할 수도</a:t>
+            </a:r>
+            <a:r>
+              <a:rPr lang="en-US" altLang="ko-KR" dirty="0"/>
+              <a:t>, </a:t>
+            </a:r>
+            <a:r>
+              <a:rPr lang="ko-KR" altLang="en-US" dirty="0"/>
+              <a:t>혹은 근력 </a:t>
+            </a:r>
+            <a:r>
+              <a:rPr lang="en-US" altLang="ko-KR" dirty="0"/>
+              <a:t>+ </a:t>
+            </a:r>
+            <a:r>
+              <a:rPr lang="ko-KR" altLang="en-US" dirty="0"/>
+              <a:t>능력 고정</a:t>
+            </a:r>
+            <a:r>
+              <a:rPr lang="en-US" altLang="ko-KR" dirty="0"/>
+              <a:t>)</a:t>
+            </a:r>
           </a:p>
           <a:p>
             <a:pPr marL="285750" indent="-285750">
@@ -4304,6 +4487,177 @@
             <a:endParaRPr lang="en-US" altLang="ko-KR" dirty="0"/>
           </a:p>
           <a:p>
+            <a:pPr marL="285750" indent="-285750">
+              <a:buFontTx/>
+              <a:buChar char="-"/>
+            </a:pPr>
+            <a:endParaRPr lang="en-US" altLang="ko-KR" dirty="0"/>
+          </a:p>
+          <a:p>
+            <a:endParaRPr lang="en-US" altLang="ko-KR" dirty="0"/>
+          </a:p>
+        </p:txBody>
+      </p:sp>
+      <p:sp>
+        <p:nvSpPr>
+          <p:cNvPr id="2" name="TextBox 1">
+            <a:extLst>
+              <a:ext uri="{FF2B5EF4-FFF2-40B4-BE49-F238E27FC236}">
+                <a16:creationId xmlns:a16="http://schemas.microsoft.com/office/drawing/2014/main" id="{0BB06EEC-2B32-62FD-E739-A31A5593067A}"/>
+              </a:ext>
+            </a:extLst>
+          </p:cNvPr>
+          <p:cNvSpPr txBox="1"/>
+          <p:nvPr/>
+        </p:nvSpPr>
+        <p:spPr>
+          <a:xfrm>
+            <a:off x="574431" y="3198884"/>
+            <a:ext cx="646331" cy="369332"/>
+          </a:xfrm>
+          <a:prstGeom prst="rect">
+            <a:avLst/>
+          </a:prstGeom>
+          <a:noFill/>
+        </p:spPr>
+        <p:txBody>
+          <a:bodyPr wrap="none" rtlCol="0">
+            <a:spAutoFit/>
+          </a:bodyPr>
+          <a:lstStyle/>
+          <a:p>
+            <a:r>
+              <a:rPr lang="ko-KR" altLang="en-US" dirty="0"/>
+              <a:t>승리</a:t>
+            </a:r>
+          </a:p>
+        </p:txBody>
+      </p:sp>
+      <p:sp>
+        <p:nvSpPr>
+          <p:cNvPr id="3" name="TextBox 2">
+            <a:extLst>
+              <a:ext uri="{FF2B5EF4-FFF2-40B4-BE49-F238E27FC236}">
+                <a16:creationId xmlns:a16="http://schemas.microsoft.com/office/drawing/2014/main" id="{76982260-B95C-49DF-31A0-708C4BBA800A}"/>
+              </a:ext>
+            </a:extLst>
+          </p:cNvPr>
+          <p:cNvSpPr txBox="1"/>
+          <p:nvPr/>
+        </p:nvSpPr>
+        <p:spPr>
+          <a:xfrm>
+            <a:off x="487913" y="3822702"/>
+            <a:ext cx="11319388" cy="2031325"/>
+          </a:xfrm>
+          <a:prstGeom prst="rect">
+            <a:avLst/>
+          </a:prstGeom>
+          <a:noFill/>
+        </p:spPr>
+        <p:txBody>
+          <a:bodyPr wrap="square" rtlCol="0">
+            <a:spAutoFit/>
+          </a:bodyPr>
+          <a:lstStyle/>
+          <a:p>
+            <a:pPr marL="285750" indent="-285750">
+              <a:buFontTx/>
+              <a:buChar char="-"/>
+            </a:pPr>
+            <a:r>
+              <a:rPr lang="ko-KR" altLang="en-US" dirty="0"/>
+              <a:t>패배 이벤트 발생</a:t>
+            </a:r>
+            <a:endParaRPr lang="en-US" altLang="ko-KR" dirty="0"/>
+          </a:p>
+          <a:p>
+            <a:pPr marL="285750" indent="-285750">
+              <a:buFontTx/>
+              <a:buChar char="-"/>
+            </a:pPr>
+            <a:r>
+              <a:rPr lang="ko-KR" altLang="en-US" dirty="0"/>
+              <a:t>동료 효율 감소</a:t>
+            </a:r>
+            <a:endParaRPr lang="en-US" altLang="ko-KR" dirty="0"/>
+          </a:p>
+          <a:p>
+            <a:pPr marL="285750" indent="-285750">
+              <a:buFontTx/>
+              <a:buChar char="-"/>
+            </a:pPr>
+            <a:r>
+              <a:rPr lang="ko-KR" altLang="en-US" dirty="0"/>
+              <a:t>최종 점수 </a:t>
+            </a:r>
+            <a:r>
+              <a:rPr lang="en-US" altLang="ko-KR" dirty="0"/>
+              <a:t>-</a:t>
+            </a:r>
+          </a:p>
+          <a:p>
+            <a:pPr marL="285750" indent="-285750">
+              <a:buFontTx/>
+              <a:buChar char="-"/>
+            </a:pPr>
+            <a:r>
+              <a:rPr lang="ko-KR" altLang="en-US" dirty="0"/>
+              <a:t>체력 감소</a:t>
+            </a:r>
+            <a:r>
+              <a:rPr lang="en-US" altLang="ko-KR" dirty="0"/>
+              <a:t>, 55</a:t>
+            </a:r>
+            <a:r>
+              <a:rPr lang="ko-KR" altLang="en-US" dirty="0"/>
+              <a:t>프로 미만의 승률일 시 </a:t>
+            </a:r>
+            <a:r>
+              <a:rPr lang="en-US" altLang="ko-KR" dirty="0"/>
+              <a:t>– </a:t>
+            </a:r>
+            <a:r>
+              <a:rPr lang="ko-KR" altLang="en-US" dirty="0"/>
+              <a:t>초과 확률 만큼</a:t>
+            </a:r>
+            <a:r>
+              <a:rPr lang="en-US" altLang="ko-KR" dirty="0"/>
+              <a:t>, 55</a:t>
+            </a:r>
+            <a:r>
+              <a:rPr lang="ko-KR" altLang="en-US" dirty="0"/>
+              <a:t>프로 이상의 승률일 시 </a:t>
+            </a:r>
+            <a:r>
+              <a:rPr lang="en-US" altLang="ko-KR" dirty="0"/>
+              <a:t>5</a:t>
+            </a:r>
+            <a:r>
+              <a:rPr lang="ko-KR" altLang="en-US" dirty="0"/>
+              <a:t>만큼</a:t>
+            </a:r>
+            <a:r>
+              <a:rPr lang="en-US" altLang="ko-KR" dirty="0"/>
+              <a:t>(</a:t>
+            </a:r>
+            <a:r>
+              <a:rPr lang="ko-KR" altLang="en-US" dirty="0"/>
+              <a:t>이 마지노선은 유저의 육성 수치에 따라 바뀐다</a:t>
+            </a:r>
+            <a:r>
+              <a:rPr lang="en-US" altLang="ko-KR" dirty="0"/>
+              <a:t>)</a:t>
+            </a:r>
+          </a:p>
+          <a:p>
+            <a:pPr marL="285750" indent="-285750">
+              <a:buFontTx/>
+              <a:buChar char="-"/>
+            </a:pPr>
+            <a:endParaRPr lang="en-US" altLang="ko-KR" dirty="0"/>
+          </a:p>
+          <a:p>
             <a:endParaRPr lang="en-US" altLang="ko-KR" dirty="0"/>
           </a:p>
         </p:txBody>
@@ -4311,7 +4665,7 @@
     </p:spTree>
     <p:extLst>
       <p:ext uri="{BB962C8B-B14F-4D97-AF65-F5344CB8AC3E}">
-        <p14:creationId xmlns:p14="http://schemas.microsoft.com/office/powerpoint/2010/main" val="2665547112"/>
+        <p14:creationId xmlns:p14="http://schemas.microsoft.com/office/powerpoint/2010/main" val="466954401"/>
       </p:ext>
     </p:extLst>
   </p:cSld>
@@ -4388,7 +4742,7 @@
         <p:spPr>
           <a:xfrm>
             <a:off x="574431" y="1003973"/>
-            <a:ext cx="11108583" cy="3970318"/>
+            <a:ext cx="11108583" cy="5632311"/>
           </a:xfrm>
           <a:prstGeom prst="rect">
             <a:avLst/>
@@ -4624,6 +4978,106 @@
               <a:rPr lang="ko-KR" altLang="en-US" dirty="0"/>
               <a:t>문구를 없애는 스킬</a:t>
             </a:r>
+            <a:endParaRPr lang="en-US" altLang="ko-KR" dirty="0"/>
+          </a:p>
+          <a:p>
+            <a:pPr marL="285750" indent="-285750">
+              <a:buFontTx/>
+              <a:buChar char="-"/>
+            </a:pPr>
+            <a:r>
+              <a:rPr lang="ko-KR" altLang="en-US" dirty="0"/>
+              <a:t>자신의 공격을 다시 하는 스킬</a:t>
+            </a:r>
+            <a:endParaRPr lang="en-US" altLang="ko-KR" dirty="0"/>
+          </a:p>
+          <a:p>
+            <a:pPr marL="285750" indent="-285750">
+              <a:buFontTx/>
+              <a:buChar char="-"/>
+            </a:pPr>
+            <a:r>
+              <a:rPr lang="ko-KR" altLang="en-US" dirty="0"/>
+              <a:t>유저의 공격을 자신의 </a:t>
+            </a:r>
+            <a:r>
+              <a:rPr lang="ko-KR" altLang="en-US" dirty="0" err="1"/>
+              <a:t>스탯으로</a:t>
+            </a:r>
+            <a:r>
+              <a:rPr lang="ko-KR" altLang="en-US" dirty="0"/>
+              <a:t> </a:t>
+            </a:r>
+            <a:r>
+              <a:rPr lang="ko-KR" altLang="en-US" dirty="0" err="1"/>
+              <a:t>배끼는</a:t>
+            </a:r>
+            <a:r>
+              <a:rPr lang="ko-KR" altLang="en-US" dirty="0"/>
+              <a:t> 스킬</a:t>
+            </a:r>
+            <a:endParaRPr lang="en-US" altLang="ko-KR" dirty="0"/>
+          </a:p>
+          <a:p>
+            <a:pPr marL="285750" indent="-285750">
+              <a:buFontTx/>
+              <a:buChar char="-"/>
+            </a:pPr>
+            <a:r>
+              <a:rPr lang="en-US" altLang="ko-KR" dirty="0"/>
+              <a:t>50%</a:t>
+            </a:r>
+            <a:r>
+              <a:rPr lang="ko-KR" altLang="en-US" dirty="0"/>
+              <a:t>까지만 확률 증가 보정을 받는 스킬</a:t>
+            </a:r>
+            <a:r>
+              <a:rPr lang="en-US" altLang="ko-KR" dirty="0"/>
+              <a:t>(</a:t>
+            </a:r>
+            <a:r>
+              <a:rPr lang="ko-KR" altLang="en-US" dirty="0"/>
+              <a:t>힐</a:t>
+            </a:r>
+            <a:r>
+              <a:rPr lang="en-US" altLang="ko-KR" dirty="0"/>
+              <a:t>)</a:t>
+            </a:r>
+          </a:p>
+          <a:p>
+            <a:pPr marL="285750" indent="-285750">
+              <a:buFontTx/>
+              <a:buChar char="-"/>
+            </a:pPr>
+            <a:r>
+              <a:rPr lang="ko-KR" altLang="en-US" dirty="0"/>
+              <a:t>공격 막는 스킬</a:t>
+            </a:r>
+            <a:r>
+              <a:rPr lang="en-US" altLang="ko-KR" dirty="0"/>
+              <a:t>(</a:t>
+            </a:r>
+            <a:r>
+              <a:rPr lang="ko-KR" altLang="en-US" dirty="0"/>
+              <a:t>덜 아프게 맞던 아예 막던</a:t>
+            </a:r>
+            <a:r>
+              <a:rPr lang="en-US" altLang="ko-KR" dirty="0"/>
+              <a:t>)</a:t>
+            </a:r>
+          </a:p>
+          <a:p>
+            <a:pPr marL="285750" indent="-285750">
+              <a:buFontTx/>
+              <a:buChar char="-"/>
+            </a:pPr>
+            <a:endParaRPr lang="en-US" altLang="ko-KR" dirty="0"/>
+          </a:p>
+          <a:p>
+            <a:pPr marL="285750" indent="-285750">
+              <a:buFontTx/>
+              <a:buChar char="-"/>
+            </a:pPr>
             <a:endParaRPr lang="en-US" altLang="ko-KR" dirty="0"/>
           </a:p>
           <a:p>
@@ -4676,6 +5130,182 @@
         <p:spPr>
           <a:xfrm>
             <a:off x="574431" y="439615"/>
+            <a:ext cx="646331" cy="369332"/>
+          </a:xfrm>
+          <a:prstGeom prst="rect">
+            <a:avLst/>
+          </a:prstGeom>
+          <a:noFill/>
+        </p:spPr>
+        <p:txBody>
+          <a:bodyPr wrap="none" rtlCol="0">
+            <a:spAutoFit/>
+          </a:bodyPr>
+          <a:lstStyle/>
+          <a:p>
+            <a:r>
+              <a:rPr lang="ko-KR" altLang="en-US" dirty="0"/>
+              <a:t>보스</a:t>
+            </a:r>
+          </a:p>
+        </p:txBody>
+      </p:sp>
+      <p:sp>
+        <p:nvSpPr>
+          <p:cNvPr id="11" name="TextBox 10">
+            <a:extLst>
+              <a:ext uri="{FF2B5EF4-FFF2-40B4-BE49-F238E27FC236}">
+                <a16:creationId xmlns:a16="http://schemas.microsoft.com/office/drawing/2014/main" id="{BE1D231D-2F7F-F83F-96CF-2CDE57F99C49}"/>
+              </a:ext>
+            </a:extLst>
+          </p:cNvPr>
+          <p:cNvSpPr txBox="1"/>
+          <p:nvPr/>
+        </p:nvSpPr>
+        <p:spPr>
+          <a:xfrm>
+            <a:off x="487913" y="1003973"/>
+            <a:ext cx="11319388" cy="1754326"/>
+          </a:xfrm>
+          <a:prstGeom prst="rect">
+            <a:avLst/>
+          </a:prstGeom>
+          <a:noFill/>
+        </p:spPr>
+        <p:txBody>
+          <a:bodyPr wrap="square" rtlCol="0">
+            <a:spAutoFit/>
+          </a:bodyPr>
+          <a:lstStyle/>
+          <a:p>
+            <a:pPr marL="285750" indent="-285750">
+              <a:buFontTx/>
+              <a:buChar char="-"/>
+            </a:pPr>
+            <a:r>
+              <a:rPr lang="ko-KR" altLang="en-US" dirty="0"/>
+              <a:t>보스전은 </a:t>
+            </a:r>
+            <a:r>
+              <a:rPr lang="en-US" altLang="ko-KR" dirty="0"/>
+              <a:t>3</a:t>
+            </a:r>
+            <a:r>
+              <a:rPr lang="ko-KR" altLang="en-US" dirty="0"/>
+              <a:t>판 </a:t>
+            </a:r>
+            <a:r>
+              <a:rPr lang="en-US" altLang="ko-KR" dirty="0"/>
+              <a:t>2</a:t>
+            </a:r>
+            <a:r>
+              <a:rPr lang="ko-KR" altLang="en-US" dirty="0"/>
+              <a:t>선승제로 해도 괜찮을 듯</a:t>
+            </a:r>
+            <a:r>
+              <a:rPr lang="en-US" altLang="ko-KR" dirty="0"/>
+              <a:t>.</a:t>
+            </a:r>
+            <a:r>
+              <a:rPr lang="ko-KR" altLang="en-US" dirty="0"/>
+              <a:t> 아니면 어려운 보스일수록 다 </a:t>
+            </a:r>
+            <a:r>
+              <a:rPr lang="ko-KR" altLang="en-US" dirty="0" err="1"/>
+              <a:t>이겨야한다</a:t>
+            </a:r>
+            <a:r>
+              <a:rPr lang="ko-KR" altLang="en-US" dirty="0"/>
+              <a:t> </a:t>
+            </a:r>
+            <a:r>
+              <a:rPr lang="en-US" altLang="ko-KR" dirty="0"/>
+              <a:t>or </a:t>
+            </a:r>
+            <a:r>
+              <a:rPr lang="ko-KR" altLang="en-US" dirty="0"/>
+              <a:t>연달아 이겨야 한다 등</a:t>
+            </a:r>
+            <a:r>
+              <a:rPr lang="en-US" altLang="ko-KR" dirty="0"/>
+              <a:t>?</a:t>
+            </a:r>
+          </a:p>
+          <a:p>
+            <a:pPr marL="285750" indent="-285750">
+              <a:buFontTx/>
+              <a:buChar char="-"/>
+            </a:pPr>
+            <a:r>
+              <a:rPr lang="ko-KR" altLang="en-US" dirty="0"/>
+              <a:t>아니면 남은 체력에 따라 현재 확률보다 낮다면 즉사 등</a:t>
+            </a:r>
+            <a:endParaRPr lang="en-US" altLang="ko-KR" dirty="0"/>
+          </a:p>
+          <a:p>
+            <a:pPr marL="285750" indent="-285750">
+              <a:buFontTx/>
+              <a:buChar char="-"/>
+            </a:pPr>
+            <a:endParaRPr lang="en-US" altLang="ko-KR" dirty="0"/>
+          </a:p>
+          <a:p>
+            <a:pPr marL="285750" indent="-285750">
+              <a:buFontTx/>
+              <a:buChar char="-"/>
+            </a:pPr>
+            <a:endParaRPr lang="en-US" altLang="ko-KR" dirty="0"/>
+          </a:p>
+          <a:p>
+            <a:endParaRPr lang="en-US" altLang="ko-KR" dirty="0"/>
+          </a:p>
+        </p:txBody>
+      </p:sp>
+    </p:spTree>
+    <p:extLst>
+      <p:ext uri="{BB962C8B-B14F-4D97-AF65-F5344CB8AC3E}">
+        <p14:creationId xmlns:p14="http://schemas.microsoft.com/office/powerpoint/2010/main" val="3806403351"/>
+      </p:ext>
+    </p:extLst>
+  </p:cSld>
+  <p:clrMapOvr>
+    <a:masterClrMapping/>
+  </p:clrMapOvr>
+</p:sld>
+</file>
+
+<file path=ppt/slides/slide5.xml><?xml version="1.0" encoding="utf-8"?>
+<p:sld xmlns:a="http://schemas.openxmlformats.org/drawingml/2006/main" xmlns:r="http://schemas.openxmlformats.org/officeDocument/2006/relationships" xmlns:p="http://schemas.openxmlformats.org/presentationml/2006/main">
+  <p:cSld>
+    <p:spTree>
+      <p:nvGrpSpPr>
+        <p:cNvPr id="1" name=""/>
+        <p:cNvGrpSpPr/>
+        <p:nvPr/>
+      </p:nvGrpSpPr>
+      <p:grpSpPr>
+        <a:xfrm>
+          <a:off x="0" y="0"/>
+          <a:ext cx="0" cy="0"/>
+          <a:chOff x="0" y="0"/>
+          <a:chExt cx="0" cy="0"/>
+        </a:xfrm>
+      </p:grpSpPr>
+      <p:sp>
+        <p:nvSpPr>
+          <p:cNvPr id="9" name="TextBox 8">
+            <a:extLst>
+              <a:ext uri="{FF2B5EF4-FFF2-40B4-BE49-F238E27FC236}">
+                <a16:creationId xmlns:a16="http://schemas.microsoft.com/office/drawing/2014/main" id="{7C3AEEB5-635B-CC9E-A34E-9221454EB919}"/>
+              </a:ext>
+            </a:extLst>
+          </p:cNvPr>
+          <p:cNvSpPr txBox="1"/>
+          <p:nvPr/>
+        </p:nvSpPr>
+        <p:spPr>
+          <a:xfrm>
+            <a:off x="574431" y="439615"/>
             <a:ext cx="1420582" cy="369332"/>
           </a:xfrm>
           <a:prstGeom prst="rect">
@@ -4711,7 +5341,7 @@
         <p:spPr>
           <a:xfrm>
             <a:off x="574431" y="1003973"/>
-            <a:ext cx="11108583" cy="369332"/>
+            <a:ext cx="11108583" cy="646331"/>
           </a:xfrm>
           <a:prstGeom prst="rect">
             <a:avLst/>
@@ -4724,21 +5354,71 @@
           </a:bodyPr>
           <a:lstStyle/>
           <a:p>
-            <a:r>
-              <a:rPr lang="en-US" altLang="ko-KR" dirty="0"/>
-              <a:t>- </a:t>
-            </a:r>
+            <a:pPr marL="285750" indent="-285750">
+              <a:buFontTx/>
+              <a:buChar char="-"/>
+            </a:pPr>
             <a:r>
               <a:rPr lang="ko-KR" altLang="en-US" dirty="0"/>
               <a:t>그리고 아무도 없었다</a:t>
             </a:r>
             <a:r>
               <a:rPr lang="en-US" altLang="ko-KR" dirty="0"/>
-              <a:t>: 10</a:t>
-            </a:r>
-            <a:r>
-              <a:rPr lang="ko-KR" altLang="en-US" dirty="0"/>
-              <a:t>개 이상의 </a:t>
+              <a:t>: </a:t>
+            </a:r>
+            <a:r>
+              <a:rPr lang="ko-KR" altLang="en-US" dirty="0"/>
+              <a:t>유저가</a:t>
+            </a:r>
+            <a:r>
+              <a:rPr lang="en-US" altLang="ko-KR" dirty="0"/>
+              <a:t> 10</a:t>
+            </a:r>
+            <a:r>
+              <a:rPr lang="ko-KR" altLang="en-US" dirty="0"/>
+              <a:t>개 이상의 문구 생성시 즉시 패배 </a:t>
+            </a:r>
+            <a:r>
+              <a:rPr lang="en-US" altLang="ko-KR" dirty="0"/>
+              <a:t>or </a:t>
+            </a:r>
+            <a:r>
+              <a:rPr lang="ko-KR" altLang="en-US" dirty="0"/>
+              <a:t>큰 확률 </a:t>
+            </a:r>
+            <a:r>
+              <a:rPr lang="en-US" altLang="ko-KR" dirty="0"/>
+              <a:t>–</a:t>
+            </a:r>
+          </a:p>
+          <a:p>
+            <a:pPr marL="285750" indent="-285750">
+              <a:buFontTx/>
+              <a:buChar char="-"/>
+            </a:pPr>
+            <a:r>
+              <a:rPr lang="ko-KR" altLang="en-US" dirty="0" err="1"/>
+              <a:t>로미오와</a:t>
+            </a:r>
+            <a:r>
+              <a:rPr lang="ko-KR" altLang="en-US" dirty="0"/>
+              <a:t> 줄리엣</a:t>
+            </a:r>
+            <a:r>
+              <a:rPr lang="en-US" altLang="ko-KR" dirty="0"/>
+              <a:t>: </a:t>
+            </a:r>
+            <a:r>
+              <a:rPr lang="ko-KR" altLang="en-US" dirty="0"/>
+              <a:t>두개의 적 소환</a:t>
+            </a:r>
+            <a:r>
+              <a:rPr lang="en-US" altLang="ko-KR" dirty="0"/>
+              <a:t>, </a:t>
+            </a:r>
+            <a:r>
+              <a:rPr lang="ko-KR" altLang="en-US" dirty="0"/>
+              <a:t> </a:t>
             </a:r>
             <a:endParaRPr lang="en-US" altLang="ko-KR" dirty="0"/>
           </a:p>
@@ -4757,7 +5437,7 @@
 </p:sld>
 </file>
 
-<file path=ppt/slides/slide5.xml><?xml version="1.0" encoding="utf-8"?>
+<file path=ppt/slides/slide6.xml><?xml version="1.0" encoding="utf-8"?>
 <p:sld xmlns:a="http://schemas.openxmlformats.org/drawingml/2006/main" xmlns:r="http://schemas.openxmlformats.org/officeDocument/2006/relationships" xmlns:p="http://schemas.openxmlformats.org/presentationml/2006/main">
   <p:cSld>
     <p:spTree>

--- a/전투.pptx
+++ b/전투.pptx
@@ -202,7 +202,7 @@
           <a:p>
             <a:fld id="{78BB3FCA-29EA-4E4D-BC49-503A661C573A}" type="datetimeFigureOut">
               <a:rPr lang="ko-KR" altLang="en-US" smtClean="0"/>
-              <a:t>2024-03-26</a:t>
+              <a:t>2024-03-27</a:t>
             </a:fld>
             <a:endParaRPr lang="ko-KR" altLang="en-US"/>
           </a:p>
@@ -868,7 +868,7 @@
           <a:p>
             <a:fld id="{8069FA6A-2A84-40D6-BD33-EFEC6828BE5B}" type="datetimeFigureOut">
               <a:rPr lang="ko-KR" altLang="en-US" smtClean="0"/>
-              <a:t>2024-03-26</a:t>
+              <a:t>2024-03-27</a:t>
             </a:fld>
             <a:endParaRPr lang="ko-KR" altLang="en-US"/>
           </a:p>
@@ -1066,7 +1066,7 @@
           <a:p>
             <a:fld id="{8069FA6A-2A84-40D6-BD33-EFEC6828BE5B}" type="datetimeFigureOut">
               <a:rPr lang="ko-KR" altLang="en-US" smtClean="0"/>
-              <a:t>2024-03-26</a:t>
+              <a:t>2024-03-27</a:t>
             </a:fld>
             <a:endParaRPr lang="ko-KR" altLang="en-US"/>
           </a:p>
@@ -1274,7 +1274,7 @@
           <a:p>
             <a:fld id="{8069FA6A-2A84-40D6-BD33-EFEC6828BE5B}" type="datetimeFigureOut">
               <a:rPr lang="ko-KR" altLang="en-US" smtClean="0"/>
-              <a:t>2024-03-26</a:t>
+              <a:t>2024-03-27</a:t>
             </a:fld>
             <a:endParaRPr lang="ko-KR" altLang="en-US"/>
           </a:p>
@@ -1472,7 +1472,7 @@
           <a:p>
             <a:fld id="{8069FA6A-2A84-40D6-BD33-EFEC6828BE5B}" type="datetimeFigureOut">
               <a:rPr lang="ko-KR" altLang="en-US" smtClean="0"/>
-              <a:t>2024-03-26</a:t>
+              <a:t>2024-03-27</a:t>
             </a:fld>
             <a:endParaRPr lang="ko-KR" altLang="en-US"/>
           </a:p>
@@ -1747,7 +1747,7 @@
           <a:p>
             <a:fld id="{8069FA6A-2A84-40D6-BD33-EFEC6828BE5B}" type="datetimeFigureOut">
               <a:rPr lang="ko-KR" altLang="en-US" smtClean="0"/>
-              <a:t>2024-03-26</a:t>
+              <a:t>2024-03-27</a:t>
             </a:fld>
             <a:endParaRPr lang="ko-KR" altLang="en-US"/>
           </a:p>
@@ -2012,7 +2012,7 @@
           <a:p>
             <a:fld id="{8069FA6A-2A84-40D6-BD33-EFEC6828BE5B}" type="datetimeFigureOut">
               <a:rPr lang="ko-KR" altLang="en-US" smtClean="0"/>
-              <a:t>2024-03-26</a:t>
+              <a:t>2024-03-27</a:t>
             </a:fld>
             <a:endParaRPr lang="ko-KR" altLang="en-US"/>
           </a:p>
@@ -2424,7 +2424,7 @@
           <a:p>
             <a:fld id="{8069FA6A-2A84-40D6-BD33-EFEC6828BE5B}" type="datetimeFigureOut">
               <a:rPr lang="ko-KR" altLang="en-US" smtClean="0"/>
-              <a:t>2024-03-26</a:t>
+              <a:t>2024-03-27</a:t>
             </a:fld>
             <a:endParaRPr lang="ko-KR" altLang="en-US"/>
           </a:p>
@@ -2565,7 +2565,7 @@
           <a:p>
             <a:fld id="{8069FA6A-2A84-40D6-BD33-EFEC6828BE5B}" type="datetimeFigureOut">
               <a:rPr lang="ko-KR" altLang="en-US" smtClean="0"/>
-              <a:t>2024-03-26</a:t>
+              <a:t>2024-03-27</a:t>
             </a:fld>
             <a:endParaRPr lang="ko-KR" altLang="en-US"/>
           </a:p>
@@ -2678,7 +2678,7 @@
           <a:p>
             <a:fld id="{8069FA6A-2A84-40D6-BD33-EFEC6828BE5B}" type="datetimeFigureOut">
               <a:rPr lang="ko-KR" altLang="en-US" smtClean="0"/>
-              <a:t>2024-03-26</a:t>
+              <a:t>2024-03-27</a:t>
             </a:fld>
             <a:endParaRPr lang="ko-KR" altLang="en-US"/>
           </a:p>
@@ -2989,7 +2989,7 @@
           <a:p>
             <a:fld id="{8069FA6A-2A84-40D6-BD33-EFEC6828BE5B}" type="datetimeFigureOut">
               <a:rPr lang="ko-KR" altLang="en-US" smtClean="0"/>
-              <a:t>2024-03-26</a:t>
+              <a:t>2024-03-27</a:t>
             </a:fld>
             <a:endParaRPr lang="ko-KR" altLang="en-US"/>
           </a:p>
@@ -3277,7 +3277,7 @@
           <a:p>
             <a:fld id="{8069FA6A-2A84-40D6-BD33-EFEC6828BE5B}" type="datetimeFigureOut">
               <a:rPr lang="ko-KR" altLang="en-US" smtClean="0"/>
-              <a:t>2024-03-26</a:t>
+              <a:t>2024-03-27</a:t>
             </a:fld>
             <a:endParaRPr lang="ko-KR" altLang="en-US"/>
           </a:p>
@@ -3518,7 +3518,7 @@
           <a:p>
             <a:fld id="{8069FA6A-2A84-40D6-BD33-EFEC6828BE5B}" type="datetimeFigureOut">
               <a:rPr lang="ko-KR" altLang="en-US" smtClean="0"/>
-              <a:t>2024-03-26</a:t>
+              <a:t>2024-03-27</a:t>
             </a:fld>
             <a:endParaRPr lang="ko-KR" altLang="en-US"/>
           </a:p>
@@ -5165,7 +5165,7 @@
         <p:spPr>
           <a:xfrm>
             <a:off x="487913" y="1003973"/>
-            <a:ext cx="11319388" cy="1754326"/>
+            <a:ext cx="11319388" cy="2308324"/>
           </a:xfrm>
           <a:prstGeom prst="rect">
             <a:avLst/>
@@ -5230,6 +5230,45 @@
               <a:rPr lang="en-US" altLang="ko-KR" dirty="0"/>
               <a:t>?</a:t>
             </a:r>
+          </a:p>
+          <a:p>
+            <a:pPr marL="285750" indent="-285750">
+              <a:buFontTx/>
+              <a:buChar char="-"/>
+            </a:pPr>
+            <a:r>
+              <a:rPr lang="ko-KR" altLang="en-US" dirty="0"/>
+              <a:t>보스에게도 체력을 주기</a:t>
+            </a:r>
+            <a:r>
+              <a:rPr lang="en-US" altLang="ko-KR" dirty="0"/>
+              <a:t>? </a:t>
+            </a:r>
+            <a:r>
+              <a:rPr lang="ko-KR" altLang="en-US" dirty="0"/>
+              <a:t>필요하다면 몇 번이고 싸워야 함</a:t>
+            </a:r>
+            <a:r>
+              <a:rPr lang="en-US" altLang="ko-KR" dirty="0"/>
+              <a:t>. But </a:t>
+            </a:r>
+            <a:r>
+              <a:rPr lang="ko-KR" altLang="en-US" dirty="0"/>
+              <a:t>도중에 다른 육성 불가능하거나 육성 시도마다 일정 확률로 불리한 조건에서 싸우게 되기</a:t>
+            </a:r>
+            <a:r>
+              <a:rPr lang="en-US" altLang="ko-KR" dirty="0"/>
+              <a:t>.(</a:t>
+            </a:r>
+            <a:r>
+              <a:rPr lang="ko-KR" altLang="en-US"/>
+              <a:t>이게 좋을 듯</a:t>
+            </a:r>
+            <a:r>
+              <a:rPr lang="en-US" altLang="ko-KR"/>
+              <a:t>)  </a:t>
+            </a:r>
+            <a:endParaRPr lang="en-US" altLang="ko-KR" dirty="0"/>
           </a:p>
           <a:p>
             <a:pPr marL="285750" indent="-285750">

--- a/전투.pptx
+++ b/전투.pptx
@@ -202,7 +202,7 @@
           <a:p>
             <a:fld id="{78BB3FCA-29EA-4E4D-BC49-503A661C573A}" type="datetimeFigureOut">
               <a:rPr lang="ko-KR" altLang="en-US" smtClean="0"/>
-              <a:t>2024-03-27</a:t>
+              <a:t>2024-04-12</a:t>
             </a:fld>
             <a:endParaRPr lang="ko-KR" altLang="en-US"/>
           </a:p>
@@ -868,7 +868,7 @@
           <a:p>
             <a:fld id="{8069FA6A-2A84-40D6-BD33-EFEC6828BE5B}" type="datetimeFigureOut">
               <a:rPr lang="ko-KR" altLang="en-US" smtClean="0"/>
-              <a:t>2024-03-27</a:t>
+              <a:t>2024-04-12</a:t>
             </a:fld>
             <a:endParaRPr lang="ko-KR" altLang="en-US"/>
           </a:p>
@@ -1066,7 +1066,7 @@
           <a:p>
             <a:fld id="{8069FA6A-2A84-40D6-BD33-EFEC6828BE5B}" type="datetimeFigureOut">
               <a:rPr lang="ko-KR" altLang="en-US" smtClean="0"/>
-              <a:t>2024-03-27</a:t>
+              <a:t>2024-04-12</a:t>
             </a:fld>
             <a:endParaRPr lang="ko-KR" altLang="en-US"/>
           </a:p>
@@ -1274,7 +1274,7 @@
           <a:p>
             <a:fld id="{8069FA6A-2A84-40D6-BD33-EFEC6828BE5B}" type="datetimeFigureOut">
               <a:rPr lang="ko-KR" altLang="en-US" smtClean="0"/>
-              <a:t>2024-03-27</a:t>
+              <a:t>2024-04-12</a:t>
             </a:fld>
             <a:endParaRPr lang="ko-KR" altLang="en-US"/>
           </a:p>
@@ -1472,7 +1472,7 @@
           <a:p>
             <a:fld id="{8069FA6A-2A84-40D6-BD33-EFEC6828BE5B}" type="datetimeFigureOut">
               <a:rPr lang="ko-KR" altLang="en-US" smtClean="0"/>
-              <a:t>2024-03-27</a:t>
+              <a:t>2024-04-12</a:t>
             </a:fld>
             <a:endParaRPr lang="ko-KR" altLang="en-US"/>
           </a:p>
@@ -1747,7 +1747,7 @@
           <a:p>
             <a:fld id="{8069FA6A-2A84-40D6-BD33-EFEC6828BE5B}" type="datetimeFigureOut">
               <a:rPr lang="ko-KR" altLang="en-US" smtClean="0"/>
-              <a:t>2024-03-27</a:t>
+              <a:t>2024-04-12</a:t>
             </a:fld>
             <a:endParaRPr lang="ko-KR" altLang="en-US"/>
           </a:p>
@@ -2012,7 +2012,7 @@
           <a:p>
             <a:fld id="{8069FA6A-2A84-40D6-BD33-EFEC6828BE5B}" type="datetimeFigureOut">
               <a:rPr lang="ko-KR" altLang="en-US" smtClean="0"/>
-              <a:t>2024-03-27</a:t>
+              <a:t>2024-04-12</a:t>
             </a:fld>
             <a:endParaRPr lang="ko-KR" altLang="en-US"/>
           </a:p>
@@ -2424,7 +2424,7 @@
           <a:p>
             <a:fld id="{8069FA6A-2A84-40D6-BD33-EFEC6828BE5B}" type="datetimeFigureOut">
               <a:rPr lang="ko-KR" altLang="en-US" smtClean="0"/>
-              <a:t>2024-03-27</a:t>
+              <a:t>2024-04-12</a:t>
             </a:fld>
             <a:endParaRPr lang="ko-KR" altLang="en-US"/>
           </a:p>
@@ -2565,7 +2565,7 @@
           <a:p>
             <a:fld id="{8069FA6A-2A84-40D6-BD33-EFEC6828BE5B}" type="datetimeFigureOut">
               <a:rPr lang="ko-KR" altLang="en-US" smtClean="0"/>
-              <a:t>2024-03-27</a:t>
+              <a:t>2024-04-12</a:t>
             </a:fld>
             <a:endParaRPr lang="ko-KR" altLang="en-US"/>
           </a:p>
@@ -2678,7 +2678,7 @@
           <a:p>
             <a:fld id="{8069FA6A-2A84-40D6-BD33-EFEC6828BE5B}" type="datetimeFigureOut">
               <a:rPr lang="ko-KR" altLang="en-US" smtClean="0"/>
-              <a:t>2024-03-27</a:t>
+              <a:t>2024-04-12</a:t>
             </a:fld>
             <a:endParaRPr lang="ko-KR" altLang="en-US"/>
           </a:p>
@@ -2989,7 +2989,7 @@
           <a:p>
             <a:fld id="{8069FA6A-2A84-40D6-BD33-EFEC6828BE5B}" type="datetimeFigureOut">
               <a:rPr lang="ko-KR" altLang="en-US" smtClean="0"/>
-              <a:t>2024-03-27</a:t>
+              <a:t>2024-04-12</a:t>
             </a:fld>
             <a:endParaRPr lang="ko-KR" altLang="en-US"/>
           </a:p>
@@ -3277,7 +3277,7 @@
           <a:p>
             <a:fld id="{8069FA6A-2A84-40D6-BD33-EFEC6828BE5B}" type="datetimeFigureOut">
               <a:rPr lang="ko-KR" altLang="en-US" smtClean="0"/>
-              <a:t>2024-03-27</a:t>
+              <a:t>2024-04-12</a:t>
             </a:fld>
             <a:endParaRPr lang="ko-KR" altLang="en-US"/>
           </a:p>
@@ -3518,7 +3518,7 @@
           <a:p>
             <a:fld id="{8069FA6A-2A84-40D6-BD33-EFEC6828BE5B}" type="datetimeFigureOut">
               <a:rPr lang="ko-KR" altLang="en-US" smtClean="0"/>
-              <a:t>2024-03-27</a:t>
+              <a:t>2024-04-12</a:t>
             </a:fld>
             <a:endParaRPr lang="ko-KR" altLang="en-US"/>
           </a:p>
@@ -3985,7 +3985,7 @@
         <p:spPr>
           <a:xfrm>
             <a:off x="487913" y="1003973"/>
-            <a:ext cx="11319388" cy="5632311"/>
+            <a:ext cx="11319388" cy="6186309"/>
           </a:xfrm>
           <a:prstGeom prst="rect">
             <a:avLst/>
@@ -4281,6 +4281,36 @@
             <a:r>
               <a:rPr lang="ko-KR" altLang="en-US" dirty="0"/>
               <a:t>문장이 표시되는 순서대로 확률에 변화를 주기 때문에 문장 표시 순서가 중요함</a:t>
+            </a:r>
+            <a:r>
+              <a:rPr lang="en-US" altLang="ko-KR" dirty="0"/>
+              <a:t>.</a:t>
+            </a:r>
+          </a:p>
+          <a:p>
+            <a:pPr marL="285750" indent="-285750">
+              <a:buFontTx/>
+              <a:buChar char="-"/>
+            </a:pPr>
+            <a:r>
+              <a:rPr lang="ko-KR" altLang="en-US" dirty="0"/>
+              <a:t>전투 확률을 전체 계산하는 알고리즘을 짜고</a:t>
+            </a:r>
+            <a:r>
+              <a:rPr lang="en-US" altLang="ko-KR" dirty="0"/>
+              <a:t>, </a:t>
+            </a:r>
+            <a:r>
+              <a:rPr lang="ko-KR" altLang="en-US" dirty="0"/>
+              <a:t>그 알고리즘의 결과대로 출력하는 함수를 제작하자</a:t>
+            </a:r>
+            <a:r>
+              <a:rPr lang="en-US" altLang="ko-KR" dirty="0"/>
+              <a:t>. </a:t>
+            </a:r>
+            <a:r>
+              <a:rPr lang="ko-KR" altLang="en-US" dirty="0"/>
+              <a:t>이러면 문장의 순서를 바꾸게 됐을 때 문장만 수정하는 함수를 다시 만들 수 있을 듯</a:t>
             </a:r>
             <a:r>
               <a:rPr lang="en-US" altLang="ko-KR" dirty="0"/>

--- a/전투.pptx
+++ b/전투.pptx
@@ -4772,7 +4772,7 @@
         <p:spPr>
           <a:xfrm>
             <a:off x="574431" y="1003973"/>
-            <a:ext cx="11108583" cy="5632311"/>
+            <a:ext cx="11108583" cy="6186309"/>
           </a:xfrm>
           <a:prstGeom prst="rect">
             <a:avLst/>
@@ -4878,6 +4878,68 @@
               <a:t>스킬 명칭 정도만 사용하는 걸로</a:t>
             </a:r>
             <a:endParaRPr lang="en-US" altLang="ko-KR" dirty="0"/>
+          </a:p>
+          <a:p>
+            <a:pPr marL="285750" indent="-285750">
+              <a:buFontTx/>
+              <a:buChar char="-"/>
+            </a:pPr>
+            <a:r>
+              <a:rPr lang="ko-KR" altLang="en-US" dirty="0"/>
+              <a:t>기본적으로 각 </a:t>
+            </a:r>
+            <a:r>
+              <a:rPr lang="ko-KR" altLang="en-US" dirty="0" err="1"/>
+              <a:t>페이즈</a:t>
+            </a:r>
+            <a:r>
+              <a:rPr lang="ko-KR" altLang="en-US" dirty="0"/>
+              <a:t> 별 </a:t>
+            </a:r>
+            <a:r>
+              <a:rPr lang="en-US" altLang="ko-KR" dirty="0"/>
+              <a:t>5</a:t>
+            </a:r>
+            <a:r>
+              <a:rPr lang="ko-KR" altLang="en-US" dirty="0"/>
+              <a:t>마리 정도를 준비하고</a:t>
+            </a:r>
+            <a:r>
+              <a:rPr lang="en-US" altLang="ko-KR" dirty="0"/>
+              <a:t>, </a:t>
+            </a:r>
+            <a:r>
+              <a:rPr lang="ko-KR" altLang="en-US" dirty="0"/>
+              <a:t>후반 다섯 턴에서 전투 </a:t>
+            </a:r>
+            <a:r>
+              <a:rPr lang="ko-KR" altLang="en-US" dirty="0" err="1"/>
+              <a:t>선택시</a:t>
+            </a:r>
+            <a:r>
+              <a:rPr lang="ko-KR" altLang="en-US" dirty="0"/>
+              <a:t> 해당 적을 </a:t>
+            </a:r>
+            <a:r>
+              <a:rPr lang="ko-KR" altLang="en-US" dirty="0" err="1"/>
+              <a:t>두마리</a:t>
+            </a:r>
+            <a:r>
+              <a:rPr lang="ko-KR" altLang="en-US" dirty="0"/>
+              <a:t> 혹 </a:t>
+            </a:r>
+            <a:r>
+              <a:rPr lang="ko-KR" altLang="en-US" dirty="0" err="1"/>
+              <a:t>세마리</a:t>
+            </a:r>
+            <a:r>
+              <a:rPr lang="ko-KR" altLang="en-US" dirty="0"/>
+              <a:t> 겹쳐 소환하는 방식으로 하기</a:t>
+            </a:r>
+            <a:r>
+              <a:rPr lang="en-US" altLang="ko-KR" dirty="0"/>
+              <a:t>.</a:t>
+            </a:r>
           </a:p>
           <a:p>
             <a:pPr marL="285750" indent="-285750">
@@ -5195,7 +5257,7 @@
         <p:spPr>
           <a:xfrm>
             <a:off x="487913" y="1003973"/>
-            <a:ext cx="11319388" cy="2308324"/>
+            <a:ext cx="11319388" cy="2862322"/>
           </a:xfrm>
           <a:prstGeom prst="rect">
             <a:avLst/>
@@ -5291,14 +5353,13 @@
               <a:t>.(</a:t>
             </a:r>
             <a:r>
-              <a:rPr lang="ko-KR" altLang="en-US"/>
+              <a:rPr lang="ko-KR" altLang="en-US" dirty="0"/>
               <a:t>이게 좋을 듯</a:t>
             </a:r>
             <a:r>
-              <a:rPr lang="en-US" altLang="ko-KR"/>
+              <a:rPr lang="en-US" altLang="ko-KR" dirty="0"/>
               <a:t>)  </a:t>
             </a:r>
-            <a:endParaRPr lang="en-US" altLang="ko-KR" dirty="0"/>
           </a:p>
           <a:p>
             <a:pPr marL="285750" indent="-285750">
@@ -5310,6 +5371,20 @@
               <a:t>아니면 남은 체력에 따라 현재 확률보다 낮다면 즉사 등</a:t>
             </a:r>
             <a:endParaRPr lang="en-US" altLang="ko-KR" dirty="0"/>
+          </a:p>
+          <a:p>
+            <a:pPr marL="285750" indent="-285750">
+              <a:buFontTx/>
+              <a:buChar char="-"/>
+            </a:pPr>
+            <a:r>
+              <a:rPr lang="ko-KR" altLang="en-US" dirty="0"/>
+              <a:t>보스별로 이 조건을 다르게 하면 되겠다</a:t>
+            </a:r>
+            <a:r>
+              <a:rPr lang="en-US" altLang="ko-KR" dirty="0"/>
+              <a:t>.</a:t>
+            </a:r>
           </a:p>
           <a:p>
             <a:pPr marL="285750" indent="-285750">
@@ -5317,6 +5392,36 @@
               <a:buChar char="-"/>
             </a:pPr>
             <a:endParaRPr lang="en-US" altLang="ko-KR" dirty="0"/>
+          </a:p>
+          <a:p>
+            <a:pPr marL="285750" indent="-285750">
+              <a:buFontTx/>
+              <a:buChar char="-"/>
+            </a:pPr>
+            <a:r>
+              <a:rPr lang="ko-KR" altLang="en-US" dirty="0"/>
+              <a:t>보스는 각 </a:t>
+            </a:r>
+            <a:r>
+              <a:rPr lang="ko-KR" altLang="en-US" dirty="0" err="1"/>
+              <a:t>페이즈별</a:t>
+            </a:r>
+            <a:r>
+              <a:rPr lang="ko-KR" altLang="en-US" dirty="0"/>
+              <a:t> </a:t>
+            </a:r>
+            <a:r>
+              <a:rPr lang="en-US" altLang="ko-KR" dirty="0"/>
+              <a:t>2~3</a:t>
+            </a:r>
+            <a:r>
+              <a:rPr lang="ko-KR" altLang="en-US" dirty="0"/>
+              <a:t>마리 준비해놓기</a:t>
+            </a:r>
+            <a:r>
+              <a:rPr lang="en-US" altLang="ko-KR" dirty="0"/>
+              <a:t>.</a:t>
+            </a:r>
           </a:p>
           <a:p>
             <a:pPr marL="285750" indent="-285750">

--- a/전투.pptx
+++ b/전투.pptx
@@ -202,7 +202,7 @@
           <a:p>
             <a:fld id="{78BB3FCA-29EA-4E4D-BC49-503A661C573A}" type="datetimeFigureOut">
               <a:rPr lang="ko-KR" altLang="en-US" smtClean="0"/>
-              <a:t>2024-04-12</a:t>
+              <a:t>2024-05-06</a:t>
             </a:fld>
             <a:endParaRPr lang="ko-KR" altLang="en-US"/>
           </a:p>
@@ -868,7 +868,7 @@
           <a:p>
             <a:fld id="{8069FA6A-2A84-40D6-BD33-EFEC6828BE5B}" type="datetimeFigureOut">
               <a:rPr lang="ko-KR" altLang="en-US" smtClean="0"/>
-              <a:t>2024-04-12</a:t>
+              <a:t>2024-05-06</a:t>
             </a:fld>
             <a:endParaRPr lang="ko-KR" altLang="en-US"/>
           </a:p>
@@ -1066,7 +1066,7 @@
           <a:p>
             <a:fld id="{8069FA6A-2A84-40D6-BD33-EFEC6828BE5B}" type="datetimeFigureOut">
               <a:rPr lang="ko-KR" altLang="en-US" smtClean="0"/>
-              <a:t>2024-04-12</a:t>
+              <a:t>2024-05-06</a:t>
             </a:fld>
             <a:endParaRPr lang="ko-KR" altLang="en-US"/>
           </a:p>
@@ -1274,7 +1274,7 @@
           <a:p>
             <a:fld id="{8069FA6A-2A84-40D6-BD33-EFEC6828BE5B}" type="datetimeFigureOut">
               <a:rPr lang="ko-KR" altLang="en-US" smtClean="0"/>
-              <a:t>2024-04-12</a:t>
+              <a:t>2024-05-06</a:t>
             </a:fld>
             <a:endParaRPr lang="ko-KR" altLang="en-US"/>
           </a:p>
@@ -1472,7 +1472,7 @@
           <a:p>
             <a:fld id="{8069FA6A-2A84-40D6-BD33-EFEC6828BE5B}" type="datetimeFigureOut">
               <a:rPr lang="ko-KR" altLang="en-US" smtClean="0"/>
-              <a:t>2024-04-12</a:t>
+              <a:t>2024-05-06</a:t>
             </a:fld>
             <a:endParaRPr lang="ko-KR" altLang="en-US"/>
           </a:p>
@@ -1747,7 +1747,7 @@
           <a:p>
             <a:fld id="{8069FA6A-2A84-40D6-BD33-EFEC6828BE5B}" type="datetimeFigureOut">
               <a:rPr lang="ko-KR" altLang="en-US" smtClean="0"/>
-              <a:t>2024-04-12</a:t>
+              <a:t>2024-05-06</a:t>
             </a:fld>
             <a:endParaRPr lang="ko-KR" altLang="en-US"/>
           </a:p>
@@ -2012,7 +2012,7 @@
           <a:p>
             <a:fld id="{8069FA6A-2A84-40D6-BD33-EFEC6828BE5B}" type="datetimeFigureOut">
               <a:rPr lang="ko-KR" altLang="en-US" smtClean="0"/>
-              <a:t>2024-04-12</a:t>
+              <a:t>2024-05-06</a:t>
             </a:fld>
             <a:endParaRPr lang="ko-KR" altLang="en-US"/>
           </a:p>
@@ -2424,7 +2424,7 @@
           <a:p>
             <a:fld id="{8069FA6A-2A84-40D6-BD33-EFEC6828BE5B}" type="datetimeFigureOut">
               <a:rPr lang="ko-KR" altLang="en-US" smtClean="0"/>
-              <a:t>2024-04-12</a:t>
+              <a:t>2024-05-06</a:t>
             </a:fld>
             <a:endParaRPr lang="ko-KR" altLang="en-US"/>
           </a:p>
@@ -2565,7 +2565,7 @@
           <a:p>
             <a:fld id="{8069FA6A-2A84-40D6-BD33-EFEC6828BE5B}" type="datetimeFigureOut">
               <a:rPr lang="ko-KR" altLang="en-US" smtClean="0"/>
-              <a:t>2024-04-12</a:t>
+              <a:t>2024-05-06</a:t>
             </a:fld>
             <a:endParaRPr lang="ko-KR" altLang="en-US"/>
           </a:p>
@@ -2678,7 +2678,7 @@
           <a:p>
             <a:fld id="{8069FA6A-2A84-40D6-BD33-EFEC6828BE5B}" type="datetimeFigureOut">
               <a:rPr lang="ko-KR" altLang="en-US" smtClean="0"/>
-              <a:t>2024-04-12</a:t>
+              <a:t>2024-05-06</a:t>
             </a:fld>
             <a:endParaRPr lang="ko-KR" altLang="en-US"/>
           </a:p>
@@ -2989,7 +2989,7 @@
           <a:p>
             <a:fld id="{8069FA6A-2A84-40D6-BD33-EFEC6828BE5B}" type="datetimeFigureOut">
               <a:rPr lang="ko-KR" altLang="en-US" smtClean="0"/>
-              <a:t>2024-04-12</a:t>
+              <a:t>2024-05-06</a:t>
             </a:fld>
             <a:endParaRPr lang="ko-KR" altLang="en-US"/>
           </a:p>
@@ -3277,7 +3277,7 @@
           <a:p>
             <a:fld id="{8069FA6A-2A84-40D6-BD33-EFEC6828BE5B}" type="datetimeFigureOut">
               <a:rPr lang="ko-KR" altLang="en-US" smtClean="0"/>
-              <a:t>2024-04-12</a:t>
+              <a:t>2024-05-06</a:t>
             </a:fld>
             <a:endParaRPr lang="ko-KR" altLang="en-US"/>
           </a:p>
@@ -3518,7 +3518,7 @@
           <a:p>
             <a:fld id="{8069FA6A-2A84-40D6-BD33-EFEC6828BE5B}" type="datetimeFigureOut">
               <a:rPr lang="ko-KR" altLang="en-US" smtClean="0"/>
-              <a:t>2024-04-12</a:t>
+              <a:t>2024-05-06</a:t>
             </a:fld>
             <a:endParaRPr lang="ko-KR" altLang="en-US"/>
           </a:p>
@@ -5777,53 +5777,6 @@
           </a:p>
         </p:txBody>
       </p:sp>
-      <p:pic>
-        <p:nvPicPr>
-          <p:cNvPr id="1026" name="Picture 2" descr="The actor who played 'Stan' in Eminem's 'Stan' is still stanning over Eminem">
-            <a:extLst>
-              <a:ext uri="{FF2B5EF4-FFF2-40B4-BE49-F238E27FC236}">
-                <a16:creationId xmlns:a16="http://schemas.microsoft.com/office/drawing/2014/main" id="{6094A044-B6CD-859E-381A-2148AC9A57B3}"/>
-              </a:ext>
-            </a:extLst>
-          </p:cNvPr>
-          <p:cNvPicPr>
-            <a:picLocks noChangeAspect="1" noChangeArrowheads="1"/>
-          </p:cNvPicPr>
-          <p:nvPr/>
-        </p:nvPicPr>
-        <p:blipFill>
-          <a:blip r:embed="rId2">
-            <a:extLst>
-              <a:ext uri="{28A0092B-C50C-407E-A947-70E740481C1C}">
-                <a14:useLocalDpi xmlns:a14="http://schemas.microsoft.com/office/drawing/2010/main" val="0"/>
-              </a:ext>
-            </a:extLst>
-          </a:blip>
-          <a:srcRect/>
-          <a:stretch>
-            <a:fillRect/>
-          </a:stretch>
-        </p:blipFill>
-        <p:spPr bwMode="auto">
-          <a:xfrm>
-            <a:off x="7518993" y="777831"/>
-            <a:ext cx="3844424" cy="2441263"/>
-          </a:xfrm>
-          <a:prstGeom prst="rect">
-            <a:avLst/>
-          </a:prstGeom>
-          <a:noFill/>
-          <a:extLst>
-            <a:ext uri="{909E8E84-426E-40DD-AFC4-6F175D3DCCD1}">
-              <a14:hiddenFill xmlns:a14="http://schemas.microsoft.com/office/drawing/2010/main">
-                <a:solidFill>
-                  <a:srgbClr val="FFFFFF"/>
-                </a:solidFill>
-              </a14:hiddenFill>
-            </a:ext>
-          </a:extLst>
-        </p:spPr>
-      </p:pic>
     </p:spTree>
     <p:extLst>
       <p:ext uri="{BB962C8B-B14F-4D97-AF65-F5344CB8AC3E}">

--- a/전투.pptx
+++ b/전투.pptx
@@ -5,15 +5,17 @@
     <p:sldMasterId id="2147483648" r:id="rId1"/>
   </p:sldMasterIdLst>
   <p:notesMasterIdLst>
-    <p:notesMasterId r:id="rId8"/>
+    <p:notesMasterId r:id="rId10"/>
   </p:notesMasterIdLst>
   <p:sldIdLst>
     <p:sldId id="266" r:id="rId2"/>
     <p:sldId id="271" r:id="rId3"/>
     <p:sldId id="269" r:id="rId4"/>
-    <p:sldId id="272" r:id="rId5"/>
-    <p:sldId id="270" r:id="rId6"/>
-    <p:sldId id="268" r:id="rId7"/>
+    <p:sldId id="274" r:id="rId5"/>
+    <p:sldId id="272" r:id="rId6"/>
+    <p:sldId id="270" r:id="rId7"/>
+    <p:sldId id="268" r:id="rId8"/>
+    <p:sldId id="273" r:id="rId9"/>
   </p:sldIdLst>
   <p:sldSz cx="12192000" cy="6858000"/>
   <p:notesSz cx="6858000" cy="9144000"/>
@@ -202,7 +204,7 @@
           <a:p>
             <a:fld id="{78BB3FCA-29EA-4E4D-BC49-503A661C573A}" type="datetimeFigureOut">
               <a:rPr lang="ko-KR" altLang="en-US" smtClean="0"/>
-              <a:t>2024-05-06</a:t>
+              <a:t>2024-09-13</a:t>
             </a:fld>
             <a:endParaRPr lang="ko-KR" altLang="en-US"/>
           </a:p>
@@ -702,7 +704,7 @@
           <a:p>
             <a:fld id="{72032EB5-ABEB-49F2-BBDC-81C17B42AB0D}" type="slidenum">
               <a:rPr lang="ko-KR" altLang="en-US" smtClean="0"/>
-              <a:t>4</a:t>
+              <a:t>5</a:t>
             </a:fld>
             <a:endParaRPr lang="ko-KR" altLang="en-US"/>
           </a:p>
@@ -868,7 +870,7 @@
           <a:p>
             <a:fld id="{8069FA6A-2A84-40D6-BD33-EFEC6828BE5B}" type="datetimeFigureOut">
               <a:rPr lang="ko-KR" altLang="en-US" smtClean="0"/>
-              <a:t>2024-05-06</a:t>
+              <a:t>2024-09-13</a:t>
             </a:fld>
             <a:endParaRPr lang="ko-KR" altLang="en-US"/>
           </a:p>
@@ -1066,7 +1068,7 @@
           <a:p>
             <a:fld id="{8069FA6A-2A84-40D6-BD33-EFEC6828BE5B}" type="datetimeFigureOut">
               <a:rPr lang="ko-KR" altLang="en-US" smtClean="0"/>
-              <a:t>2024-05-06</a:t>
+              <a:t>2024-09-13</a:t>
             </a:fld>
             <a:endParaRPr lang="ko-KR" altLang="en-US"/>
           </a:p>
@@ -1274,7 +1276,7 @@
           <a:p>
             <a:fld id="{8069FA6A-2A84-40D6-BD33-EFEC6828BE5B}" type="datetimeFigureOut">
               <a:rPr lang="ko-KR" altLang="en-US" smtClean="0"/>
-              <a:t>2024-05-06</a:t>
+              <a:t>2024-09-13</a:t>
             </a:fld>
             <a:endParaRPr lang="ko-KR" altLang="en-US"/>
           </a:p>
@@ -1472,7 +1474,7 @@
           <a:p>
             <a:fld id="{8069FA6A-2A84-40D6-BD33-EFEC6828BE5B}" type="datetimeFigureOut">
               <a:rPr lang="ko-KR" altLang="en-US" smtClean="0"/>
-              <a:t>2024-05-06</a:t>
+              <a:t>2024-09-13</a:t>
             </a:fld>
             <a:endParaRPr lang="ko-KR" altLang="en-US"/>
           </a:p>
@@ -1747,7 +1749,7 @@
           <a:p>
             <a:fld id="{8069FA6A-2A84-40D6-BD33-EFEC6828BE5B}" type="datetimeFigureOut">
               <a:rPr lang="ko-KR" altLang="en-US" smtClean="0"/>
-              <a:t>2024-05-06</a:t>
+              <a:t>2024-09-13</a:t>
             </a:fld>
             <a:endParaRPr lang="ko-KR" altLang="en-US"/>
           </a:p>
@@ -2012,7 +2014,7 @@
           <a:p>
             <a:fld id="{8069FA6A-2A84-40D6-BD33-EFEC6828BE5B}" type="datetimeFigureOut">
               <a:rPr lang="ko-KR" altLang="en-US" smtClean="0"/>
-              <a:t>2024-05-06</a:t>
+              <a:t>2024-09-13</a:t>
             </a:fld>
             <a:endParaRPr lang="ko-KR" altLang="en-US"/>
           </a:p>
@@ -2424,7 +2426,7 @@
           <a:p>
             <a:fld id="{8069FA6A-2A84-40D6-BD33-EFEC6828BE5B}" type="datetimeFigureOut">
               <a:rPr lang="ko-KR" altLang="en-US" smtClean="0"/>
-              <a:t>2024-05-06</a:t>
+              <a:t>2024-09-13</a:t>
             </a:fld>
             <a:endParaRPr lang="ko-KR" altLang="en-US"/>
           </a:p>
@@ -2565,7 +2567,7 @@
           <a:p>
             <a:fld id="{8069FA6A-2A84-40D6-BD33-EFEC6828BE5B}" type="datetimeFigureOut">
               <a:rPr lang="ko-KR" altLang="en-US" smtClean="0"/>
-              <a:t>2024-05-06</a:t>
+              <a:t>2024-09-13</a:t>
             </a:fld>
             <a:endParaRPr lang="ko-KR" altLang="en-US"/>
           </a:p>
@@ -2678,7 +2680,7 @@
           <a:p>
             <a:fld id="{8069FA6A-2A84-40D6-BD33-EFEC6828BE5B}" type="datetimeFigureOut">
               <a:rPr lang="ko-KR" altLang="en-US" smtClean="0"/>
-              <a:t>2024-05-06</a:t>
+              <a:t>2024-09-13</a:t>
             </a:fld>
             <a:endParaRPr lang="ko-KR" altLang="en-US"/>
           </a:p>
@@ -2989,7 +2991,7 @@
           <a:p>
             <a:fld id="{8069FA6A-2A84-40D6-BD33-EFEC6828BE5B}" type="datetimeFigureOut">
               <a:rPr lang="ko-KR" altLang="en-US" smtClean="0"/>
-              <a:t>2024-05-06</a:t>
+              <a:t>2024-09-13</a:t>
             </a:fld>
             <a:endParaRPr lang="ko-KR" altLang="en-US"/>
           </a:p>
@@ -3277,7 +3279,7 @@
           <a:p>
             <a:fld id="{8069FA6A-2A84-40D6-BD33-EFEC6828BE5B}" type="datetimeFigureOut">
               <a:rPr lang="ko-KR" altLang="en-US" smtClean="0"/>
-              <a:t>2024-05-06</a:t>
+              <a:t>2024-09-13</a:t>
             </a:fld>
             <a:endParaRPr lang="ko-KR" altLang="en-US"/>
           </a:p>
@@ -3518,7 +3520,7 @@
           <a:p>
             <a:fld id="{8069FA6A-2A84-40D6-BD33-EFEC6828BE5B}" type="datetimeFigureOut">
               <a:rPr lang="ko-KR" altLang="en-US" smtClean="0"/>
-              <a:t>2024-05-06</a:t>
+              <a:t>2024-09-13</a:t>
             </a:fld>
             <a:endParaRPr lang="ko-KR" altLang="en-US"/>
           </a:p>
@@ -5222,7 +5224,7 @@
         <p:spPr>
           <a:xfrm>
             <a:off x="574431" y="439615"/>
-            <a:ext cx="646331" cy="369332"/>
+            <a:ext cx="415498" cy="369332"/>
           </a:xfrm>
           <a:prstGeom prst="rect">
             <a:avLst/>
@@ -5237,7 +5239,7 @@
           <a:p>
             <a:r>
               <a:rPr lang="ko-KR" altLang="en-US" dirty="0"/>
-              <a:t>보스</a:t>
+              <a:t>적</a:t>
             </a:r>
           </a:p>
         </p:txBody>
@@ -5256,8 +5258,8 @@
         </p:nvSpPr>
         <p:spPr>
           <a:xfrm>
-            <a:off x="487913" y="1003973"/>
-            <a:ext cx="11319388" cy="2862322"/>
+            <a:off x="574431" y="1003973"/>
+            <a:ext cx="11108583" cy="1477328"/>
           </a:xfrm>
           <a:prstGeom prst="rect">
             <a:avLst/>
@@ -5276,51 +5278,11 @@
             </a:pPr>
             <a:r>
               <a:rPr lang="ko-KR" altLang="en-US" dirty="0"/>
-              <a:t>보스전은 </a:t>
-            </a:r>
-            <a:r>
-              <a:rPr lang="en-US" altLang="ko-KR" dirty="0"/>
-              <a:t>3</a:t>
-            </a:r>
-            <a:r>
-              <a:rPr lang="ko-KR" altLang="en-US" dirty="0"/>
-              <a:t>판 </a:t>
-            </a:r>
-            <a:r>
-              <a:rPr lang="en-US" altLang="ko-KR" dirty="0"/>
-              <a:t>2</a:t>
-            </a:r>
-            <a:r>
-              <a:rPr lang="ko-KR" altLang="en-US" dirty="0"/>
-              <a:t>선승제로 해도 괜찮을 듯</a:t>
+              <a:t>적 유닛의 데이터 구조</a:t>
             </a:r>
             <a:r>
               <a:rPr lang="en-US" altLang="ko-KR" dirty="0"/>
               <a:t>.</a:t>
-            </a:r>
-            <a:r>
-              <a:rPr lang="ko-KR" altLang="en-US" dirty="0"/>
-              <a:t> 아니면 어려운 보스일수록 다 </a:t>
-            </a:r>
-            <a:r>
-              <a:rPr lang="ko-KR" altLang="en-US" dirty="0" err="1"/>
-              <a:t>이겨야한다</a:t>
-            </a:r>
-            <a:r>
-              <a:rPr lang="ko-KR" altLang="en-US" dirty="0"/>
-              <a:t> </a:t>
-            </a:r>
-            <a:r>
-              <a:rPr lang="en-US" altLang="ko-KR" dirty="0"/>
-              <a:t>or </a:t>
-            </a:r>
-            <a:r>
-              <a:rPr lang="ko-KR" altLang="en-US" dirty="0"/>
-              <a:t>연달아 이겨야 한다 등</a:t>
-            </a:r>
-            <a:r>
-              <a:rPr lang="en-US" altLang="ko-KR" dirty="0"/>
-              <a:t>?</a:t>
             </a:r>
           </a:p>
           <a:p>
@@ -5329,62 +5291,90 @@
               <a:buChar char="-"/>
             </a:pPr>
             <a:r>
-              <a:rPr lang="ko-KR" altLang="en-US" dirty="0"/>
-              <a:t>보스에게도 체력을 주기</a:t>
-            </a:r>
-            <a:r>
-              <a:rPr lang="en-US" altLang="ko-KR" dirty="0"/>
-              <a:t>? </a:t>
-            </a:r>
-            <a:r>
-              <a:rPr lang="ko-KR" altLang="en-US" dirty="0"/>
-              <a:t>필요하다면 몇 번이고 싸워야 함</a:t>
-            </a:r>
-            <a:r>
-              <a:rPr lang="en-US" altLang="ko-KR" dirty="0"/>
-              <a:t>. But </a:t>
-            </a:r>
-            <a:r>
-              <a:rPr lang="ko-KR" altLang="en-US" dirty="0"/>
-              <a:t>도중에 다른 육성 불가능하거나 육성 시도마다 일정 확률로 불리한 조건에서 싸우게 되기</a:t>
-            </a:r>
-            <a:r>
-              <a:rPr lang="en-US" altLang="ko-KR" dirty="0"/>
-              <a:t>.(</a:t>
-            </a:r>
-            <a:r>
-              <a:rPr lang="ko-KR" altLang="en-US" dirty="0"/>
-              <a:t>이게 좋을 듯</a:t>
-            </a:r>
-            <a:r>
-              <a:rPr lang="en-US" altLang="ko-KR" dirty="0"/>
-              <a:t>)  </a:t>
-            </a:r>
-          </a:p>
-          <a:p>
-            <a:pPr marL="285750" indent="-285750">
-              <a:buFontTx/>
-              <a:buChar char="-"/>
-            </a:pPr>
-            <a:r>
-              <a:rPr lang="ko-KR" altLang="en-US" dirty="0"/>
-              <a:t>아니면 남은 체력에 따라 현재 확률보다 낮다면 즉사 등</a:t>
+              <a:rPr lang="en-US" altLang="ko-KR" dirty="0"/>
+              <a:t>ID, </a:t>
+            </a:r>
+            <a:r>
+              <a:rPr lang="ko-KR" altLang="en-US" dirty="0"/>
+              <a:t>이름</a:t>
+            </a:r>
+            <a:r>
+              <a:rPr lang="en-US" altLang="ko-KR" dirty="0"/>
+              <a:t>, </a:t>
+            </a:r>
+            <a:r>
+              <a:rPr lang="ko-KR" altLang="en-US" dirty="0"/>
+              <a:t>기본 등장 레벨</a:t>
+            </a:r>
+            <a:r>
+              <a:rPr lang="en-US" altLang="ko-KR" dirty="0"/>
+              <a:t>, </a:t>
+            </a:r>
+            <a:r>
+              <a:rPr lang="ko-KR" altLang="en-US" dirty="0"/>
+              <a:t>등장 할 수 있는 레벨</a:t>
+            </a:r>
+            <a:r>
+              <a:rPr lang="en-US" altLang="ko-KR" dirty="0"/>
+              <a:t>, </a:t>
+            </a:r>
+            <a:r>
+              <a:rPr lang="ko-KR" altLang="en-US" dirty="0" err="1"/>
+              <a:t>스탯</a:t>
+            </a:r>
+            <a:r>
+              <a:rPr lang="en-US" altLang="ko-KR" dirty="0"/>
+              <a:t>, </a:t>
+            </a:r>
+            <a:r>
+              <a:rPr lang="ko-KR" altLang="en-US" dirty="0"/>
+              <a:t>사용하는 무기</a:t>
+            </a:r>
+            <a:r>
+              <a:rPr lang="en-US" altLang="ko-KR" dirty="0"/>
+              <a:t>, </a:t>
+            </a:r>
+            <a:r>
+              <a:rPr lang="ko-KR" altLang="en-US" dirty="0"/>
+              <a:t>무기</a:t>
+            </a:r>
+            <a:r>
+              <a:rPr lang="en-US" altLang="ko-KR" dirty="0"/>
+              <a:t>ID,</a:t>
+            </a:r>
+            <a:r>
+              <a:rPr lang="ko-KR" altLang="en-US" dirty="0"/>
+              <a:t> 스킬</a:t>
+            </a:r>
+            <a:r>
+              <a:rPr lang="en-US" altLang="ko-KR" dirty="0"/>
+              <a:t>(</a:t>
+            </a:r>
+            <a:r>
+              <a:rPr lang="ko-KR" altLang="en-US" dirty="0"/>
+              <a:t>공격 관련</a:t>
+            </a:r>
+            <a:r>
+              <a:rPr lang="en-US" altLang="ko-KR" dirty="0"/>
+              <a:t>), </a:t>
+            </a:r>
+            <a:r>
+              <a:rPr lang="ko-KR" altLang="en-US" dirty="0"/>
+              <a:t>추가 특성</a:t>
+            </a:r>
+            <a:r>
+              <a:rPr lang="en-US" altLang="ko-KR" dirty="0"/>
+              <a:t>, </a:t>
+            </a:r>
+            <a:r>
+              <a:rPr lang="ko-KR" altLang="en-US"/>
+              <a:t>설명 텍스트</a:t>
+            </a:r>
+            <a:r>
+              <a:rPr lang="en-US" altLang="ko-KR"/>
+              <a:t> </a:t>
             </a:r>
             <a:endParaRPr lang="en-US" altLang="ko-KR" dirty="0"/>
-          </a:p>
-          <a:p>
-            <a:pPr marL="285750" indent="-285750">
-              <a:buFontTx/>
-              <a:buChar char="-"/>
-            </a:pPr>
-            <a:r>
-              <a:rPr lang="ko-KR" altLang="en-US" dirty="0"/>
-              <a:t>보스별로 이 조건을 다르게 하면 되겠다</a:t>
-            </a:r>
-            <a:r>
-              <a:rPr lang="en-US" altLang="ko-KR" dirty="0"/>
-              <a:t>.</a:t>
-            </a:r>
           </a:p>
           <a:p>
             <a:pPr marL="285750" indent="-285750">
@@ -5394,43 +5384,6 @@
             <a:endParaRPr lang="en-US" altLang="ko-KR" dirty="0"/>
           </a:p>
           <a:p>
-            <a:pPr marL="285750" indent="-285750">
-              <a:buFontTx/>
-              <a:buChar char="-"/>
-            </a:pPr>
-            <a:r>
-              <a:rPr lang="ko-KR" altLang="en-US" dirty="0"/>
-              <a:t>보스는 각 </a:t>
-            </a:r>
-            <a:r>
-              <a:rPr lang="ko-KR" altLang="en-US" dirty="0" err="1"/>
-              <a:t>페이즈별</a:t>
-            </a:r>
-            <a:r>
-              <a:rPr lang="ko-KR" altLang="en-US" dirty="0"/>
-              <a:t> </a:t>
-            </a:r>
-            <a:r>
-              <a:rPr lang="en-US" altLang="ko-KR" dirty="0"/>
-              <a:t>2~3</a:t>
-            </a:r>
-            <a:r>
-              <a:rPr lang="ko-KR" altLang="en-US" dirty="0"/>
-              <a:t>마리 준비해놓기</a:t>
-            </a:r>
-            <a:r>
-              <a:rPr lang="en-US" altLang="ko-KR" dirty="0"/>
-              <a:t>.</a:t>
-            </a:r>
-          </a:p>
-          <a:p>
-            <a:pPr marL="285750" indent="-285750">
-              <a:buFontTx/>
-              <a:buChar char="-"/>
-            </a:pPr>
-            <a:endParaRPr lang="en-US" altLang="ko-KR" dirty="0"/>
-          </a:p>
-          <a:p>
             <a:endParaRPr lang="en-US" altLang="ko-KR" dirty="0"/>
           </a:p>
         </p:txBody>
@@ -5438,7 +5391,7 @@
     </p:spTree>
     <p:extLst>
       <p:ext uri="{BB962C8B-B14F-4D97-AF65-F5344CB8AC3E}">
-        <p14:creationId xmlns:p14="http://schemas.microsoft.com/office/powerpoint/2010/main" val="3806403351"/>
+        <p14:creationId xmlns:p14="http://schemas.microsoft.com/office/powerpoint/2010/main" val="3784936052"/>
       </p:ext>
     </p:extLst>
   </p:cSld>
@@ -5480,7 +5433,7 @@
         <p:spPr>
           <a:xfrm>
             <a:off x="574431" y="439615"/>
-            <a:ext cx="1420582" cy="369332"/>
+            <a:ext cx="646331" cy="369332"/>
           </a:xfrm>
           <a:prstGeom prst="rect">
             <a:avLst/>
@@ -5495,7 +5448,7 @@
           <a:p>
             <a:r>
               <a:rPr lang="ko-KR" altLang="en-US" dirty="0"/>
-              <a:t>적 아이디어</a:t>
+              <a:t>보스</a:t>
             </a:r>
           </a:p>
         </p:txBody>
@@ -5514,8 +5467,8 @@
         </p:nvSpPr>
         <p:spPr>
           <a:xfrm>
-            <a:off x="574431" y="1003973"/>
-            <a:ext cx="11108583" cy="646331"/>
+            <a:off x="487913" y="1003973"/>
+            <a:ext cx="11319388" cy="2862322"/>
           </a:xfrm>
           <a:prstGeom prst="rect">
             <a:avLst/>
@@ -5534,23 +5487,39 @@
             </a:pPr>
             <a:r>
               <a:rPr lang="ko-KR" altLang="en-US" dirty="0"/>
-              <a:t>그리고 아무도 없었다</a:t>
-            </a:r>
-            <a:r>
-              <a:rPr lang="en-US" altLang="ko-KR" dirty="0"/>
-              <a:t>: </a:t>
-            </a:r>
-            <a:r>
-              <a:rPr lang="ko-KR" altLang="en-US" dirty="0"/>
-              <a:t>유저가</a:t>
-            </a:r>
-            <a:r>
-              <a:rPr lang="en-US" altLang="ko-KR" dirty="0"/>
-              <a:t> 10</a:t>
-            </a:r>
-            <a:r>
-              <a:rPr lang="ko-KR" altLang="en-US" dirty="0"/>
-              <a:t>개 이상의 문구 생성시 즉시 패배 </a:t>
+              <a:t>보스전은 </a:t>
+            </a:r>
+            <a:r>
+              <a:rPr lang="en-US" altLang="ko-KR" dirty="0"/>
+              <a:t>3</a:t>
+            </a:r>
+            <a:r>
+              <a:rPr lang="ko-KR" altLang="en-US" dirty="0"/>
+              <a:t>판 </a:t>
+            </a:r>
+            <a:r>
+              <a:rPr lang="en-US" altLang="ko-KR" dirty="0"/>
+              <a:t>2</a:t>
+            </a:r>
+            <a:r>
+              <a:rPr lang="ko-KR" altLang="en-US" dirty="0"/>
+              <a:t>선승제로 해도 괜찮을 듯</a:t>
+            </a:r>
+            <a:r>
+              <a:rPr lang="en-US" altLang="ko-KR" dirty="0"/>
+              <a:t>.</a:t>
+            </a:r>
+            <a:r>
+              <a:rPr lang="ko-KR" altLang="en-US" dirty="0"/>
+              <a:t> 아니면 어려운 보스일수록 다 </a:t>
+            </a:r>
+            <a:r>
+              <a:rPr lang="ko-KR" altLang="en-US" dirty="0" err="1"/>
+              <a:t>이겨야한다</a:t>
+            </a:r>
+            <a:r>
+              <a:rPr lang="ko-KR" altLang="en-US" dirty="0"/>
+              <a:t> </a:t>
             </a:r>
             <a:r>
               <a:rPr lang="en-US" altLang="ko-KR" dirty="0"/>
@@ -5558,11 +5527,11 @@
             </a:r>
             <a:r>
               <a:rPr lang="ko-KR" altLang="en-US" dirty="0"/>
-              <a:t>큰 확률 </a:t>
-            </a:r>
-            <a:r>
-              <a:rPr lang="en-US" altLang="ko-KR" dirty="0"/>
-              <a:t>–</a:t>
+              <a:t>연달아 이겨야 한다 등</a:t>
+            </a:r>
+            <a:r>
+              <a:rPr lang="en-US" altLang="ko-KR" dirty="0"/>
+              <a:t>?</a:t>
             </a:r>
           </a:p>
           <a:p>
@@ -5571,29 +5540,108 @@
               <a:buChar char="-"/>
             </a:pPr>
             <a:r>
+              <a:rPr lang="ko-KR" altLang="en-US" dirty="0"/>
+              <a:t>보스에게도 체력을 주기</a:t>
+            </a:r>
+            <a:r>
+              <a:rPr lang="en-US" altLang="ko-KR" dirty="0"/>
+              <a:t>? </a:t>
+            </a:r>
+            <a:r>
+              <a:rPr lang="ko-KR" altLang="en-US" dirty="0"/>
+              <a:t>필요하다면 몇 번이고 싸워야 함</a:t>
+            </a:r>
+            <a:r>
+              <a:rPr lang="en-US" altLang="ko-KR" dirty="0"/>
+              <a:t>. But </a:t>
+            </a:r>
+            <a:r>
+              <a:rPr lang="ko-KR" altLang="en-US" dirty="0"/>
+              <a:t>도중에 다른 육성 불가능하거나 육성 시도마다 일정 확률로 불리한 조건에서 싸우게 되기</a:t>
+            </a:r>
+            <a:r>
+              <a:rPr lang="en-US" altLang="ko-KR" dirty="0"/>
+              <a:t>.(</a:t>
+            </a:r>
+            <a:r>
+              <a:rPr lang="ko-KR" altLang="en-US" dirty="0"/>
+              <a:t>이게 좋을 듯</a:t>
+            </a:r>
+            <a:r>
+              <a:rPr lang="en-US" altLang="ko-KR" dirty="0"/>
+              <a:t>)  </a:t>
+            </a:r>
+          </a:p>
+          <a:p>
+            <a:pPr marL="285750" indent="-285750">
+              <a:buFontTx/>
+              <a:buChar char="-"/>
+            </a:pPr>
+            <a:r>
+              <a:rPr lang="ko-KR" altLang="en-US" dirty="0"/>
+              <a:t>아니면 남은 체력에 따라 현재 확률보다 낮다면 즉사 등</a:t>
+            </a:r>
+            <a:endParaRPr lang="en-US" altLang="ko-KR" dirty="0"/>
+          </a:p>
+          <a:p>
+            <a:pPr marL="285750" indent="-285750">
+              <a:buFontTx/>
+              <a:buChar char="-"/>
+            </a:pPr>
+            <a:r>
+              <a:rPr lang="ko-KR" altLang="en-US" dirty="0"/>
+              <a:t>보스별로 이 조건을 다르게 하면 되겠다</a:t>
+            </a:r>
+            <a:r>
+              <a:rPr lang="en-US" altLang="ko-KR" dirty="0"/>
+              <a:t>.</a:t>
+            </a:r>
+          </a:p>
+          <a:p>
+            <a:pPr marL="285750" indent="-285750">
+              <a:buFontTx/>
+              <a:buChar char="-"/>
+            </a:pPr>
+            <a:endParaRPr lang="en-US" altLang="ko-KR" dirty="0"/>
+          </a:p>
+          <a:p>
+            <a:pPr marL="285750" indent="-285750">
+              <a:buFontTx/>
+              <a:buChar char="-"/>
+            </a:pPr>
+            <a:r>
+              <a:rPr lang="ko-KR" altLang="en-US" dirty="0"/>
+              <a:t>보스는 각 </a:t>
+            </a:r>
+            <a:r>
               <a:rPr lang="ko-KR" altLang="en-US" dirty="0" err="1"/>
-              <a:t>로미오와</a:t>
-            </a:r>
-            <a:r>
-              <a:rPr lang="ko-KR" altLang="en-US" dirty="0"/>
-              <a:t> 줄리엣</a:t>
-            </a:r>
-            <a:r>
-              <a:rPr lang="en-US" altLang="ko-KR" dirty="0"/>
-              <a:t>: </a:t>
-            </a:r>
-            <a:r>
-              <a:rPr lang="ko-KR" altLang="en-US" dirty="0"/>
-              <a:t>두개의 적 소환</a:t>
-            </a:r>
-            <a:r>
-              <a:rPr lang="en-US" altLang="ko-KR" dirty="0"/>
-              <a:t>, </a:t>
+              <a:t>페이즈별</a:t>
             </a:r>
             <a:r>
               <a:rPr lang="ko-KR" altLang="en-US" dirty="0"/>
               <a:t> </a:t>
             </a:r>
+            <a:r>
+              <a:rPr lang="en-US" altLang="ko-KR" dirty="0"/>
+              <a:t>2~3</a:t>
+            </a:r>
+            <a:r>
+              <a:rPr lang="ko-KR" altLang="en-US" dirty="0"/>
+              <a:t>마리 준비해놓기</a:t>
+            </a:r>
+            <a:r>
+              <a:rPr lang="en-US" altLang="ko-KR" dirty="0"/>
+              <a:t>.</a:t>
+            </a:r>
+          </a:p>
+          <a:p>
+            <a:pPr marL="285750" indent="-285750">
+              <a:buFontTx/>
+              <a:buChar char="-"/>
+            </a:pPr>
+            <a:endParaRPr lang="en-US" altLang="ko-KR" dirty="0"/>
+          </a:p>
+          <a:p>
             <a:endParaRPr lang="en-US" altLang="ko-KR" dirty="0"/>
           </a:p>
         </p:txBody>
@@ -5601,7 +5649,7 @@
     </p:spTree>
     <p:extLst>
       <p:ext uri="{BB962C8B-B14F-4D97-AF65-F5344CB8AC3E}">
-        <p14:creationId xmlns:p14="http://schemas.microsoft.com/office/powerpoint/2010/main" val="2395197371"/>
+        <p14:creationId xmlns:p14="http://schemas.microsoft.com/office/powerpoint/2010/main" val="3806403351"/>
       </p:ext>
     </p:extLst>
   </p:cSld>
@@ -5643,6 +5691,169 @@
         <p:spPr>
           <a:xfrm>
             <a:off x="574431" y="439615"/>
+            <a:ext cx="1420582" cy="369332"/>
+          </a:xfrm>
+          <a:prstGeom prst="rect">
+            <a:avLst/>
+          </a:prstGeom>
+          <a:noFill/>
+        </p:spPr>
+        <p:txBody>
+          <a:bodyPr wrap="none" rtlCol="0">
+            <a:spAutoFit/>
+          </a:bodyPr>
+          <a:lstStyle/>
+          <a:p>
+            <a:r>
+              <a:rPr lang="ko-KR" altLang="en-US" dirty="0"/>
+              <a:t>적 아이디어</a:t>
+            </a:r>
+          </a:p>
+        </p:txBody>
+      </p:sp>
+      <p:sp>
+        <p:nvSpPr>
+          <p:cNvPr id="11" name="TextBox 10">
+            <a:extLst>
+              <a:ext uri="{FF2B5EF4-FFF2-40B4-BE49-F238E27FC236}">
+                <a16:creationId xmlns:a16="http://schemas.microsoft.com/office/drawing/2014/main" id="{BE1D231D-2F7F-F83F-96CF-2CDE57F99C49}"/>
+              </a:ext>
+            </a:extLst>
+          </p:cNvPr>
+          <p:cNvSpPr txBox="1"/>
+          <p:nvPr/>
+        </p:nvSpPr>
+        <p:spPr>
+          <a:xfrm>
+            <a:off x="574431" y="1003973"/>
+            <a:ext cx="11108583" cy="646331"/>
+          </a:xfrm>
+          <a:prstGeom prst="rect">
+            <a:avLst/>
+          </a:prstGeom>
+          <a:noFill/>
+        </p:spPr>
+        <p:txBody>
+          <a:bodyPr wrap="square" rtlCol="0">
+            <a:spAutoFit/>
+          </a:bodyPr>
+          <a:lstStyle/>
+          <a:p>
+            <a:pPr marL="285750" indent="-285750">
+              <a:buFontTx/>
+              <a:buChar char="-"/>
+            </a:pPr>
+            <a:r>
+              <a:rPr lang="ko-KR" altLang="en-US" dirty="0"/>
+              <a:t>그리고 아무도 없었다</a:t>
+            </a:r>
+            <a:r>
+              <a:rPr lang="en-US" altLang="ko-KR" dirty="0"/>
+              <a:t>: </a:t>
+            </a:r>
+            <a:r>
+              <a:rPr lang="ko-KR" altLang="en-US" dirty="0"/>
+              <a:t>유저가</a:t>
+            </a:r>
+            <a:r>
+              <a:rPr lang="en-US" altLang="ko-KR" dirty="0"/>
+              <a:t> 10</a:t>
+            </a:r>
+            <a:r>
+              <a:rPr lang="ko-KR" altLang="en-US" dirty="0"/>
+              <a:t>개 이상의 문구 생성시 즉시 패배 </a:t>
+            </a:r>
+            <a:r>
+              <a:rPr lang="en-US" altLang="ko-KR" dirty="0"/>
+              <a:t>or </a:t>
+            </a:r>
+            <a:r>
+              <a:rPr lang="ko-KR" altLang="en-US" dirty="0"/>
+              <a:t>큰 확률 </a:t>
+            </a:r>
+            <a:r>
+              <a:rPr lang="en-US" altLang="ko-KR" dirty="0"/>
+              <a:t>–</a:t>
+            </a:r>
+          </a:p>
+          <a:p>
+            <a:pPr marL="285750" indent="-285750">
+              <a:buFontTx/>
+              <a:buChar char="-"/>
+            </a:pPr>
+            <a:r>
+              <a:rPr lang="ko-KR" altLang="en-US" dirty="0" err="1"/>
+              <a:t>로미오와</a:t>
+            </a:r>
+            <a:r>
+              <a:rPr lang="ko-KR" altLang="en-US" dirty="0"/>
+              <a:t> 줄리엣</a:t>
+            </a:r>
+            <a:r>
+              <a:rPr lang="en-US" altLang="ko-KR" dirty="0"/>
+              <a:t>: </a:t>
+            </a:r>
+            <a:r>
+              <a:rPr lang="ko-KR" altLang="en-US" dirty="0"/>
+              <a:t>두개의 적 소환</a:t>
+            </a:r>
+            <a:r>
+              <a:rPr lang="en-US" altLang="ko-KR" dirty="0"/>
+              <a:t>, </a:t>
+            </a:r>
+            <a:r>
+              <a:rPr lang="ko-KR" altLang="en-US" dirty="0"/>
+              <a:t> </a:t>
+            </a:r>
+            <a:endParaRPr lang="en-US" altLang="ko-KR" dirty="0"/>
+          </a:p>
+        </p:txBody>
+      </p:sp>
+    </p:spTree>
+    <p:extLst>
+      <p:ext uri="{BB962C8B-B14F-4D97-AF65-F5344CB8AC3E}">
+        <p14:creationId xmlns:p14="http://schemas.microsoft.com/office/powerpoint/2010/main" val="2395197371"/>
+      </p:ext>
+    </p:extLst>
+  </p:cSld>
+  <p:clrMapOvr>
+    <a:masterClrMapping/>
+  </p:clrMapOvr>
+</p:sld>
+</file>
+
+<file path=ppt/slides/slide7.xml><?xml version="1.0" encoding="utf-8"?>
+<p:sld xmlns:a="http://schemas.openxmlformats.org/drawingml/2006/main" xmlns:r="http://schemas.openxmlformats.org/officeDocument/2006/relationships" xmlns:p="http://schemas.openxmlformats.org/presentationml/2006/main">
+  <p:cSld>
+    <p:spTree>
+      <p:nvGrpSpPr>
+        <p:cNvPr id="1" name=""/>
+        <p:cNvGrpSpPr/>
+        <p:nvPr/>
+      </p:nvGrpSpPr>
+      <p:grpSpPr>
+        <a:xfrm>
+          <a:off x="0" y="0"/>
+          <a:ext cx="0" cy="0"/>
+          <a:chOff x="0" y="0"/>
+          <a:chExt cx="0" cy="0"/>
+        </a:xfrm>
+      </p:grpSpPr>
+      <p:sp>
+        <p:nvSpPr>
+          <p:cNvPr id="9" name="TextBox 8">
+            <a:extLst>
+              <a:ext uri="{FF2B5EF4-FFF2-40B4-BE49-F238E27FC236}">
+                <a16:creationId xmlns:a16="http://schemas.microsoft.com/office/drawing/2014/main" id="{7C3AEEB5-635B-CC9E-A34E-9221454EB919}"/>
+              </a:ext>
+            </a:extLst>
+          </p:cNvPr>
+          <p:cNvSpPr txBox="1"/>
+          <p:nvPr/>
+        </p:nvSpPr>
+        <p:spPr>
+          <a:xfrm>
+            <a:off x="574431" y="439615"/>
             <a:ext cx="415498" cy="369332"/>
           </a:xfrm>
           <a:prstGeom prst="rect">
@@ -5781,6 +5992,289 @@
     <p:extLst>
       <p:ext uri="{BB962C8B-B14F-4D97-AF65-F5344CB8AC3E}">
         <p14:creationId xmlns:p14="http://schemas.microsoft.com/office/powerpoint/2010/main" val="2708933499"/>
+      </p:ext>
+    </p:extLst>
+  </p:cSld>
+  <p:clrMapOvr>
+    <a:masterClrMapping/>
+  </p:clrMapOvr>
+</p:sld>
+</file>
+
+<file path=ppt/slides/slide8.xml><?xml version="1.0" encoding="utf-8"?>
+<p:sld xmlns:a="http://schemas.openxmlformats.org/drawingml/2006/main" xmlns:r="http://schemas.openxmlformats.org/officeDocument/2006/relationships" xmlns:p="http://schemas.openxmlformats.org/presentationml/2006/main">
+  <p:cSld>
+    <p:spTree>
+      <p:nvGrpSpPr>
+        <p:cNvPr id="1" name=""/>
+        <p:cNvGrpSpPr/>
+        <p:nvPr/>
+      </p:nvGrpSpPr>
+      <p:grpSpPr>
+        <a:xfrm>
+          <a:off x="0" y="0"/>
+          <a:ext cx="0" cy="0"/>
+          <a:chOff x="0" y="0"/>
+          <a:chExt cx="0" cy="0"/>
+        </a:xfrm>
+      </p:grpSpPr>
+      <p:sp>
+        <p:nvSpPr>
+          <p:cNvPr id="9" name="TextBox 8">
+            <a:extLst>
+              <a:ext uri="{FF2B5EF4-FFF2-40B4-BE49-F238E27FC236}">
+                <a16:creationId xmlns:a16="http://schemas.microsoft.com/office/drawing/2014/main" id="{7C3AEEB5-635B-CC9E-A34E-9221454EB919}"/>
+              </a:ext>
+            </a:extLst>
+          </p:cNvPr>
+          <p:cNvSpPr txBox="1"/>
+          <p:nvPr/>
+        </p:nvSpPr>
+        <p:spPr>
+          <a:xfrm>
+            <a:off x="574431" y="439615"/>
+            <a:ext cx="1963999" cy="369332"/>
+          </a:xfrm>
+          <a:prstGeom prst="rect">
+            <a:avLst/>
+          </a:prstGeom>
+          <a:noFill/>
+        </p:spPr>
+        <p:txBody>
+          <a:bodyPr wrap="none" rtlCol="0">
+            <a:spAutoFit/>
+          </a:bodyPr>
+          <a:lstStyle/>
+          <a:p>
+            <a:r>
+              <a:rPr lang="ko-KR" altLang="en-US" dirty="0"/>
+              <a:t>정보 텍스트 기획</a:t>
+            </a:r>
+          </a:p>
+        </p:txBody>
+      </p:sp>
+      <p:sp>
+        <p:nvSpPr>
+          <p:cNvPr id="11" name="TextBox 10">
+            <a:extLst>
+              <a:ext uri="{FF2B5EF4-FFF2-40B4-BE49-F238E27FC236}">
+                <a16:creationId xmlns:a16="http://schemas.microsoft.com/office/drawing/2014/main" id="{BE1D231D-2F7F-F83F-96CF-2CDE57F99C49}"/>
+              </a:ext>
+            </a:extLst>
+          </p:cNvPr>
+          <p:cNvSpPr txBox="1"/>
+          <p:nvPr/>
+        </p:nvSpPr>
+        <p:spPr>
+          <a:xfrm>
+            <a:off x="574430" y="1187769"/>
+            <a:ext cx="11154149" cy="1754326"/>
+          </a:xfrm>
+          <a:prstGeom prst="rect">
+            <a:avLst/>
+          </a:prstGeom>
+          <a:noFill/>
+        </p:spPr>
+        <p:txBody>
+          <a:bodyPr wrap="square" rtlCol="0">
+            <a:spAutoFit/>
+          </a:bodyPr>
+          <a:lstStyle/>
+          <a:p>
+            <a:pPr marL="285750" indent="-285750">
+              <a:buFontTx/>
+              <a:buChar char="-"/>
+            </a:pPr>
+            <a:r>
+              <a:rPr lang="ko-KR" altLang="en-US" dirty="0"/>
+              <a:t>이하부터는 전투 </a:t>
+            </a:r>
+            <a:r>
+              <a:rPr lang="ko-KR" altLang="en-US" dirty="0" err="1"/>
+              <a:t>씬에</a:t>
+            </a:r>
+            <a:r>
+              <a:rPr lang="ko-KR" altLang="en-US" dirty="0"/>
+              <a:t> 관련하여 저장할 정보들과</a:t>
+            </a:r>
+            <a:r>
+              <a:rPr lang="en-US" altLang="ko-KR" dirty="0"/>
+              <a:t>, </a:t>
+            </a:r>
+            <a:r>
+              <a:rPr lang="ko-KR" altLang="en-US" dirty="0"/>
+              <a:t>해당 정보들이 저장되는 형식의 지정에 관련한 내용</a:t>
+            </a:r>
+            <a:endParaRPr lang="en-US" altLang="ko-KR" dirty="0"/>
+          </a:p>
+          <a:p>
+            <a:pPr marL="285750" indent="-285750">
+              <a:buFontTx/>
+              <a:buChar char="-"/>
+            </a:pPr>
+            <a:endParaRPr lang="en-US" altLang="ko-KR" dirty="0"/>
+          </a:p>
+          <a:p>
+            <a:pPr marL="285750" indent="-285750">
+              <a:buFontTx/>
+              <a:buChar char="-"/>
+            </a:pPr>
+            <a:r>
+              <a:rPr lang="ko-KR" altLang="en-US" dirty="0"/>
+              <a:t>적의 정보</a:t>
+            </a:r>
+            <a:r>
+              <a:rPr lang="en-US" altLang="ko-KR" dirty="0"/>
+              <a:t>: </a:t>
+            </a:r>
+            <a:r>
+              <a:rPr lang="ko-KR" altLang="en-US" dirty="0"/>
+              <a:t>이름</a:t>
+            </a:r>
+            <a:r>
+              <a:rPr lang="en-US" altLang="ko-KR" dirty="0"/>
+              <a:t>, </a:t>
+            </a:r>
+            <a:r>
+              <a:rPr lang="ko-KR" altLang="en-US" dirty="0" err="1"/>
+              <a:t>스탯</a:t>
+            </a:r>
+            <a:r>
+              <a:rPr lang="en-US" altLang="ko-KR" dirty="0"/>
+              <a:t>(6</a:t>
+            </a:r>
+            <a:r>
+              <a:rPr lang="ko-KR" altLang="en-US" dirty="0"/>
+              <a:t>종</a:t>
+            </a:r>
+            <a:r>
+              <a:rPr lang="en-US" altLang="ko-KR" dirty="0"/>
+              <a:t>), </a:t>
+            </a:r>
+            <a:r>
+              <a:rPr lang="ko-KR" altLang="en-US" dirty="0"/>
+              <a:t>사용하는 무기</a:t>
+            </a:r>
+            <a:r>
+              <a:rPr lang="en-US" altLang="ko-KR" dirty="0"/>
+              <a:t>, </a:t>
+            </a:r>
+            <a:r>
+              <a:rPr lang="ko-KR" altLang="en-US" dirty="0"/>
+              <a:t>사용하는 스킬</a:t>
+            </a:r>
+            <a:r>
+              <a:rPr lang="en-US" altLang="ko-KR" dirty="0"/>
+              <a:t>(</a:t>
+            </a:r>
+            <a:r>
+              <a:rPr lang="ko-KR" altLang="en-US" dirty="0"/>
+              <a:t>자주 쓰이는 애들과 특수 스킬 구분</a:t>
+            </a:r>
+            <a:r>
+              <a:rPr lang="en-US" altLang="ko-KR" dirty="0"/>
+              <a:t>), </a:t>
+            </a:r>
+            <a:r>
+              <a:rPr lang="ko-KR" altLang="en-US" dirty="0"/>
+              <a:t>이외 특징</a:t>
+            </a:r>
+            <a:r>
+              <a:rPr lang="en-US" altLang="ko-KR" dirty="0"/>
+              <a:t>(2</a:t>
+            </a:r>
+            <a:r>
+              <a:rPr lang="ko-KR" altLang="en-US" dirty="0"/>
+              <a:t>번 등장하는 </a:t>
+            </a:r>
+            <a:r>
+              <a:rPr lang="ko-KR" altLang="en-US" dirty="0" err="1"/>
+              <a:t>적이라던가</a:t>
+            </a:r>
+            <a:r>
+              <a:rPr lang="ko-KR" altLang="en-US" dirty="0"/>
+              <a:t> 등</a:t>
+            </a:r>
+            <a:r>
+              <a:rPr lang="en-US" altLang="ko-KR" dirty="0"/>
+              <a:t>)</a:t>
+            </a:r>
+          </a:p>
+          <a:p>
+            <a:pPr marL="285750" indent="-285750">
+              <a:buFontTx/>
+              <a:buChar char="-"/>
+            </a:pPr>
+            <a:r>
+              <a:rPr lang="ko-KR" altLang="en-US" dirty="0"/>
+              <a:t>전투 텍스트</a:t>
+            </a:r>
+            <a:r>
+              <a:rPr lang="en-US" altLang="ko-KR" dirty="0"/>
+              <a:t>:  </a:t>
+            </a:r>
+            <a:r>
+              <a:rPr lang="ko-KR" altLang="en-US" dirty="0"/>
+              <a:t>행하는 대상</a:t>
+            </a:r>
+            <a:r>
+              <a:rPr lang="en-US" altLang="ko-KR" dirty="0"/>
+              <a:t>, </a:t>
+            </a:r>
+            <a:r>
+              <a:rPr lang="ko-KR" altLang="en-US" dirty="0"/>
+              <a:t>타격</a:t>
+            </a:r>
+            <a:r>
+              <a:rPr lang="en-US" altLang="ko-KR" dirty="0"/>
+              <a:t>, </a:t>
+            </a:r>
+            <a:r>
+              <a:rPr lang="ko-KR" altLang="en-US" dirty="0"/>
+              <a:t>스킬</a:t>
+            </a:r>
+            <a:r>
+              <a:rPr lang="en-US" altLang="ko-KR" dirty="0"/>
+              <a:t>, </a:t>
+            </a:r>
+            <a:r>
+              <a:rPr lang="ko-KR" altLang="en-US" dirty="0"/>
+              <a:t>아이템</a:t>
+            </a:r>
+            <a:r>
+              <a:rPr lang="en-US" altLang="ko-KR" dirty="0"/>
+              <a:t>, </a:t>
+            </a:r>
+            <a:r>
+              <a:rPr lang="ko-KR" altLang="en-US" dirty="0" err="1"/>
+              <a:t>대미지</a:t>
+            </a:r>
+            <a:r>
+              <a:rPr lang="ko-KR" altLang="en-US" dirty="0"/>
+              <a:t> 퍼센티지</a:t>
+            </a:r>
+            <a:r>
+              <a:rPr lang="en-US" altLang="ko-KR" dirty="0"/>
+              <a:t>, </a:t>
+            </a:r>
+            <a:r>
+              <a:rPr lang="ko-KR" altLang="en-US" dirty="0"/>
+              <a:t>크리티컬 여부</a:t>
+            </a:r>
+            <a:r>
+              <a:rPr lang="en-US" altLang="ko-KR" dirty="0"/>
+              <a:t>,</a:t>
+            </a:r>
+          </a:p>
+          <a:p>
+            <a:endParaRPr lang="en-US" altLang="ko-KR" dirty="0"/>
+          </a:p>
+        </p:txBody>
+      </p:sp>
+    </p:spTree>
+    <p:extLst>
+      <p:ext uri="{BB962C8B-B14F-4D97-AF65-F5344CB8AC3E}">
+        <p14:creationId xmlns:p14="http://schemas.microsoft.com/office/powerpoint/2010/main" val="1101546343"/>
       </p:ext>
     </p:extLst>
   </p:cSld>

--- a/전투.pptx
+++ b/전투.pptx
@@ -204,7 +204,7 @@
           <a:p>
             <a:fld id="{78BB3FCA-29EA-4E4D-BC49-503A661C573A}" type="datetimeFigureOut">
               <a:rPr lang="ko-KR" altLang="en-US" smtClean="0"/>
-              <a:t>2024-09-13</a:t>
+              <a:t>2024-09-27</a:t>
             </a:fld>
             <a:endParaRPr lang="ko-KR" altLang="en-US"/>
           </a:p>
@@ -870,7 +870,7 @@
           <a:p>
             <a:fld id="{8069FA6A-2A84-40D6-BD33-EFEC6828BE5B}" type="datetimeFigureOut">
               <a:rPr lang="ko-KR" altLang="en-US" smtClean="0"/>
-              <a:t>2024-09-13</a:t>
+              <a:t>2024-09-27</a:t>
             </a:fld>
             <a:endParaRPr lang="ko-KR" altLang="en-US"/>
           </a:p>
@@ -1068,7 +1068,7 @@
           <a:p>
             <a:fld id="{8069FA6A-2A84-40D6-BD33-EFEC6828BE5B}" type="datetimeFigureOut">
               <a:rPr lang="ko-KR" altLang="en-US" smtClean="0"/>
-              <a:t>2024-09-13</a:t>
+              <a:t>2024-09-27</a:t>
             </a:fld>
             <a:endParaRPr lang="ko-KR" altLang="en-US"/>
           </a:p>
@@ -1276,7 +1276,7 @@
           <a:p>
             <a:fld id="{8069FA6A-2A84-40D6-BD33-EFEC6828BE5B}" type="datetimeFigureOut">
               <a:rPr lang="ko-KR" altLang="en-US" smtClean="0"/>
-              <a:t>2024-09-13</a:t>
+              <a:t>2024-09-27</a:t>
             </a:fld>
             <a:endParaRPr lang="ko-KR" altLang="en-US"/>
           </a:p>
@@ -1474,7 +1474,7 @@
           <a:p>
             <a:fld id="{8069FA6A-2A84-40D6-BD33-EFEC6828BE5B}" type="datetimeFigureOut">
               <a:rPr lang="ko-KR" altLang="en-US" smtClean="0"/>
-              <a:t>2024-09-13</a:t>
+              <a:t>2024-09-27</a:t>
             </a:fld>
             <a:endParaRPr lang="ko-KR" altLang="en-US"/>
           </a:p>
@@ -1749,7 +1749,7 @@
           <a:p>
             <a:fld id="{8069FA6A-2A84-40D6-BD33-EFEC6828BE5B}" type="datetimeFigureOut">
               <a:rPr lang="ko-KR" altLang="en-US" smtClean="0"/>
-              <a:t>2024-09-13</a:t>
+              <a:t>2024-09-27</a:t>
             </a:fld>
             <a:endParaRPr lang="ko-KR" altLang="en-US"/>
           </a:p>
@@ -2014,7 +2014,7 @@
           <a:p>
             <a:fld id="{8069FA6A-2A84-40D6-BD33-EFEC6828BE5B}" type="datetimeFigureOut">
               <a:rPr lang="ko-KR" altLang="en-US" smtClean="0"/>
-              <a:t>2024-09-13</a:t>
+              <a:t>2024-09-27</a:t>
             </a:fld>
             <a:endParaRPr lang="ko-KR" altLang="en-US"/>
           </a:p>
@@ -2426,7 +2426,7 @@
           <a:p>
             <a:fld id="{8069FA6A-2A84-40D6-BD33-EFEC6828BE5B}" type="datetimeFigureOut">
               <a:rPr lang="ko-KR" altLang="en-US" smtClean="0"/>
-              <a:t>2024-09-13</a:t>
+              <a:t>2024-09-27</a:t>
             </a:fld>
             <a:endParaRPr lang="ko-KR" altLang="en-US"/>
           </a:p>
@@ -2567,7 +2567,7 @@
           <a:p>
             <a:fld id="{8069FA6A-2A84-40D6-BD33-EFEC6828BE5B}" type="datetimeFigureOut">
               <a:rPr lang="ko-KR" altLang="en-US" smtClean="0"/>
-              <a:t>2024-09-13</a:t>
+              <a:t>2024-09-27</a:t>
             </a:fld>
             <a:endParaRPr lang="ko-KR" altLang="en-US"/>
           </a:p>
@@ -2680,7 +2680,7 @@
           <a:p>
             <a:fld id="{8069FA6A-2A84-40D6-BD33-EFEC6828BE5B}" type="datetimeFigureOut">
               <a:rPr lang="ko-KR" altLang="en-US" smtClean="0"/>
-              <a:t>2024-09-13</a:t>
+              <a:t>2024-09-27</a:t>
             </a:fld>
             <a:endParaRPr lang="ko-KR" altLang="en-US"/>
           </a:p>
@@ -2991,7 +2991,7 @@
           <a:p>
             <a:fld id="{8069FA6A-2A84-40D6-BD33-EFEC6828BE5B}" type="datetimeFigureOut">
               <a:rPr lang="ko-KR" altLang="en-US" smtClean="0"/>
-              <a:t>2024-09-13</a:t>
+              <a:t>2024-09-27</a:t>
             </a:fld>
             <a:endParaRPr lang="ko-KR" altLang="en-US"/>
           </a:p>
@@ -3279,7 +3279,7 @@
           <a:p>
             <a:fld id="{8069FA6A-2A84-40D6-BD33-EFEC6828BE5B}" type="datetimeFigureOut">
               <a:rPr lang="ko-KR" altLang="en-US" smtClean="0"/>
-              <a:t>2024-09-13</a:t>
+              <a:t>2024-09-27</a:t>
             </a:fld>
             <a:endParaRPr lang="ko-KR" altLang="en-US"/>
           </a:p>
@@ -3520,7 +3520,7 @@
           <a:p>
             <a:fld id="{8069FA6A-2A84-40D6-BD33-EFEC6828BE5B}" type="datetimeFigureOut">
               <a:rPr lang="ko-KR" altLang="en-US" smtClean="0"/>
-              <a:t>2024-09-13</a:t>
+              <a:t>2024-09-27</a:t>
             </a:fld>
             <a:endParaRPr lang="ko-KR" altLang="en-US"/>
           </a:p>
@@ -6033,7 +6033,7 @@
         <p:spPr>
           <a:xfrm>
             <a:off x="574431" y="439615"/>
-            <a:ext cx="1963999" cy="369332"/>
+            <a:ext cx="1502334" cy="369332"/>
           </a:xfrm>
           <a:prstGeom prst="rect">
             <a:avLst/>
@@ -6048,7 +6048,7 @@
           <a:p>
             <a:r>
               <a:rPr lang="ko-KR" altLang="en-US" dirty="0"/>
-              <a:t>정보 텍스트 기획</a:t>
+              <a:t>정보 텍스트 </a:t>
             </a:r>
           </a:p>
         </p:txBody>
@@ -6068,7 +6068,7 @@
         <p:spPr>
           <a:xfrm>
             <a:off x="574430" y="1187769"/>
-            <a:ext cx="11154149" cy="1754326"/>
+            <a:ext cx="11154149" cy="2585323"/>
           </a:xfrm>
           <a:prstGeom prst="rect">
             <a:avLst/>
@@ -6219,7 +6219,15 @@
             </a:r>
             <a:r>
               <a:rPr lang="en-US" altLang="ko-KR" dirty="0"/>
-              <a:t>, </a:t>
+              <a:t>(</a:t>
+            </a:r>
+            <a:r>
+              <a:rPr lang="ko-KR" altLang="en-US" dirty="0"/>
+              <a:t>쓰는 애</a:t>
+            </a:r>
+            <a:r>
+              <a:rPr lang="en-US" altLang="ko-KR" dirty="0"/>
+              <a:t>), </a:t>
             </a:r>
             <a:r>
               <a:rPr lang="ko-KR" altLang="en-US" dirty="0"/>
@@ -6261,9 +6269,80 @@
               <a:rPr lang="ko-KR" altLang="en-US" dirty="0"/>
               <a:t>크리티컬 여부</a:t>
             </a:r>
-            <a:r>
-              <a:rPr lang="en-US" altLang="ko-KR" dirty="0"/>
-              <a:t>,</a:t>
+            <a:endParaRPr lang="en-US" altLang="ko-KR" dirty="0"/>
+          </a:p>
+          <a:p>
+            <a:pPr marL="285750" indent="-285750">
+              <a:buFontTx/>
+              <a:buChar char="-"/>
+            </a:pPr>
+            <a:r>
+              <a:rPr lang="ko-KR" altLang="en-US" dirty="0"/>
+              <a:t>각 문장에 들어갈 내용</a:t>
+            </a:r>
+            <a:r>
+              <a:rPr lang="en-US" altLang="ko-KR" dirty="0"/>
+              <a:t>: </a:t>
+            </a:r>
+            <a:r>
+              <a:rPr lang="ko-KR" altLang="en-US" dirty="0"/>
+              <a:t>행하는 대상</a:t>
+            </a:r>
+            <a:r>
+              <a:rPr lang="en-US" altLang="ko-KR" dirty="0"/>
+              <a:t>, </a:t>
+            </a:r>
+            <a:r>
+              <a:rPr lang="ko-KR" altLang="en-US" dirty="0"/>
+              <a:t>아이템명</a:t>
+            </a:r>
+            <a:r>
+              <a:rPr lang="en-US" altLang="ko-KR" dirty="0"/>
+              <a:t>, </a:t>
+            </a:r>
+            <a:r>
+              <a:rPr lang="ko-KR" altLang="en-US" dirty="0"/>
+              <a:t>크기에 따른 수식어</a:t>
+            </a:r>
+            <a:r>
+              <a:rPr lang="en-US" altLang="ko-KR" dirty="0"/>
+              <a:t>, </a:t>
+            </a:r>
+            <a:r>
+              <a:rPr lang="ko-KR" altLang="en-US" dirty="0"/>
+              <a:t>무기에 따른 수식어</a:t>
+            </a:r>
+            <a:r>
+              <a:rPr lang="en-US" altLang="ko-KR" dirty="0"/>
+              <a:t> </a:t>
+            </a:r>
+            <a:r>
+              <a:rPr lang="ko-KR" altLang="en-US" dirty="0"/>
+              <a:t>퍼센티지 </a:t>
+            </a:r>
+            <a:r>
+              <a:rPr lang="en-US" altLang="ko-KR" dirty="0"/>
+              <a:t>+ </a:t>
+            </a:r>
+            <a:r>
+              <a:rPr lang="ko-KR" altLang="en-US" dirty="0"/>
+              <a:t>크리티컬의 경우 크리티컬이라고 앞에 넣어두던가 폰트를 바꿔도 </a:t>
+            </a:r>
+            <a:r>
+              <a:rPr lang="ko-KR" altLang="en-US" dirty="0" err="1"/>
+              <a:t>될듯</a:t>
+            </a:r>
+            <a:r>
+              <a:rPr lang="en-US" altLang="ko-KR" dirty="0"/>
+              <a:t>?(ex. User : Huge Cut With </a:t>
+            </a:r>
+            <a:r>
+              <a:rPr lang="en-US" altLang="ko-KR" dirty="0" err="1"/>
+              <a:t>BroadSword</a:t>
+            </a:r>
+            <a:r>
+              <a:rPr lang="en-US" altLang="ko-KR" dirty="0"/>
+              <a:t>! 30%)</a:t>
             </a:r>
           </a:p>
           <a:p>

--- a/전투.pptx
+++ b/전투.pptx
@@ -5,7 +5,7 @@
     <p:sldMasterId id="2147483648" r:id="rId1"/>
   </p:sldMasterIdLst>
   <p:notesMasterIdLst>
-    <p:notesMasterId r:id="rId10"/>
+    <p:notesMasterId r:id="rId8"/>
   </p:notesMasterIdLst>
   <p:sldIdLst>
     <p:sldId id="266" r:id="rId2"/>
@@ -13,9 +13,7 @@
     <p:sldId id="269" r:id="rId4"/>
     <p:sldId id="274" r:id="rId5"/>
     <p:sldId id="272" r:id="rId6"/>
-    <p:sldId id="270" r:id="rId7"/>
-    <p:sldId id="268" r:id="rId8"/>
-    <p:sldId id="273" r:id="rId9"/>
+    <p:sldId id="273" r:id="rId7"/>
   </p:sldIdLst>
   <p:sldSz cx="12192000" cy="6858000"/>
   <p:notesSz cx="6858000" cy="9144000"/>
@@ -204,7 +202,7 @@
           <a:p>
             <a:fld id="{78BB3FCA-29EA-4E4D-BC49-503A661C573A}" type="datetimeFigureOut">
               <a:rPr lang="ko-KR" altLang="en-US" smtClean="0"/>
-              <a:t>2024-09-27</a:t>
+              <a:t>2024-10-08</a:t>
             </a:fld>
             <a:endParaRPr lang="ko-KR" altLang="en-US"/>
           </a:p>
@@ -870,7 +868,7 @@
           <a:p>
             <a:fld id="{8069FA6A-2A84-40D6-BD33-EFEC6828BE5B}" type="datetimeFigureOut">
               <a:rPr lang="ko-KR" altLang="en-US" smtClean="0"/>
-              <a:t>2024-09-27</a:t>
+              <a:t>2024-10-08</a:t>
             </a:fld>
             <a:endParaRPr lang="ko-KR" altLang="en-US"/>
           </a:p>
@@ -1068,7 +1066,7 @@
           <a:p>
             <a:fld id="{8069FA6A-2A84-40D6-BD33-EFEC6828BE5B}" type="datetimeFigureOut">
               <a:rPr lang="ko-KR" altLang="en-US" smtClean="0"/>
-              <a:t>2024-09-27</a:t>
+              <a:t>2024-10-08</a:t>
             </a:fld>
             <a:endParaRPr lang="ko-KR" altLang="en-US"/>
           </a:p>
@@ -1276,7 +1274,7 @@
           <a:p>
             <a:fld id="{8069FA6A-2A84-40D6-BD33-EFEC6828BE5B}" type="datetimeFigureOut">
               <a:rPr lang="ko-KR" altLang="en-US" smtClean="0"/>
-              <a:t>2024-09-27</a:t>
+              <a:t>2024-10-08</a:t>
             </a:fld>
             <a:endParaRPr lang="ko-KR" altLang="en-US"/>
           </a:p>
@@ -1474,7 +1472,7 @@
           <a:p>
             <a:fld id="{8069FA6A-2A84-40D6-BD33-EFEC6828BE5B}" type="datetimeFigureOut">
               <a:rPr lang="ko-KR" altLang="en-US" smtClean="0"/>
-              <a:t>2024-09-27</a:t>
+              <a:t>2024-10-08</a:t>
             </a:fld>
             <a:endParaRPr lang="ko-KR" altLang="en-US"/>
           </a:p>
@@ -1749,7 +1747,7 @@
           <a:p>
             <a:fld id="{8069FA6A-2A84-40D6-BD33-EFEC6828BE5B}" type="datetimeFigureOut">
               <a:rPr lang="ko-KR" altLang="en-US" smtClean="0"/>
-              <a:t>2024-09-27</a:t>
+              <a:t>2024-10-08</a:t>
             </a:fld>
             <a:endParaRPr lang="ko-KR" altLang="en-US"/>
           </a:p>
@@ -2014,7 +2012,7 @@
           <a:p>
             <a:fld id="{8069FA6A-2A84-40D6-BD33-EFEC6828BE5B}" type="datetimeFigureOut">
               <a:rPr lang="ko-KR" altLang="en-US" smtClean="0"/>
-              <a:t>2024-09-27</a:t>
+              <a:t>2024-10-08</a:t>
             </a:fld>
             <a:endParaRPr lang="ko-KR" altLang="en-US"/>
           </a:p>
@@ -2426,7 +2424,7 @@
           <a:p>
             <a:fld id="{8069FA6A-2A84-40D6-BD33-EFEC6828BE5B}" type="datetimeFigureOut">
               <a:rPr lang="ko-KR" altLang="en-US" smtClean="0"/>
-              <a:t>2024-09-27</a:t>
+              <a:t>2024-10-08</a:t>
             </a:fld>
             <a:endParaRPr lang="ko-KR" altLang="en-US"/>
           </a:p>
@@ -2567,7 +2565,7 @@
           <a:p>
             <a:fld id="{8069FA6A-2A84-40D6-BD33-EFEC6828BE5B}" type="datetimeFigureOut">
               <a:rPr lang="ko-KR" altLang="en-US" smtClean="0"/>
-              <a:t>2024-09-27</a:t>
+              <a:t>2024-10-08</a:t>
             </a:fld>
             <a:endParaRPr lang="ko-KR" altLang="en-US"/>
           </a:p>
@@ -2680,7 +2678,7 @@
           <a:p>
             <a:fld id="{8069FA6A-2A84-40D6-BD33-EFEC6828BE5B}" type="datetimeFigureOut">
               <a:rPr lang="ko-KR" altLang="en-US" smtClean="0"/>
-              <a:t>2024-09-27</a:t>
+              <a:t>2024-10-08</a:t>
             </a:fld>
             <a:endParaRPr lang="ko-KR" altLang="en-US"/>
           </a:p>
@@ -2991,7 +2989,7 @@
           <a:p>
             <a:fld id="{8069FA6A-2A84-40D6-BD33-EFEC6828BE5B}" type="datetimeFigureOut">
               <a:rPr lang="ko-KR" altLang="en-US" smtClean="0"/>
-              <a:t>2024-09-27</a:t>
+              <a:t>2024-10-08</a:t>
             </a:fld>
             <a:endParaRPr lang="ko-KR" altLang="en-US"/>
           </a:p>
@@ -3279,7 +3277,7 @@
           <a:p>
             <a:fld id="{8069FA6A-2A84-40D6-BD33-EFEC6828BE5B}" type="datetimeFigureOut">
               <a:rPr lang="ko-KR" altLang="en-US" smtClean="0"/>
-              <a:t>2024-09-27</a:t>
+              <a:t>2024-10-08</a:t>
             </a:fld>
             <a:endParaRPr lang="ko-KR" altLang="en-US"/>
           </a:p>
@@ -3520,7 +3518,7 @@
           <a:p>
             <a:fld id="{8069FA6A-2A84-40D6-BD33-EFEC6828BE5B}" type="datetimeFigureOut">
               <a:rPr lang="ko-KR" altLang="en-US" smtClean="0"/>
-              <a:t>2024-09-27</a:t>
+              <a:t>2024-10-08</a:t>
             </a:fld>
             <a:endParaRPr lang="ko-KR" altLang="en-US"/>
           </a:p>
@@ -5691,348 +5689,6 @@
         <p:spPr>
           <a:xfrm>
             <a:off x="574431" y="439615"/>
-            <a:ext cx="1420582" cy="369332"/>
-          </a:xfrm>
-          <a:prstGeom prst="rect">
-            <a:avLst/>
-          </a:prstGeom>
-          <a:noFill/>
-        </p:spPr>
-        <p:txBody>
-          <a:bodyPr wrap="none" rtlCol="0">
-            <a:spAutoFit/>
-          </a:bodyPr>
-          <a:lstStyle/>
-          <a:p>
-            <a:r>
-              <a:rPr lang="ko-KR" altLang="en-US" dirty="0"/>
-              <a:t>적 아이디어</a:t>
-            </a:r>
-          </a:p>
-        </p:txBody>
-      </p:sp>
-      <p:sp>
-        <p:nvSpPr>
-          <p:cNvPr id="11" name="TextBox 10">
-            <a:extLst>
-              <a:ext uri="{FF2B5EF4-FFF2-40B4-BE49-F238E27FC236}">
-                <a16:creationId xmlns:a16="http://schemas.microsoft.com/office/drawing/2014/main" id="{BE1D231D-2F7F-F83F-96CF-2CDE57F99C49}"/>
-              </a:ext>
-            </a:extLst>
-          </p:cNvPr>
-          <p:cNvSpPr txBox="1"/>
-          <p:nvPr/>
-        </p:nvSpPr>
-        <p:spPr>
-          <a:xfrm>
-            <a:off x="574431" y="1003973"/>
-            <a:ext cx="11108583" cy="646331"/>
-          </a:xfrm>
-          <a:prstGeom prst="rect">
-            <a:avLst/>
-          </a:prstGeom>
-          <a:noFill/>
-        </p:spPr>
-        <p:txBody>
-          <a:bodyPr wrap="square" rtlCol="0">
-            <a:spAutoFit/>
-          </a:bodyPr>
-          <a:lstStyle/>
-          <a:p>
-            <a:pPr marL="285750" indent="-285750">
-              <a:buFontTx/>
-              <a:buChar char="-"/>
-            </a:pPr>
-            <a:r>
-              <a:rPr lang="ko-KR" altLang="en-US" dirty="0"/>
-              <a:t>그리고 아무도 없었다</a:t>
-            </a:r>
-            <a:r>
-              <a:rPr lang="en-US" altLang="ko-KR" dirty="0"/>
-              <a:t>: </a:t>
-            </a:r>
-            <a:r>
-              <a:rPr lang="ko-KR" altLang="en-US" dirty="0"/>
-              <a:t>유저가</a:t>
-            </a:r>
-            <a:r>
-              <a:rPr lang="en-US" altLang="ko-KR" dirty="0"/>
-              <a:t> 10</a:t>
-            </a:r>
-            <a:r>
-              <a:rPr lang="ko-KR" altLang="en-US" dirty="0"/>
-              <a:t>개 이상의 문구 생성시 즉시 패배 </a:t>
-            </a:r>
-            <a:r>
-              <a:rPr lang="en-US" altLang="ko-KR" dirty="0"/>
-              <a:t>or </a:t>
-            </a:r>
-            <a:r>
-              <a:rPr lang="ko-KR" altLang="en-US" dirty="0"/>
-              <a:t>큰 확률 </a:t>
-            </a:r>
-            <a:r>
-              <a:rPr lang="en-US" altLang="ko-KR" dirty="0"/>
-              <a:t>–</a:t>
-            </a:r>
-          </a:p>
-          <a:p>
-            <a:pPr marL="285750" indent="-285750">
-              <a:buFontTx/>
-              <a:buChar char="-"/>
-            </a:pPr>
-            <a:r>
-              <a:rPr lang="ko-KR" altLang="en-US" dirty="0" err="1"/>
-              <a:t>로미오와</a:t>
-            </a:r>
-            <a:r>
-              <a:rPr lang="ko-KR" altLang="en-US" dirty="0"/>
-              <a:t> 줄리엣</a:t>
-            </a:r>
-            <a:r>
-              <a:rPr lang="en-US" altLang="ko-KR" dirty="0"/>
-              <a:t>: </a:t>
-            </a:r>
-            <a:r>
-              <a:rPr lang="ko-KR" altLang="en-US" dirty="0"/>
-              <a:t>두개의 적 소환</a:t>
-            </a:r>
-            <a:r>
-              <a:rPr lang="en-US" altLang="ko-KR" dirty="0"/>
-              <a:t>, </a:t>
-            </a:r>
-            <a:r>
-              <a:rPr lang="ko-KR" altLang="en-US" dirty="0"/>
-              <a:t> </a:t>
-            </a:r>
-            <a:endParaRPr lang="en-US" altLang="ko-KR" dirty="0"/>
-          </a:p>
-        </p:txBody>
-      </p:sp>
-    </p:spTree>
-    <p:extLst>
-      <p:ext uri="{BB962C8B-B14F-4D97-AF65-F5344CB8AC3E}">
-        <p14:creationId xmlns:p14="http://schemas.microsoft.com/office/powerpoint/2010/main" val="2395197371"/>
-      </p:ext>
-    </p:extLst>
-  </p:cSld>
-  <p:clrMapOvr>
-    <a:masterClrMapping/>
-  </p:clrMapOvr>
-</p:sld>
-</file>
-
-<file path=ppt/slides/slide7.xml><?xml version="1.0" encoding="utf-8"?>
-<p:sld xmlns:a="http://schemas.openxmlformats.org/drawingml/2006/main" xmlns:r="http://schemas.openxmlformats.org/officeDocument/2006/relationships" xmlns:p="http://schemas.openxmlformats.org/presentationml/2006/main">
-  <p:cSld>
-    <p:spTree>
-      <p:nvGrpSpPr>
-        <p:cNvPr id="1" name=""/>
-        <p:cNvGrpSpPr/>
-        <p:nvPr/>
-      </p:nvGrpSpPr>
-      <p:grpSpPr>
-        <a:xfrm>
-          <a:off x="0" y="0"/>
-          <a:ext cx="0" cy="0"/>
-          <a:chOff x="0" y="0"/>
-          <a:chExt cx="0" cy="0"/>
-        </a:xfrm>
-      </p:grpSpPr>
-      <p:sp>
-        <p:nvSpPr>
-          <p:cNvPr id="9" name="TextBox 8">
-            <a:extLst>
-              <a:ext uri="{FF2B5EF4-FFF2-40B4-BE49-F238E27FC236}">
-                <a16:creationId xmlns:a16="http://schemas.microsoft.com/office/drawing/2014/main" id="{7C3AEEB5-635B-CC9E-A34E-9221454EB919}"/>
-              </a:ext>
-            </a:extLst>
-          </p:cNvPr>
-          <p:cNvSpPr txBox="1"/>
-          <p:nvPr/>
-        </p:nvSpPr>
-        <p:spPr>
-          <a:xfrm>
-            <a:off x="574431" y="439615"/>
-            <a:ext cx="415498" cy="369332"/>
-          </a:xfrm>
-          <a:prstGeom prst="rect">
-            <a:avLst/>
-          </a:prstGeom>
-          <a:noFill/>
-        </p:spPr>
-        <p:txBody>
-          <a:bodyPr wrap="none" rtlCol="0">
-            <a:spAutoFit/>
-          </a:bodyPr>
-          <a:lstStyle/>
-          <a:p>
-            <a:r>
-              <a:rPr lang="ko-KR" altLang="en-US" dirty="0"/>
-              <a:t>적</a:t>
-            </a:r>
-          </a:p>
-        </p:txBody>
-      </p:sp>
-      <p:sp>
-        <p:nvSpPr>
-          <p:cNvPr id="11" name="TextBox 10">
-            <a:extLst>
-              <a:ext uri="{FF2B5EF4-FFF2-40B4-BE49-F238E27FC236}">
-                <a16:creationId xmlns:a16="http://schemas.microsoft.com/office/drawing/2014/main" id="{BE1D231D-2F7F-F83F-96CF-2CDE57F99C49}"/>
-              </a:ext>
-            </a:extLst>
-          </p:cNvPr>
-          <p:cNvSpPr txBox="1"/>
-          <p:nvPr/>
-        </p:nvSpPr>
-        <p:spPr>
-          <a:xfrm>
-            <a:off x="574430" y="1187769"/>
-            <a:ext cx="11154149" cy="2031325"/>
-          </a:xfrm>
-          <a:prstGeom prst="rect">
-            <a:avLst/>
-          </a:prstGeom>
-          <a:noFill/>
-        </p:spPr>
-        <p:txBody>
-          <a:bodyPr wrap="square" rtlCol="0">
-            <a:spAutoFit/>
-          </a:bodyPr>
-          <a:lstStyle/>
-          <a:p>
-            <a:pPr marL="285750" indent="-285750">
-              <a:buFontTx/>
-              <a:buChar char="-"/>
-            </a:pPr>
-            <a:r>
-              <a:rPr lang="en-US" altLang="ko-KR" dirty="0"/>
-              <a:t>Stan</a:t>
-            </a:r>
-          </a:p>
-          <a:p>
-            <a:pPr marL="285750" indent="-285750">
-              <a:buFontTx/>
-              <a:buChar char="-"/>
-            </a:pPr>
-            <a:r>
-              <a:rPr lang="en-US" altLang="ko-KR" dirty="0"/>
-              <a:t>1 </a:t>
-            </a:r>
-            <a:r>
-              <a:rPr lang="ko-KR" altLang="en-US" dirty="0"/>
-              <a:t>챕터 아니면 </a:t>
-            </a:r>
-            <a:r>
-              <a:rPr lang="en-US" altLang="ko-KR" dirty="0"/>
-              <a:t>5</a:t>
-            </a:r>
-            <a:r>
-              <a:rPr lang="ko-KR" altLang="en-US" dirty="0"/>
-              <a:t>챕터에 등장</a:t>
-            </a:r>
-            <a:endParaRPr lang="en-US" altLang="ko-KR" dirty="0"/>
-          </a:p>
-          <a:p>
-            <a:pPr marL="285750" indent="-285750">
-              <a:buFontTx/>
-              <a:buChar char="-"/>
-            </a:pPr>
-            <a:r>
-              <a:rPr lang="ko-KR" altLang="en-US" dirty="0"/>
-              <a:t>근력</a:t>
-            </a:r>
-            <a:r>
-              <a:rPr lang="en-US" altLang="ko-KR" dirty="0"/>
-              <a:t>:</a:t>
-            </a:r>
-          </a:p>
-          <a:p>
-            <a:pPr marL="285750" indent="-285750">
-              <a:buFontTx/>
-              <a:buChar char="-"/>
-            </a:pPr>
-            <a:r>
-              <a:rPr lang="ko-KR" altLang="en-US" dirty="0"/>
-              <a:t>특수 능력</a:t>
-            </a:r>
-            <a:r>
-              <a:rPr lang="en-US" altLang="ko-KR" dirty="0"/>
-              <a:t>:</a:t>
-            </a:r>
-          </a:p>
-          <a:p>
-            <a:pPr marL="285750" indent="-285750">
-              <a:buFontTx/>
-              <a:buChar char="-"/>
-            </a:pPr>
-            <a:r>
-              <a:rPr lang="ko-KR" altLang="en-US" dirty="0"/>
-              <a:t>스킬</a:t>
-            </a:r>
-            <a:r>
-              <a:rPr lang="en-US" altLang="ko-KR" dirty="0"/>
-              <a:t>:</a:t>
-            </a:r>
-          </a:p>
-          <a:p>
-            <a:pPr marL="285750" indent="-285750">
-              <a:buFontTx/>
-              <a:buChar char="-"/>
-            </a:pPr>
-            <a:endParaRPr lang="en-US" altLang="ko-KR" dirty="0"/>
-          </a:p>
-          <a:p>
-            <a:endParaRPr lang="en-US" altLang="ko-KR" dirty="0"/>
-          </a:p>
-        </p:txBody>
-      </p:sp>
-    </p:spTree>
-    <p:extLst>
-      <p:ext uri="{BB962C8B-B14F-4D97-AF65-F5344CB8AC3E}">
-        <p14:creationId xmlns:p14="http://schemas.microsoft.com/office/powerpoint/2010/main" val="2708933499"/>
-      </p:ext>
-    </p:extLst>
-  </p:cSld>
-  <p:clrMapOvr>
-    <a:masterClrMapping/>
-  </p:clrMapOvr>
-</p:sld>
-</file>
-
-<file path=ppt/slides/slide8.xml><?xml version="1.0" encoding="utf-8"?>
-<p:sld xmlns:a="http://schemas.openxmlformats.org/drawingml/2006/main" xmlns:r="http://schemas.openxmlformats.org/officeDocument/2006/relationships" xmlns:p="http://schemas.openxmlformats.org/presentationml/2006/main">
-  <p:cSld>
-    <p:spTree>
-      <p:nvGrpSpPr>
-        <p:cNvPr id="1" name=""/>
-        <p:cNvGrpSpPr/>
-        <p:nvPr/>
-      </p:nvGrpSpPr>
-      <p:grpSpPr>
-        <a:xfrm>
-          <a:off x="0" y="0"/>
-          <a:ext cx="0" cy="0"/>
-          <a:chOff x="0" y="0"/>
-          <a:chExt cx="0" cy="0"/>
-        </a:xfrm>
-      </p:grpSpPr>
-      <p:sp>
-        <p:nvSpPr>
-          <p:cNvPr id="9" name="TextBox 8">
-            <a:extLst>
-              <a:ext uri="{FF2B5EF4-FFF2-40B4-BE49-F238E27FC236}">
-                <a16:creationId xmlns:a16="http://schemas.microsoft.com/office/drawing/2014/main" id="{7C3AEEB5-635B-CC9E-A34E-9221454EB919}"/>
-              </a:ext>
-            </a:extLst>
-          </p:cNvPr>
-          <p:cNvSpPr txBox="1"/>
-          <p:nvPr/>
-        </p:nvSpPr>
-        <p:spPr>
-          <a:xfrm>
-            <a:off x="574431" y="439615"/>
             <a:ext cx="1502334" cy="369332"/>
           </a:xfrm>
           <a:prstGeom prst="rect">
@@ -6068,7 +5724,7 @@
         <p:spPr>
           <a:xfrm>
             <a:off x="574430" y="1187769"/>
-            <a:ext cx="11154149" cy="2585323"/>
+            <a:ext cx="11154149" cy="2862322"/>
           </a:xfrm>
           <a:prstGeom prst="rect">
             <a:avLst/>
@@ -6346,7 +6002,50 @@
             </a:r>
           </a:p>
           <a:p>
-            <a:endParaRPr lang="en-US" altLang="ko-KR" dirty="0"/>
+            <a:pPr marL="285750" indent="-285750">
+              <a:buFontTx/>
+              <a:buChar char="-"/>
+            </a:pPr>
+            <a:r>
+              <a:rPr lang="ko-KR" altLang="en-US" dirty="0"/>
+              <a:t>크기에 따른 수식어</a:t>
+            </a:r>
+            <a:r>
+              <a:rPr lang="en-US" altLang="ko-KR" dirty="0"/>
+              <a:t>: smallest, smaller, small, medium, large, larger, largest</a:t>
+            </a:r>
+            <a:r>
+              <a:rPr lang="ko-KR" altLang="en-US" dirty="0"/>
+              <a:t>로 </a:t>
+            </a:r>
+            <a:r>
+              <a:rPr lang="en-US" altLang="ko-KR" dirty="0"/>
+              <a:t>7</a:t>
+            </a:r>
+            <a:r>
+              <a:rPr lang="ko-KR" altLang="en-US" dirty="0"/>
+              <a:t>가지 단계임</a:t>
+            </a:r>
+            <a:r>
+              <a:rPr lang="en-US" altLang="ko-KR" dirty="0"/>
+              <a:t>. </a:t>
+            </a:r>
+            <a:r>
+              <a:rPr lang="ko-KR" altLang="en-US" dirty="0"/>
+              <a:t>이걸 </a:t>
+            </a:r>
+            <a:r>
+              <a:rPr lang="en-US" altLang="ko-KR" dirty="0"/>
+              <a:t>0~100</a:t>
+            </a:r>
+            <a:r>
+              <a:rPr lang="ko-KR" altLang="en-US" dirty="0"/>
+              <a:t>까지로 해서 나누면 </a:t>
+            </a:r>
+            <a:r>
+              <a:rPr lang="en-US" altLang="ko-KR" dirty="0"/>
+              <a:t>3, 7, 12, 18, 30, 50 </a:t>
+            </a:r>
           </a:p>
         </p:txBody>
       </p:sp>

--- a/전투.pptx
+++ b/전투.pptx
@@ -202,7 +202,7 @@
           <a:p>
             <a:fld id="{78BB3FCA-29EA-4E4D-BC49-503A661C573A}" type="datetimeFigureOut">
               <a:rPr lang="ko-KR" altLang="en-US" smtClean="0"/>
-              <a:t>2024-10-08</a:t>
+              <a:t>2024-10-15</a:t>
             </a:fld>
             <a:endParaRPr lang="ko-KR" altLang="en-US"/>
           </a:p>
@@ -868,7 +868,7 @@
           <a:p>
             <a:fld id="{8069FA6A-2A84-40D6-BD33-EFEC6828BE5B}" type="datetimeFigureOut">
               <a:rPr lang="ko-KR" altLang="en-US" smtClean="0"/>
-              <a:t>2024-10-08</a:t>
+              <a:t>2024-10-15</a:t>
             </a:fld>
             <a:endParaRPr lang="ko-KR" altLang="en-US"/>
           </a:p>
@@ -1066,7 +1066,7 @@
           <a:p>
             <a:fld id="{8069FA6A-2A84-40D6-BD33-EFEC6828BE5B}" type="datetimeFigureOut">
               <a:rPr lang="ko-KR" altLang="en-US" smtClean="0"/>
-              <a:t>2024-10-08</a:t>
+              <a:t>2024-10-15</a:t>
             </a:fld>
             <a:endParaRPr lang="ko-KR" altLang="en-US"/>
           </a:p>
@@ -1274,7 +1274,7 @@
           <a:p>
             <a:fld id="{8069FA6A-2A84-40D6-BD33-EFEC6828BE5B}" type="datetimeFigureOut">
               <a:rPr lang="ko-KR" altLang="en-US" smtClean="0"/>
-              <a:t>2024-10-08</a:t>
+              <a:t>2024-10-15</a:t>
             </a:fld>
             <a:endParaRPr lang="ko-KR" altLang="en-US"/>
           </a:p>
@@ -1472,7 +1472,7 @@
           <a:p>
             <a:fld id="{8069FA6A-2A84-40D6-BD33-EFEC6828BE5B}" type="datetimeFigureOut">
               <a:rPr lang="ko-KR" altLang="en-US" smtClean="0"/>
-              <a:t>2024-10-08</a:t>
+              <a:t>2024-10-15</a:t>
             </a:fld>
             <a:endParaRPr lang="ko-KR" altLang="en-US"/>
           </a:p>
@@ -1747,7 +1747,7 @@
           <a:p>
             <a:fld id="{8069FA6A-2A84-40D6-BD33-EFEC6828BE5B}" type="datetimeFigureOut">
               <a:rPr lang="ko-KR" altLang="en-US" smtClean="0"/>
-              <a:t>2024-10-08</a:t>
+              <a:t>2024-10-15</a:t>
             </a:fld>
             <a:endParaRPr lang="ko-KR" altLang="en-US"/>
           </a:p>
@@ -2012,7 +2012,7 @@
           <a:p>
             <a:fld id="{8069FA6A-2A84-40D6-BD33-EFEC6828BE5B}" type="datetimeFigureOut">
               <a:rPr lang="ko-KR" altLang="en-US" smtClean="0"/>
-              <a:t>2024-10-08</a:t>
+              <a:t>2024-10-15</a:t>
             </a:fld>
             <a:endParaRPr lang="ko-KR" altLang="en-US"/>
           </a:p>
@@ -2424,7 +2424,7 @@
           <a:p>
             <a:fld id="{8069FA6A-2A84-40D6-BD33-EFEC6828BE5B}" type="datetimeFigureOut">
               <a:rPr lang="ko-KR" altLang="en-US" smtClean="0"/>
-              <a:t>2024-10-08</a:t>
+              <a:t>2024-10-15</a:t>
             </a:fld>
             <a:endParaRPr lang="ko-KR" altLang="en-US"/>
           </a:p>
@@ -2565,7 +2565,7 @@
           <a:p>
             <a:fld id="{8069FA6A-2A84-40D6-BD33-EFEC6828BE5B}" type="datetimeFigureOut">
               <a:rPr lang="ko-KR" altLang="en-US" smtClean="0"/>
-              <a:t>2024-10-08</a:t>
+              <a:t>2024-10-15</a:t>
             </a:fld>
             <a:endParaRPr lang="ko-KR" altLang="en-US"/>
           </a:p>
@@ -2678,7 +2678,7 @@
           <a:p>
             <a:fld id="{8069FA6A-2A84-40D6-BD33-EFEC6828BE5B}" type="datetimeFigureOut">
               <a:rPr lang="ko-KR" altLang="en-US" smtClean="0"/>
-              <a:t>2024-10-08</a:t>
+              <a:t>2024-10-15</a:t>
             </a:fld>
             <a:endParaRPr lang="ko-KR" altLang="en-US"/>
           </a:p>
@@ -2989,7 +2989,7 @@
           <a:p>
             <a:fld id="{8069FA6A-2A84-40D6-BD33-EFEC6828BE5B}" type="datetimeFigureOut">
               <a:rPr lang="ko-KR" altLang="en-US" smtClean="0"/>
-              <a:t>2024-10-08</a:t>
+              <a:t>2024-10-15</a:t>
             </a:fld>
             <a:endParaRPr lang="ko-KR" altLang="en-US"/>
           </a:p>
@@ -3277,7 +3277,7 @@
           <a:p>
             <a:fld id="{8069FA6A-2A84-40D6-BD33-EFEC6828BE5B}" type="datetimeFigureOut">
               <a:rPr lang="ko-KR" altLang="en-US" smtClean="0"/>
-              <a:t>2024-10-08</a:t>
+              <a:t>2024-10-15</a:t>
             </a:fld>
             <a:endParaRPr lang="ko-KR" altLang="en-US"/>
           </a:p>
@@ -3518,7 +3518,7 @@
           <a:p>
             <a:fld id="{8069FA6A-2A84-40D6-BD33-EFEC6828BE5B}" type="datetimeFigureOut">
               <a:rPr lang="ko-KR" altLang="en-US" smtClean="0"/>
-              <a:t>2024-10-08</a:t>
+              <a:t>2024-10-15</a:t>
             </a:fld>
             <a:endParaRPr lang="ko-KR" altLang="en-US"/>
           </a:p>
